--- a/Data/sample-input.pptx
+++ b/Data/sample-input.pptx
@@ -1,21 +1,20 @@
 
 <file path=ppt/presentation.xml><?xml version="1.0" encoding="utf-8"?>
-<!--Generated by Aspose.Slides for .NET 15.7.0.0-->
-<p:presentation xmlns:r="http://schemas.openxmlformats.org/officeDocument/2006/relationships" xmlns:a="http://schemas.openxmlformats.org/drawingml/2006/main" xmlns:p="http://schemas.openxmlformats.org/presentationml/2006/main" saveSubsetFonts="1">
+<p:presentation xmlns:a="http://schemas.openxmlformats.org/drawingml/2006/main" xmlns:r="http://schemas.openxmlformats.org/officeDocument/2006/relationships" xmlns:p="http://schemas.openxmlformats.org/presentationml/2006/main" saveSubsetFonts="1">
   <p:sldMasterIdLst>
-    <p:sldMasterId id="2147483648" r:id="rId2"/>
-    <p:sldMasterId id="2147483660" r:id="rId3"/>
-    <p:sldMasterId id="2147483672" r:id="rId4"/>
+    <p:sldMasterId id="2147483648" r:id="rId1"/>
+    <p:sldMasterId id="2147483660" r:id="rId2"/>
+    <p:sldMasterId id="2147483672" r:id="rId3"/>
   </p:sldMasterIdLst>
   <p:sldIdLst>
-    <p:sldId id="256" r:id="rId5"/>
-    <p:sldId id="257" r:id="rId6"/>
-    <p:sldId id="258" r:id="rId7"/>
+    <p:sldId id="256" r:id="rId4"/>
+    <p:sldId id="257" r:id="rId5"/>
+    <p:sldId id="258" r:id="rId6"/>
   </p:sldIdLst>
   <p:sldSz cx="9144000" cy="6858000" type="screen4x3"/>
   <p:notesSz cx="6858000" cy="9144000"/>
   <p:custDataLst>
-    <p:tags r:id="rId8"/>
+    <p:tags r:id="rId7"/>
   </p:custDataLst>
   <p:defaultTextStyle>
     <a:defPPr>
@@ -32,7 +31,7 @@
         <a:solidFill>
           <a:schemeClr val="tx1"/>
         </a:solidFill>
-        <a:latin typeface="Arial"/>
+        <a:latin typeface="Arial" charset="0"/>
         <a:ea typeface="+mn-ea"/>
         <a:cs typeface="+mn-cs"/>
       </a:defRPr>
@@ -48,7 +47,7 @@
         <a:solidFill>
           <a:schemeClr val="tx1"/>
         </a:solidFill>
-        <a:latin typeface="Arial"/>
+        <a:latin typeface="Arial" charset="0"/>
         <a:ea typeface="+mn-ea"/>
         <a:cs typeface="+mn-cs"/>
       </a:defRPr>
@@ -64,7 +63,7 @@
         <a:solidFill>
           <a:schemeClr val="tx1"/>
         </a:solidFill>
-        <a:latin typeface="Arial"/>
+        <a:latin typeface="Arial" charset="0"/>
         <a:ea typeface="+mn-ea"/>
         <a:cs typeface="+mn-cs"/>
       </a:defRPr>
@@ -80,7 +79,7 @@
         <a:solidFill>
           <a:schemeClr val="tx1"/>
         </a:solidFill>
-        <a:latin typeface="Arial"/>
+        <a:latin typeface="Arial" charset="0"/>
         <a:ea typeface="+mn-ea"/>
         <a:cs typeface="+mn-cs"/>
       </a:defRPr>
@@ -96,7 +95,7 @@
         <a:solidFill>
           <a:schemeClr val="tx1"/>
         </a:solidFill>
-        <a:latin typeface="Arial"/>
+        <a:latin typeface="Arial" charset="0"/>
         <a:ea typeface="+mn-ea"/>
         <a:cs typeface="+mn-cs"/>
       </a:defRPr>
@@ -106,7 +105,7 @@
         <a:solidFill>
           <a:schemeClr val="tx1"/>
         </a:solidFill>
-        <a:latin typeface="Arial"/>
+        <a:latin typeface="Arial" charset="0"/>
         <a:ea typeface="+mn-ea"/>
         <a:cs typeface="+mn-cs"/>
       </a:defRPr>
@@ -116,7 +115,7 @@
         <a:solidFill>
           <a:schemeClr val="tx1"/>
         </a:solidFill>
-        <a:latin typeface="Arial"/>
+        <a:latin typeface="Arial" charset="0"/>
         <a:ea typeface="+mn-ea"/>
         <a:cs typeface="+mn-cs"/>
       </a:defRPr>
@@ -126,7 +125,7 @@
         <a:solidFill>
           <a:schemeClr val="tx1"/>
         </a:solidFill>
-        <a:latin typeface="Arial"/>
+        <a:latin typeface="Arial" charset="0"/>
         <a:ea typeface="+mn-ea"/>
         <a:cs typeface="+mn-cs"/>
       </a:defRPr>
@@ -136,7 +135,7 @@
         <a:solidFill>
           <a:schemeClr val="tx1"/>
         </a:solidFill>
-        <a:latin typeface="Arial"/>
+        <a:latin typeface="Arial" charset="0"/>
         <a:ea typeface="+mn-ea"/>
         <a:cs typeface="+mn-cs"/>
       </a:defRPr>
@@ -146,14 +145,14 @@
 </file>
 
 <file path=ppt/commentAuthors.xml><?xml version="1.0" encoding="utf-8"?>
-<p:cmAuthorLst xmlns:p="http://schemas.openxmlformats.org/presentationml/2006/main">
+<p:cmAuthorLst xmlns:a="http://schemas.openxmlformats.org/drawingml/2006/main" xmlns:r="http://schemas.openxmlformats.org/officeDocument/2006/relationships" xmlns:p="http://schemas.openxmlformats.org/presentationml/2006/main">
   <p:cmAuthor id="0" name="Farooq Sheikh" initials="FS" lastIdx="1" clrIdx="0"/>
 </p:cmAuthorLst>
 </file>
 
 <file path=ppt/comments/comment1.xml><?xml version="1.0" encoding="utf-8"?>
-<p:cmLst xmlns:a="http://schemas.openxmlformats.org/drawingml/2006/main" xmlns:p="http://schemas.openxmlformats.org/presentationml/2006/main">
-  <p:cm authorId="0" dt="2015-07-03T16:33:23.6400000" idx="1">
+<p:cmLst xmlns:a="http://schemas.openxmlformats.org/drawingml/2006/main" xmlns:r="http://schemas.openxmlformats.org/officeDocument/2006/relationships" xmlns:p="http://schemas.openxmlformats.org/presentationml/2006/main">
+  <p:cm authorId="0" dt="2015-07-03T16:33:23.640" idx="1">
     <p:pos x="10" y="10"/>
     <p:text>This is a test comment</p:text>
   </p:cm>
@@ -161,7 +160,7 @@
 </file>
 
 <file path=ppt/slideLayouts/slideLayout1.xml><?xml version="1.0" encoding="utf-8"?>
-<p:sldLayout xmlns:a="http://schemas.openxmlformats.org/drawingml/2006/main" xmlns:r="http://schemas.openxmlformats.org/officeDocument/2006/relationships" xmlns:p14="http://schemas.microsoft.com/office/powerpoint/2010/main" xmlns:p15="http://schemas.microsoft.com/office/powerpoint/2012/main" xmlns:p="http://schemas.openxmlformats.org/presentationml/2006/main" type="title" preserve="1">
+<p:sldLayout xmlns:a="http://schemas.openxmlformats.org/drawingml/2006/main" xmlns:r="http://schemas.openxmlformats.org/officeDocument/2006/relationships" xmlns:p="http://schemas.openxmlformats.org/presentationml/2006/main" type="title" preserve="1">
   <p:cSld name="Title Slide">
     <p:spTree>
       <p:nvGrpSpPr>
@@ -173,6 +172,8 @@
         <a:xfrm>
           <a:off x="0" y="0"/>
           <a:ext cx="0" cy="0"/>
+          <a:chOff x="0" y="0"/>
+          <a:chExt cx="0" cy="0"/>
         </a:xfrm>
       </p:grpSpPr>
       <p:sp>
@@ -344,13 +345,14 @@
             <a:pPr>
               <a:defRPr/>
             </a:pPr>
-            <a:fld id="{8972FBD0-40B6-4105-A50C-1DBE4F6A3AB0}" type="datetimeFigureOut">
+            <a:fld id="{29A185FD-0B35-4D8E-9BEE-24823EBBED6D}" type="datetimeFigureOut">
               <a:rPr lang="en-US"/>
               <a:pPr>
                 <a:defRPr/>
               </a:pPr>
-              <a:t>7/3/2015</a:t>
+              <a:t>10/12/2015</a:t>
             </a:fld>
+            <a:endParaRPr lang="en-US"/>
           </a:p>
         </p:txBody>
       </p:sp>
@@ -402,13 +404,14 @@
             <a:pPr>
               <a:defRPr/>
             </a:pPr>
-            <a:fld id="{759768FE-07ED-42E3-A9AE-D8E7F577F0A3}" type="slidenum">
+            <a:fld id="{55CFBA45-A212-406D-996A-53C2E1318BF9}" type="slidenum">
               <a:rPr lang="en-US"/>
               <a:pPr>
                 <a:defRPr/>
               </a:pPr>
               <a:t>‹#›</a:t>
             </a:fld>
+            <a:endParaRPr lang="en-US"/>
           </a:p>
         </p:txBody>
       </p:sp>
@@ -417,13 +420,11 @@
   <p:clrMapOvr>
     <a:masterClrMapping/>
   </p:clrMapOvr>
-  <p:transition/>
-  <p:timing/>
 </p:sldLayout>
 </file>
 
 <file path=ppt/slideLayouts/slideLayout10.xml><?xml version="1.0" encoding="utf-8"?>
-<p:sldLayout xmlns:a="http://schemas.openxmlformats.org/drawingml/2006/main" xmlns:r="http://schemas.openxmlformats.org/officeDocument/2006/relationships" xmlns:p14="http://schemas.microsoft.com/office/powerpoint/2010/main" xmlns:p15="http://schemas.microsoft.com/office/powerpoint/2012/main" xmlns:p="http://schemas.openxmlformats.org/presentationml/2006/main" type="vertTx" preserve="1">
+<p:sldLayout xmlns:a="http://schemas.openxmlformats.org/drawingml/2006/main" xmlns:r="http://schemas.openxmlformats.org/officeDocument/2006/relationships" xmlns:p="http://schemas.openxmlformats.org/presentationml/2006/main" type="vertTx" preserve="1">
   <p:cSld name="Title and Vertical Text">
     <p:spTree>
       <p:nvGrpSpPr>
@@ -435,6 +436,8 @@
         <a:xfrm>
           <a:off x="0" y="0"/>
           <a:ext cx="0" cy="0"/>
+          <a:chOff x="0" y="0"/>
+          <a:chExt cx="0" cy="0"/>
         </a:xfrm>
       </p:grpSpPr>
       <p:sp>
@@ -534,13 +537,14 @@
             <a:pPr>
               <a:defRPr/>
             </a:pPr>
-            <a:fld id="{6CE84BD2-CB54-4868-85E0-416451D08F4E}" type="datetimeFigureOut">
+            <a:fld id="{50834CB0-87D7-412E-9E50-170871AFAB21}" type="datetimeFigureOut">
               <a:rPr lang="en-US"/>
               <a:pPr>
                 <a:defRPr/>
               </a:pPr>
-              <a:t>7/3/2015</a:t>
+              <a:t>10/12/2015</a:t>
             </a:fld>
+            <a:endParaRPr lang="en-US"/>
           </a:p>
         </p:txBody>
       </p:sp>
@@ -592,13 +596,14 @@
             <a:pPr>
               <a:defRPr/>
             </a:pPr>
-            <a:fld id="{A42E3E2B-B4BD-46B5-BE72-81D0155036BB}" type="slidenum">
+            <a:fld id="{480CFF25-24BB-45D6-8A7A-7297C66DF569}" type="slidenum">
               <a:rPr lang="en-US"/>
               <a:pPr>
                 <a:defRPr/>
               </a:pPr>
               <a:t>‹#›</a:t>
             </a:fld>
+            <a:endParaRPr lang="en-US"/>
           </a:p>
         </p:txBody>
       </p:sp>
@@ -607,13 +612,11 @@
   <p:clrMapOvr>
     <a:masterClrMapping/>
   </p:clrMapOvr>
-  <p:transition/>
-  <p:timing/>
 </p:sldLayout>
 </file>
 
 <file path=ppt/slideLayouts/slideLayout11.xml><?xml version="1.0" encoding="utf-8"?>
-<p:sldLayout xmlns:a="http://schemas.openxmlformats.org/drawingml/2006/main" xmlns:r="http://schemas.openxmlformats.org/officeDocument/2006/relationships" xmlns:p14="http://schemas.microsoft.com/office/powerpoint/2010/main" xmlns:p15="http://schemas.microsoft.com/office/powerpoint/2012/main" xmlns:p="http://schemas.openxmlformats.org/presentationml/2006/main" type="vertTitleAndTx" preserve="1">
+<p:sldLayout xmlns:a="http://schemas.openxmlformats.org/drawingml/2006/main" xmlns:r="http://schemas.openxmlformats.org/officeDocument/2006/relationships" xmlns:p="http://schemas.openxmlformats.org/presentationml/2006/main" type="vertTitleAndTx" preserve="1">
   <p:cSld name="Vertical Title and Text">
     <p:spTree>
       <p:nvGrpSpPr>
@@ -625,6 +628,8 @@
         <a:xfrm>
           <a:off x="0" y="0"/>
           <a:ext cx="0" cy="0"/>
+          <a:chOff x="0" y="0"/>
+          <a:chExt cx="0" cy="0"/>
         </a:xfrm>
       </p:grpSpPr>
       <p:sp>
@@ -734,13 +739,14 @@
             <a:pPr>
               <a:defRPr/>
             </a:pPr>
-            <a:fld id="{D7654891-AFC2-46B6-A05D-BDF2E351F923}" type="datetimeFigureOut">
+            <a:fld id="{A3ECC3FC-6965-4AB6-A576-92265720F4A3}" type="datetimeFigureOut">
               <a:rPr lang="en-US"/>
               <a:pPr>
                 <a:defRPr/>
               </a:pPr>
-              <a:t>7/3/2015</a:t>
+              <a:t>10/12/2015</a:t>
             </a:fld>
+            <a:endParaRPr lang="en-US"/>
           </a:p>
         </p:txBody>
       </p:sp>
@@ -792,13 +798,14 @@
             <a:pPr>
               <a:defRPr/>
             </a:pPr>
-            <a:fld id="{F1AB8D3D-05C7-404A-8C1E-02CDAA98224A}" type="slidenum">
+            <a:fld id="{2188CDA0-7DE9-4F23-8BF2-4934E45A0DB1}" type="slidenum">
               <a:rPr lang="en-US"/>
               <a:pPr>
                 <a:defRPr/>
               </a:pPr>
               <a:t>‹#›</a:t>
             </a:fld>
+            <a:endParaRPr lang="en-US"/>
           </a:p>
         </p:txBody>
       </p:sp>
@@ -807,13 +814,11 @@
   <p:clrMapOvr>
     <a:masterClrMapping/>
   </p:clrMapOvr>
-  <p:transition/>
-  <p:timing/>
 </p:sldLayout>
 </file>
 
 <file path=ppt/slideLayouts/slideLayout12.xml><?xml version="1.0" encoding="utf-8"?>
-<p:sldLayout xmlns:a="http://schemas.openxmlformats.org/drawingml/2006/main" xmlns:r="http://schemas.openxmlformats.org/officeDocument/2006/relationships" xmlns:p14="http://schemas.microsoft.com/office/powerpoint/2010/main" xmlns:p15="http://schemas.microsoft.com/office/powerpoint/2012/main" xmlns:p="http://schemas.openxmlformats.org/presentationml/2006/main" type="title" preserve="1">
+<p:sldLayout xmlns:a="http://schemas.openxmlformats.org/drawingml/2006/main" xmlns:r="http://schemas.openxmlformats.org/officeDocument/2006/relationships" xmlns:p="http://schemas.openxmlformats.org/presentationml/2006/main" type="title" preserve="1">
   <p:cSld name="Title Slide">
     <p:spTree>
       <p:nvGrpSpPr>
@@ -825,6 +830,8 @@
         <a:xfrm>
           <a:off x="0" y="0"/>
           <a:ext cx="0" cy="0"/>
+          <a:chOff x="0" y="0"/>
+          <a:chExt cx="0" cy="0"/>
         </a:xfrm>
       </p:grpSpPr>
       <p:sp>
@@ -996,13 +1003,14 @@
             <a:pPr>
               <a:defRPr/>
             </a:pPr>
-            <a:fld id="{CAA9E6A7-2E44-4E52-ACBA-0B16E2D14EB8}" type="datetimeFigureOut">
+            <a:fld id="{20D246C7-6DCB-443E-8647-D7F3A8CA4E82}" type="datetimeFigureOut">
               <a:rPr lang="en-US"/>
               <a:pPr>
                 <a:defRPr/>
               </a:pPr>
-              <a:t>7/3/2015</a:t>
+              <a:t>10/12/2015</a:t>
             </a:fld>
+            <a:endParaRPr lang="en-US"/>
           </a:p>
         </p:txBody>
       </p:sp>
@@ -1054,13 +1062,14 @@
             <a:pPr>
               <a:defRPr/>
             </a:pPr>
-            <a:fld id="{FC44C4D6-173B-4D4E-AF66-712D1F429E45}" type="slidenum">
+            <a:fld id="{90394EF1-FAA3-44B5-A3B0-22599643A114}" type="slidenum">
               <a:rPr lang="en-US"/>
               <a:pPr>
                 <a:defRPr/>
               </a:pPr>
               <a:t>‹#›</a:t>
             </a:fld>
+            <a:endParaRPr lang="en-US"/>
           </a:p>
         </p:txBody>
       </p:sp>
@@ -1069,13 +1078,11 @@
   <p:clrMapOvr>
     <a:masterClrMapping/>
   </p:clrMapOvr>
-  <p:transition/>
-  <p:timing/>
 </p:sldLayout>
 </file>
 
 <file path=ppt/slideLayouts/slideLayout13.xml><?xml version="1.0" encoding="utf-8"?>
-<p:sldLayout xmlns:a="http://schemas.openxmlformats.org/drawingml/2006/main" xmlns:r="http://schemas.openxmlformats.org/officeDocument/2006/relationships" xmlns:p14="http://schemas.microsoft.com/office/powerpoint/2010/main" xmlns:p15="http://schemas.microsoft.com/office/powerpoint/2012/main" xmlns:p="http://schemas.openxmlformats.org/presentationml/2006/main" type="obj" preserve="1">
+<p:sldLayout xmlns:a="http://schemas.openxmlformats.org/drawingml/2006/main" xmlns:r="http://schemas.openxmlformats.org/officeDocument/2006/relationships" xmlns:p="http://schemas.openxmlformats.org/presentationml/2006/main" type="obj" preserve="1">
   <p:cSld name="Title and Content">
     <p:spTree>
       <p:nvGrpSpPr>
@@ -1087,6 +1094,8 @@
         <a:xfrm>
           <a:off x="0" y="0"/>
           <a:ext cx="0" cy="0"/>
+          <a:chOff x="0" y="0"/>
+          <a:chExt cx="0" cy="0"/>
         </a:xfrm>
       </p:grpSpPr>
       <p:sp>
@@ -1186,13 +1195,14 @@
             <a:pPr>
               <a:defRPr/>
             </a:pPr>
-            <a:fld id="{04E143F9-867B-456B-9C38-A18E1C434489}" type="datetimeFigureOut">
+            <a:fld id="{EFE33DF9-B459-4377-9267-3FDD304163DE}" type="datetimeFigureOut">
               <a:rPr lang="en-US"/>
               <a:pPr>
                 <a:defRPr/>
               </a:pPr>
-              <a:t>7/3/2015</a:t>
+              <a:t>10/12/2015</a:t>
             </a:fld>
+            <a:endParaRPr lang="en-US"/>
           </a:p>
         </p:txBody>
       </p:sp>
@@ -1244,13 +1254,14 @@
             <a:pPr>
               <a:defRPr/>
             </a:pPr>
-            <a:fld id="{753796DA-4F13-4D79-A7E7-C144EBF6C201}" type="slidenum">
+            <a:fld id="{DCF17C7D-EFF9-4B44-82DA-4D0B882CD54F}" type="slidenum">
               <a:rPr lang="en-US"/>
               <a:pPr>
                 <a:defRPr/>
               </a:pPr>
               <a:t>‹#›</a:t>
             </a:fld>
+            <a:endParaRPr lang="en-US"/>
           </a:p>
         </p:txBody>
       </p:sp>
@@ -1259,13 +1270,11 @@
   <p:clrMapOvr>
     <a:masterClrMapping/>
   </p:clrMapOvr>
-  <p:transition/>
-  <p:timing/>
 </p:sldLayout>
 </file>
 
 <file path=ppt/slideLayouts/slideLayout14.xml><?xml version="1.0" encoding="utf-8"?>
-<p:sldLayout xmlns:a="http://schemas.openxmlformats.org/drawingml/2006/main" xmlns:r="http://schemas.openxmlformats.org/officeDocument/2006/relationships" xmlns:p14="http://schemas.microsoft.com/office/powerpoint/2010/main" xmlns:p15="http://schemas.microsoft.com/office/powerpoint/2012/main" xmlns:p="http://schemas.openxmlformats.org/presentationml/2006/main" type="secHead" preserve="1">
+<p:sldLayout xmlns:a="http://schemas.openxmlformats.org/drawingml/2006/main" xmlns:r="http://schemas.openxmlformats.org/officeDocument/2006/relationships" xmlns:p="http://schemas.openxmlformats.org/presentationml/2006/main" type="secHead" preserve="1">
   <p:cSld name="Section Header">
     <p:spTree>
       <p:nvGrpSpPr>
@@ -1277,6 +1286,8 @@
         <a:xfrm>
           <a:off x="0" y="0"/>
           <a:ext cx="0" cy="0"/>
+          <a:chOff x="0" y="0"/>
+          <a:chExt cx="0" cy="0"/>
         </a:xfrm>
       </p:grpSpPr>
       <p:sp>
@@ -1452,13 +1463,14 @@
             <a:pPr>
               <a:defRPr/>
             </a:pPr>
-            <a:fld id="{03381EFE-786F-421E-9249-B387F32EF96F}" type="datetimeFigureOut">
+            <a:fld id="{8998B20D-D043-4A7F-9D03-FBEEAA1B972D}" type="datetimeFigureOut">
               <a:rPr lang="en-US"/>
               <a:pPr>
                 <a:defRPr/>
               </a:pPr>
-              <a:t>7/3/2015</a:t>
+              <a:t>10/12/2015</a:t>
             </a:fld>
+            <a:endParaRPr lang="en-US"/>
           </a:p>
         </p:txBody>
       </p:sp>
@@ -1510,13 +1522,14 @@
             <a:pPr>
               <a:defRPr/>
             </a:pPr>
-            <a:fld id="{F17E8232-EF18-4052-94B0-550C6189057B}" type="slidenum">
+            <a:fld id="{4F0DB134-DB3A-4CE9-BD1E-798F61B8DF05}" type="slidenum">
               <a:rPr lang="en-US"/>
               <a:pPr>
                 <a:defRPr/>
               </a:pPr>
               <a:t>‹#›</a:t>
             </a:fld>
+            <a:endParaRPr lang="en-US"/>
           </a:p>
         </p:txBody>
       </p:sp>
@@ -1525,13 +1538,11 @@
   <p:clrMapOvr>
     <a:masterClrMapping/>
   </p:clrMapOvr>
-  <p:transition/>
-  <p:timing/>
 </p:sldLayout>
 </file>
 
 <file path=ppt/slideLayouts/slideLayout15.xml><?xml version="1.0" encoding="utf-8"?>
-<p:sldLayout xmlns:a="http://schemas.openxmlformats.org/drawingml/2006/main" xmlns:r="http://schemas.openxmlformats.org/officeDocument/2006/relationships" xmlns:p14="http://schemas.microsoft.com/office/powerpoint/2010/main" xmlns:p15="http://schemas.microsoft.com/office/powerpoint/2012/main" xmlns:p="http://schemas.openxmlformats.org/presentationml/2006/main" type="twoObj" preserve="1">
+<p:sldLayout xmlns:a="http://schemas.openxmlformats.org/drawingml/2006/main" xmlns:r="http://schemas.openxmlformats.org/officeDocument/2006/relationships" xmlns:p="http://schemas.openxmlformats.org/presentationml/2006/main" type="twoObj" preserve="1">
   <p:cSld name="Two Content">
     <p:spTree>
       <p:nvGrpSpPr>
@@ -1543,6 +1554,8 @@
         <a:xfrm>
           <a:off x="0" y="0"/>
           <a:ext cx="0" cy="0"/>
+          <a:chOff x="0" y="0"/>
+          <a:chExt cx="0" cy="0"/>
         </a:xfrm>
       </p:grpSpPr>
       <p:sp>
@@ -1760,13 +1773,14 @@
             <a:pPr>
               <a:defRPr/>
             </a:pPr>
-            <a:fld id="{B5DB374A-1D09-4944-95B4-8CC778CFA468}" type="datetimeFigureOut">
+            <a:fld id="{6619E2DC-6814-48B4-8C61-2DB7CA64B0AF}" type="datetimeFigureOut">
               <a:rPr lang="en-US"/>
               <a:pPr>
                 <a:defRPr/>
               </a:pPr>
-              <a:t>7/3/2015</a:t>
+              <a:t>10/12/2015</a:t>
             </a:fld>
+            <a:endParaRPr lang="en-US"/>
           </a:p>
         </p:txBody>
       </p:sp>
@@ -1818,13 +1832,14 @@
             <a:pPr>
               <a:defRPr/>
             </a:pPr>
-            <a:fld id="{688B4C6F-4C51-45A2-937A-B4B017F38525}" type="slidenum">
+            <a:fld id="{4CC314DB-6E37-4559-87CF-CC9881D42DA3}" type="slidenum">
               <a:rPr lang="en-US"/>
               <a:pPr>
                 <a:defRPr/>
               </a:pPr>
               <a:t>‹#›</a:t>
             </a:fld>
+            <a:endParaRPr lang="en-US"/>
           </a:p>
         </p:txBody>
       </p:sp>
@@ -1833,13 +1848,11 @@
   <p:clrMapOvr>
     <a:masterClrMapping/>
   </p:clrMapOvr>
-  <p:transition/>
-  <p:timing/>
 </p:sldLayout>
 </file>
 
 <file path=ppt/slideLayouts/slideLayout16.xml><?xml version="1.0" encoding="utf-8"?>
-<p:sldLayout xmlns:a="http://schemas.openxmlformats.org/drawingml/2006/main" xmlns:r="http://schemas.openxmlformats.org/officeDocument/2006/relationships" xmlns:p14="http://schemas.microsoft.com/office/powerpoint/2010/main" xmlns:p15="http://schemas.microsoft.com/office/powerpoint/2012/main" xmlns:p="http://schemas.openxmlformats.org/presentationml/2006/main" type="twoTxTwoObj" preserve="1">
+<p:sldLayout xmlns:a="http://schemas.openxmlformats.org/drawingml/2006/main" xmlns:r="http://schemas.openxmlformats.org/officeDocument/2006/relationships" xmlns:p="http://schemas.openxmlformats.org/presentationml/2006/main" type="twoTxTwoObj" preserve="1">
   <p:cSld name="Comparison">
     <p:spTree>
       <p:nvGrpSpPr>
@@ -1851,6 +1864,8 @@
         <a:xfrm>
           <a:off x="0" y="0"/>
           <a:ext cx="0" cy="0"/>
+          <a:chOff x="0" y="0"/>
+          <a:chExt cx="0" cy="0"/>
         </a:xfrm>
       </p:grpSpPr>
       <p:sp>
@@ -2202,13 +2217,14 @@
             <a:pPr>
               <a:defRPr/>
             </a:pPr>
-            <a:fld id="{498A5B35-BE9C-44FB-AFEE-332C03CB506E}" type="datetimeFigureOut">
+            <a:fld id="{72852BEB-4676-425A-9A10-618D2F376DF0}" type="datetimeFigureOut">
               <a:rPr lang="en-US"/>
               <a:pPr>
                 <a:defRPr/>
               </a:pPr>
-              <a:t>7/3/2015</a:t>
+              <a:t>10/12/2015</a:t>
             </a:fld>
+            <a:endParaRPr lang="en-US"/>
           </a:p>
         </p:txBody>
       </p:sp>
@@ -2260,13 +2276,14 @@
             <a:pPr>
               <a:defRPr/>
             </a:pPr>
-            <a:fld id="{BFF28816-F5EA-4052-BD9D-C59FE1D063A1}" type="slidenum">
+            <a:fld id="{4137D8DB-7B19-4138-B7CC-41299408309B}" type="slidenum">
               <a:rPr lang="en-US"/>
               <a:pPr>
                 <a:defRPr/>
               </a:pPr>
               <a:t>‹#›</a:t>
             </a:fld>
+            <a:endParaRPr lang="en-US"/>
           </a:p>
         </p:txBody>
       </p:sp>
@@ -2275,13 +2292,11 @@
   <p:clrMapOvr>
     <a:masterClrMapping/>
   </p:clrMapOvr>
-  <p:transition/>
-  <p:timing/>
 </p:sldLayout>
 </file>
 
 <file path=ppt/slideLayouts/slideLayout17.xml><?xml version="1.0" encoding="utf-8"?>
-<p:sldLayout xmlns:a="http://schemas.openxmlformats.org/drawingml/2006/main" xmlns:r="http://schemas.openxmlformats.org/officeDocument/2006/relationships" xmlns:p14="http://schemas.microsoft.com/office/powerpoint/2010/main" xmlns:p15="http://schemas.microsoft.com/office/powerpoint/2012/main" xmlns:p="http://schemas.openxmlformats.org/presentationml/2006/main" type="titleOnly" preserve="1">
+<p:sldLayout xmlns:a="http://schemas.openxmlformats.org/drawingml/2006/main" xmlns:r="http://schemas.openxmlformats.org/officeDocument/2006/relationships" xmlns:p="http://schemas.openxmlformats.org/presentationml/2006/main" type="titleOnly" preserve="1">
   <p:cSld name="Title Only">
     <p:spTree>
       <p:nvGrpSpPr>
@@ -2293,6 +2308,8 @@
         <a:xfrm>
           <a:off x="0" y="0"/>
           <a:ext cx="0" cy="0"/>
+          <a:chOff x="0" y="0"/>
+          <a:chExt cx="0" cy="0"/>
         </a:xfrm>
       </p:grpSpPr>
       <p:sp>
@@ -2340,13 +2357,14 @@
             <a:pPr>
               <a:defRPr/>
             </a:pPr>
-            <a:fld id="{2DB2DF00-DDF6-431F-9A18-92DD505C78B2}" type="datetimeFigureOut">
+            <a:fld id="{04589CE0-5CE3-4BAF-9926-93128F99F798}" type="datetimeFigureOut">
               <a:rPr lang="en-US"/>
               <a:pPr>
                 <a:defRPr/>
               </a:pPr>
-              <a:t>7/3/2015</a:t>
+              <a:t>10/12/2015</a:t>
             </a:fld>
+            <a:endParaRPr lang="en-US"/>
           </a:p>
         </p:txBody>
       </p:sp>
@@ -2398,13 +2416,14 @@
             <a:pPr>
               <a:defRPr/>
             </a:pPr>
-            <a:fld id="{5C63381E-E278-4000-81F3-FC0A2F3A61DF}" type="slidenum">
+            <a:fld id="{FC9F5378-6899-46D5-81AB-603EF1BB4E0B}" type="slidenum">
               <a:rPr lang="en-US"/>
               <a:pPr>
                 <a:defRPr/>
               </a:pPr>
               <a:t>‹#›</a:t>
             </a:fld>
+            <a:endParaRPr lang="en-US"/>
           </a:p>
         </p:txBody>
       </p:sp>
@@ -2413,13 +2432,11 @@
   <p:clrMapOvr>
     <a:masterClrMapping/>
   </p:clrMapOvr>
-  <p:transition/>
-  <p:timing/>
 </p:sldLayout>
 </file>
 
 <file path=ppt/slideLayouts/slideLayout18.xml><?xml version="1.0" encoding="utf-8"?>
-<p:sldLayout xmlns:a="http://schemas.openxmlformats.org/drawingml/2006/main" xmlns:r="http://schemas.openxmlformats.org/officeDocument/2006/relationships" xmlns:p14="http://schemas.microsoft.com/office/powerpoint/2010/main" xmlns:p15="http://schemas.microsoft.com/office/powerpoint/2012/main" xmlns:p="http://schemas.openxmlformats.org/presentationml/2006/main" type="blank" preserve="1">
+<p:sldLayout xmlns:a="http://schemas.openxmlformats.org/drawingml/2006/main" xmlns:r="http://schemas.openxmlformats.org/officeDocument/2006/relationships" xmlns:p="http://schemas.openxmlformats.org/presentationml/2006/main" type="blank" preserve="1">
   <p:cSld name="Blank">
     <p:spTree>
       <p:nvGrpSpPr>
@@ -2431,6 +2448,8 @@
         <a:xfrm>
           <a:off x="0" y="0"/>
           <a:ext cx="0" cy="0"/>
+          <a:chOff x="0" y="0"/>
+          <a:chExt cx="0" cy="0"/>
         </a:xfrm>
       </p:grpSpPr>
       <p:sp>
@@ -2455,13 +2474,14 @@
             <a:pPr>
               <a:defRPr/>
             </a:pPr>
-            <a:fld id="{D93F539B-B2D7-4593-A835-A2BE40C00D7D}" type="datetimeFigureOut">
+            <a:fld id="{052DE20B-19C5-4282-98D9-AEE9133E0EBB}" type="datetimeFigureOut">
               <a:rPr lang="en-US"/>
               <a:pPr>
                 <a:defRPr/>
               </a:pPr>
-              <a:t>7/3/2015</a:t>
+              <a:t>10/12/2015</a:t>
             </a:fld>
+            <a:endParaRPr lang="en-US"/>
           </a:p>
         </p:txBody>
       </p:sp>
@@ -2513,13 +2533,14 @@
             <a:pPr>
               <a:defRPr/>
             </a:pPr>
-            <a:fld id="{8816ADBD-E9F7-4B01-B066-B1154A701BAD}" type="slidenum">
+            <a:fld id="{2D79DC42-7679-499D-8A22-582E0E413529}" type="slidenum">
               <a:rPr lang="en-US"/>
               <a:pPr>
                 <a:defRPr/>
               </a:pPr>
               <a:t>‹#›</a:t>
             </a:fld>
+            <a:endParaRPr lang="en-US"/>
           </a:p>
         </p:txBody>
       </p:sp>
@@ -2528,13 +2549,11 @@
   <p:clrMapOvr>
     <a:masterClrMapping/>
   </p:clrMapOvr>
-  <p:transition/>
-  <p:timing/>
 </p:sldLayout>
 </file>
 
 <file path=ppt/slideLayouts/slideLayout19.xml><?xml version="1.0" encoding="utf-8"?>
-<p:sldLayout xmlns:a="http://schemas.openxmlformats.org/drawingml/2006/main" xmlns:r="http://schemas.openxmlformats.org/officeDocument/2006/relationships" xmlns:p14="http://schemas.microsoft.com/office/powerpoint/2010/main" xmlns:p15="http://schemas.microsoft.com/office/powerpoint/2012/main" xmlns:p="http://schemas.openxmlformats.org/presentationml/2006/main" type="objTx" preserve="1">
+<p:sldLayout xmlns:a="http://schemas.openxmlformats.org/drawingml/2006/main" xmlns:r="http://schemas.openxmlformats.org/officeDocument/2006/relationships" xmlns:p="http://schemas.openxmlformats.org/presentationml/2006/main" type="objTx" preserve="1">
   <p:cSld name="Content with Caption">
     <p:spTree>
       <p:nvGrpSpPr>
@@ -2546,6 +2565,8 @@
         <a:xfrm>
           <a:off x="0" y="0"/>
           <a:ext cx="0" cy="0"/>
+          <a:chOff x="0" y="0"/>
+          <a:chExt cx="0" cy="0"/>
         </a:xfrm>
       </p:grpSpPr>
       <p:sp>
@@ -2752,13 +2773,14 @@
             <a:pPr>
               <a:defRPr/>
             </a:pPr>
-            <a:fld id="{125E3FC0-0D71-4010-860D-3C5FAC956F62}" type="datetimeFigureOut">
+            <a:fld id="{0CA2C878-36D0-4526-B25C-F167C26C316D}" type="datetimeFigureOut">
               <a:rPr lang="en-US"/>
               <a:pPr>
                 <a:defRPr/>
               </a:pPr>
-              <a:t>7/3/2015</a:t>
+              <a:t>10/12/2015</a:t>
             </a:fld>
+            <a:endParaRPr lang="en-US"/>
           </a:p>
         </p:txBody>
       </p:sp>
@@ -2810,13 +2832,14 @@
             <a:pPr>
               <a:defRPr/>
             </a:pPr>
-            <a:fld id="{5FDF40BB-DAB1-41C9-B85F-4C2A3C43DEC1}" type="slidenum">
+            <a:fld id="{10ED27A3-A7C6-4A2A-B6B7-6D2D0C4E7053}" type="slidenum">
               <a:rPr lang="en-US"/>
               <a:pPr>
                 <a:defRPr/>
               </a:pPr>
               <a:t>‹#›</a:t>
             </a:fld>
+            <a:endParaRPr lang="en-US"/>
           </a:p>
         </p:txBody>
       </p:sp>
@@ -2825,13 +2848,11 @@
   <p:clrMapOvr>
     <a:masterClrMapping/>
   </p:clrMapOvr>
-  <p:transition/>
-  <p:timing/>
 </p:sldLayout>
 </file>
 
 <file path=ppt/slideLayouts/slideLayout2.xml><?xml version="1.0" encoding="utf-8"?>
-<p:sldLayout xmlns:a="http://schemas.openxmlformats.org/drawingml/2006/main" xmlns:r="http://schemas.openxmlformats.org/officeDocument/2006/relationships" xmlns:p14="http://schemas.microsoft.com/office/powerpoint/2010/main" xmlns:p15="http://schemas.microsoft.com/office/powerpoint/2012/main" xmlns:p="http://schemas.openxmlformats.org/presentationml/2006/main" type="obj" preserve="1">
+<p:sldLayout xmlns:a="http://schemas.openxmlformats.org/drawingml/2006/main" xmlns:r="http://schemas.openxmlformats.org/officeDocument/2006/relationships" xmlns:p="http://schemas.openxmlformats.org/presentationml/2006/main" type="obj" preserve="1">
   <p:cSld name="Title and Content">
     <p:spTree>
       <p:nvGrpSpPr>
@@ -2843,6 +2864,8 @@
         <a:xfrm>
           <a:off x="0" y="0"/>
           <a:ext cx="0" cy="0"/>
+          <a:chOff x="0" y="0"/>
+          <a:chExt cx="0" cy="0"/>
         </a:xfrm>
       </p:grpSpPr>
       <p:sp>
@@ -2942,13 +2965,14 @@
             <a:pPr>
               <a:defRPr/>
             </a:pPr>
-            <a:fld id="{D251D78C-4D75-46BB-AC67-D693FF0A7E52}" type="datetimeFigureOut">
+            <a:fld id="{95D4D0DF-2FCB-4709-A66C-CF8E7B3CAE62}" type="datetimeFigureOut">
               <a:rPr lang="en-US"/>
               <a:pPr>
                 <a:defRPr/>
               </a:pPr>
-              <a:t>7/3/2015</a:t>
+              <a:t>10/12/2015</a:t>
             </a:fld>
+            <a:endParaRPr lang="en-US"/>
           </a:p>
         </p:txBody>
       </p:sp>
@@ -3000,13 +3024,14 @@
             <a:pPr>
               <a:defRPr/>
             </a:pPr>
-            <a:fld id="{2E719177-03AA-4BF8-BC3D-CDB3D7B2184A}" type="slidenum">
+            <a:fld id="{2D6B07E5-06D5-407C-B0CE-1B687E8BB99F}" type="slidenum">
               <a:rPr lang="en-US"/>
               <a:pPr>
                 <a:defRPr/>
               </a:pPr>
               <a:t>‹#›</a:t>
             </a:fld>
+            <a:endParaRPr lang="en-US"/>
           </a:p>
         </p:txBody>
       </p:sp>
@@ -3015,13 +3040,11 @@
   <p:clrMapOvr>
     <a:masterClrMapping/>
   </p:clrMapOvr>
-  <p:transition/>
-  <p:timing/>
 </p:sldLayout>
 </file>
 
 <file path=ppt/slideLayouts/slideLayout20.xml><?xml version="1.0" encoding="utf-8"?>
-<p:sldLayout xmlns:a="http://schemas.openxmlformats.org/drawingml/2006/main" xmlns:r="http://schemas.openxmlformats.org/officeDocument/2006/relationships" xmlns:p14="http://schemas.microsoft.com/office/powerpoint/2010/main" xmlns:p15="http://schemas.microsoft.com/office/powerpoint/2012/main" xmlns:p="http://schemas.openxmlformats.org/presentationml/2006/main" type="picTx" preserve="1">
+<p:sldLayout xmlns:a="http://schemas.openxmlformats.org/drawingml/2006/main" xmlns:r="http://schemas.openxmlformats.org/officeDocument/2006/relationships" xmlns:p="http://schemas.openxmlformats.org/presentationml/2006/main" type="picTx" preserve="1">
   <p:cSld name="Picture with Caption">
     <p:spTree>
       <p:nvGrpSpPr>
@@ -3033,6 +3056,8 @@
         <a:xfrm>
           <a:off x="0" y="0"/>
           <a:ext cx="0" cy="0"/>
+          <a:chOff x="0" y="0"/>
+          <a:chExt cx="0" cy="0"/>
         </a:xfrm>
       </p:grpSpPr>
       <p:sp>
@@ -3218,13 +3243,14 @@
             <a:pPr>
               <a:defRPr/>
             </a:pPr>
-            <a:fld id="{D913DFE3-4DA6-4560-B084-E6E3F301F8E3}" type="datetimeFigureOut">
+            <a:fld id="{E70B75D7-0692-4A47-88A5-887F3C2F1FA4}" type="datetimeFigureOut">
               <a:rPr lang="en-US"/>
               <a:pPr>
                 <a:defRPr/>
               </a:pPr>
-              <a:t>7/3/2015</a:t>
+              <a:t>10/12/2015</a:t>
             </a:fld>
+            <a:endParaRPr lang="en-US"/>
           </a:p>
         </p:txBody>
       </p:sp>
@@ -3276,13 +3302,14 @@
             <a:pPr>
               <a:defRPr/>
             </a:pPr>
-            <a:fld id="{A6F4579E-014F-4386-ABDB-AC6364032FCE}" type="slidenum">
+            <a:fld id="{6FE514A3-5C33-41B8-95D2-75604384A151}" type="slidenum">
               <a:rPr lang="en-US"/>
               <a:pPr>
                 <a:defRPr/>
               </a:pPr>
               <a:t>‹#›</a:t>
             </a:fld>
+            <a:endParaRPr lang="en-US"/>
           </a:p>
         </p:txBody>
       </p:sp>
@@ -3291,13 +3318,11 @@
   <p:clrMapOvr>
     <a:masterClrMapping/>
   </p:clrMapOvr>
-  <p:transition/>
-  <p:timing/>
 </p:sldLayout>
 </file>
 
 <file path=ppt/slideLayouts/slideLayout21.xml><?xml version="1.0" encoding="utf-8"?>
-<p:sldLayout xmlns:a="http://schemas.openxmlformats.org/drawingml/2006/main" xmlns:r="http://schemas.openxmlformats.org/officeDocument/2006/relationships" xmlns:p14="http://schemas.microsoft.com/office/powerpoint/2010/main" xmlns:p15="http://schemas.microsoft.com/office/powerpoint/2012/main" xmlns:p="http://schemas.openxmlformats.org/presentationml/2006/main" type="vertTx" preserve="1">
+<p:sldLayout xmlns:a="http://schemas.openxmlformats.org/drawingml/2006/main" xmlns:r="http://schemas.openxmlformats.org/officeDocument/2006/relationships" xmlns:p="http://schemas.openxmlformats.org/presentationml/2006/main" type="vertTx" preserve="1">
   <p:cSld name="Title and Vertical Text">
     <p:spTree>
       <p:nvGrpSpPr>
@@ -3309,6 +3334,8 @@
         <a:xfrm>
           <a:off x="0" y="0"/>
           <a:ext cx="0" cy="0"/>
+          <a:chOff x="0" y="0"/>
+          <a:chExt cx="0" cy="0"/>
         </a:xfrm>
       </p:grpSpPr>
       <p:sp>
@@ -3408,13 +3435,14 @@
             <a:pPr>
               <a:defRPr/>
             </a:pPr>
-            <a:fld id="{6C0D704A-D8DC-4090-9D03-B15BE3619FCF}" type="datetimeFigureOut">
+            <a:fld id="{BF3014AF-24F4-497A-B3FF-9A76D48146AB}" type="datetimeFigureOut">
               <a:rPr lang="en-US"/>
               <a:pPr>
                 <a:defRPr/>
               </a:pPr>
-              <a:t>7/3/2015</a:t>
+              <a:t>10/12/2015</a:t>
             </a:fld>
+            <a:endParaRPr lang="en-US"/>
           </a:p>
         </p:txBody>
       </p:sp>
@@ -3466,13 +3494,14 @@
             <a:pPr>
               <a:defRPr/>
             </a:pPr>
-            <a:fld id="{BA52264D-7914-4E46-A396-8DECF54F0AF0}" type="slidenum">
+            <a:fld id="{0C760958-56EC-4F2D-BEEC-CFF653DDFBE7}" type="slidenum">
               <a:rPr lang="en-US"/>
               <a:pPr>
                 <a:defRPr/>
               </a:pPr>
               <a:t>‹#›</a:t>
             </a:fld>
+            <a:endParaRPr lang="en-US"/>
           </a:p>
         </p:txBody>
       </p:sp>
@@ -3481,13 +3510,11 @@
   <p:clrMapOvr>
     <a:masterClrMapping/>
   </p:clrMapOvr>
-  <p:transition/>
-  <p:timing/>
 </p:sldLayout>
 </file>
 
 <file path=ppt/slideLayouts/slideLayout22.xml><?xml version="1.0" encoding="utf-8"?>
-<p:sldLayout xmlns:a="http://schemas.openxmlformats.org/drawingml/2006/main" xmlns:r="http://schemas.openxmlformats.org/officeDocument/2006/relationships" xmlns:p14="http://schemas.microsoft.com/office/powerpoint/2010/main" xmlns:p15="http://schemas.microsoft.com/office/powerpoint/2012/main" xmlns:p="http://schemas.openxmlformats.org/presentationml/2006/main" type="vertTitleAndTx" preserve="1">
+<p:sldLayout xmlns:a="http://schemas.openxmlformats.org/drawingml/2006/main" xmlns:r="http://schemas.openxmlformats.org/officeDocument/2006/relationships" xmlns:p="http://schemas.openxmlformats.org/presentationml/2006/main" type="vertTitleAndTx" preserve="1">
   <p:cSld name="Vertical Title and Text">
     <p:spTree>
       <p:nvGrpSpPr>
@@ -3499,6 +3526,8 @@
         <a:xfrm>
           <a:off x="0" y="0"/>
           <a:ext cx="0" cy="0"/>
+          <a:chOff x="0" y="0"/>
+          <a:chExt cx="0" cy="0"/>
         </a:xfrm>
       </p:grpSpPr>
       <p:sp>
@@ -3608,13 +3637,14 @@
             <a:pPr>
               <a:defRPr/>
             </a:pPr>
-            <a:fld id="{BA7837D9-AF17-4E89-8EBF-3F7697DD819A}" type="datetimeFigureOut">
+            <a:fld id="{90F867B0-2DC3-467E-AD56-B9CC68C670A1}" type="datetimeFigureOut">
               <a:rPr lang="en-US"/>
               <a:pPr>
                 <a:defRPr/>
               </a:pPr>
-              <a:t>7/3/2015</a:t>
+              <a:t>10/12/2015</a:t>
             </a:fld>
+            <a:endParaRPr lang="en-US"/>
           </a:p>
         </p:txBody>
       </p:sp>
@@ -3666,13 +3696,14 @@
             <a:pPr>
               <a:defRPr/>
             </a:pPr>
-            <a:fld id="{CC12A960-0155-4E5B-802A-11F64EDF1995}" type="slidenum">
+            <a:fld id="{4926FADA-3BEB-4E8B-9A84-A6E7A6273978}" type="slidenum">
               <a:rPr lang="en-US"/>
               <a:pPr>
                 <a:defRPr/>
               </a:pPr>
               <a:t>‹#›</a:t>
             </a:fld>
+            <a:endParaRPr lang="en-US"/>
           </a:p>
         </p:txBody>
       </p:sp>
@@ -3681,13 +3712,11 @@
   <p:clrMapOvr>
     <a:masterClrMapping/>
   </p:clrMapOvr>
-  <p:transition/>
-  <p:timing/>
 </p:sldLayout>
 </file>
 
 <file path=ppt/slideLayouts/slideLayout23.xml><?xml version="1.0" encoding="utf-8"?>
-<p:sldLayout xmlns:a="http://schemas.openxmlformats.org/drawingml/2006/main" xmlns:r="http://schemas.openxmlformats.org/officeDocument/2006/relationships" xmlns:p14="http://schemas.microsoft.com/office/powerpoint/2010/main" xmlns:p15="http://schemas.microsoft.com/office/powerpoint/2012/main" xmlns:p="http://schemas.openxmlformats.org/presentationml/2006/main" type="title" preserve="1">
+<p:sldLayout xmlns:a="http://schemas.openxmlformats.org/drawingml/2006/main" xmlns:r="http://schemas.openxmlformats.org/officeDocument/2006/relationships" xmlns:p="http://schemas.openxmlformats.org/presentationml/2006/main" type="title" preserve="1">
   <p:cSld name="Title Slide">
     <p:spTree>
       <p:nvGrpSpPr>
@@ -3699,6 +3728,8 @@
         <a:xfrm>
           <a:off x="0" y="0"/>
           <a:ext cx="0" cy="0"/>
+          <a:chOff x="0" y="0"/>
+          <a:chExt cx="0" cy="0"/>
         </a:xfrm>
       </p:grpSpPr>
       <p:sp>
@@ -3870,13 +3901,14 @@
             <a:pPr>
               <a:defRPr/>
             </a:pPr>
-            <a:fld id="{BA0C6CD3-7B6C-4326-8D05-AA81E4F43CB1}" type="datetimeFigureOut">
+            <a:fld id="{BF31B6C8-D702-49AA-B3EA-12CCE436D0DD}" type="datetimeFigureOut">
               <a:rPr lang="en-US"/>
               <a:pPr>
                 <a:defRPr/>
               </a:pPr>
-              <a:t>7/3/2015</a:t>
+              <a:t>10/12/2015</a:t>
             </a:fld>
+            <a:endParaRPr lang="en-US"/>
           </a:p>
         </p:txBody>
       </p:sp>
@@ -3928,13 +3960,14 @@
             <a:pPr>
               <a:defRPr/>
             </a:pPr>
-            <a:fld id="{1C6FD05D-5A04-42AE-9D3A-3D75E0547418}" type="slidenum">
+            <a:fld id="{E70F92D3-DB44-4673-B7AD-8A96EE7979D4}" type="slidenum">
               <a:rPr lang="en-US"/>
               <a:pPr>
                 <a:defRPr/>
               </a:pPr>
               <a:t>‹#›</a:t>
             </a:fld>
+            <a:endParaRPr lang="en-US"/>
           </a:p>
         </p:txBody>
       </p:sp>
@@ -3943,13 +3976,11 @@
   <p:clrMapOvr>
     <a:masterClrMapping/>
   </p:clrMapOvr>
-  <p:transition/>
-  <p:timing/>
 </p:sldLayout>
 </file>
 
 <file path=ppt/slideLayouts/slideLayout24.xml><?xml version="1.0" encoding="utf-8"?>
-<p:sldLayout xmlns:a="http://schemas.openxmlformats.org/drawingml/2006/main" xmlns:r="http://schemas.openxmlformats.org/officeDocument/2006/relationships" xmlns:p14="http://schemas.microsoft.com/office/powerpoint/2010/main" xmlns:p15="http://schemas.microsoft.com/office/powerpoint/2012/main" xmlns:p="http://schemas.openxmlformats.org/presentationml/2006/main" type="obj" preserve="1">
+<p:sldLayout xmlns:a="http://schemas.openxmlformats.org/drawingml/2006/main" xmlns:r="http://schemas.openxmlformats.org/officeDocument/2006/relationships" xmlns:p="http://schemas.openxmlformats.org/presentationml/2006/main" type="obj" preserve="1">
   <p:cSld name="Title and Content">
     <p:spTree>
       <p:nvGrpSpPr>
@@ -3961,6 +3992,8 @@
         <a:xfrm>
           <a:off x="0" y="0"/>
           <a:ext cx="0" cy="0"/>
+          <a:chOff x="0" y="0"/>
+          <a:chExt cx="0" cy="0"/>
         </a:xfrm>
       </p:grpSpPr>
       <p:sp>
@@ -4060,13 +4093,14 @@
             <a:pPr>
               <a:defRPr/>
             </a:pPr>
-            <a:fld id="{43CD9FAE-3C18-4033-942C-972C8A8DB02B}" type="datetimeFigureOut">
+            <a:fld id="{7FD2E94F-8F21-467A-8275-E63DA27A64C8}" type="datetimeFigureOut">
               <a:rPr lang="en-US"/>
               <a:pPr>
                 <a:defRPr/>
               </a:pPr>
-              <a:t>7/3/2015</a:t>
+              <a:t>10/12/2015</a:t>
             </a:fld>
+            <a:endParaRPr lang="en-US"/>
           </a:p>
         </p:txBody>
       </p:sp>
@@ -4118,13 +4152,14 @@
             <a:pPr>
               <a:defRPr/>
             </a:pPr>
-            <a:fld id="{513FB0F1-7AD0-4457-BE4A-6E9EDA2E03AA}" type="slidenum">
+            <a:fld id="{B4AA0051-358B-4829-BD60-2C7249336DAA}" type="slidenum">
               <a:rPr lang="en-US"/>
               <a:pPr>
                 <a:defRPr/>
               </a:pPr>
               <a:t>‹#›</a:t>
             </a:fld>
+            <a:endParaRPr lang="en-US"/>
           </a:p>
         </p:txBody>
       </p:sp>
@@ -4133,13 +4168,11 @@
   <p:clrMapOvr>
     <a:masterClrMapping/>
   </p:clrMapOvr>
-  <p:transition/>
-  <p:timing/>
 </p:sldLayout>
 </file>
 
 <file path=ppt/slideLayouts/slideLayout25.xml><?xml version="1.0" encoding="utf-8"?>
-<p:sldLayout xmlns:a="http://schemas.openxmlformats.org/drawingml/2006/main" xmlns:r="http://schemas.openxmlformats.org/officeDocument/2006/relationships" xmlns:p14="http://schemas.microsoft.com/office/powerpoint/2010/main" xmlns:p15="http://schemas.microsoft.com/office/powerpoint/2012/main" xmlns:p="http://schemas.openxmlformats.org/presentationml/2006/main" type="secHead" preserve="1">
+<p:sldLayout xmlns:a="http://schemas.openxmlformats.org/drawingml/2006/main" xmlns:r="http://schemas.openxmlformats.org/officeDocument/2006/relationships" xmlns:p="http://schemas.openxmlformats.org/presentationml/2006/main" type="secHead" preserve="1">
   <p:cSld name="Section Header">
     <p:spTree>
       <p:nvGrpSpPr>
@@ -4151,6 +4184,8 @@
         <a:xfrm>
           <a:off x="0" y="0"/>
           <a:ext cx="0" cy="0"/>
+          <a:chOff x="0" y="0"/>
+          <a:chExt cx="0" cy="0"/>
         </a:xfrm>
       </p:grpSpPr>
       <p:sp>
@@ -4326,13 +4361,14 @@
             <a:pPr>
               <a:defRPr/>
             </a:pPr>
-            <a:fld id="{EC79C91B-6EF3-4020-AA1D-CEB04213C1D9}" type="datetimeFigureOut">
+            <a:fld id="{5394CD29-4724-45CC-83ED-071D1CFDE4D0}" type="datetimeFigureOut">
               <a:rPr lang="en-US"/>
               <a:pPr>
                 <a:defRPr/>
               </a:pPr>
-              <a:t>7/3/2015</a:t>
+              <a:t>10/12/2015</a:t>
             </a:fld>
+            <a:endParaRPr lang="en-US"/>
           </a:p>
         </p:txBody>
       </p:sp>
@@ -4384,13 +4420,14 @@
             <a:pPr>
               <a:defRPr/>
             </a:pPr>
-            <a:fld id="{877A2962-9AE4-4DA1-8C30-34C22A6FB126}" type="slidenum">
+            <a:fld id="{68C83B16-7B6D-4445-9D88-56E5100FE024}" type="slidenum">
               <a:rPr lang="en-US"/>
               <a:pPr>
                 <a:defRPr/>
               </a:pPr>
               <a:t>‹#›</a:t>
             </a:fld>
+            <a:endParaRPr lang="en-US"/>
           </a:p>
         </p:txBody>
       </p:sp>
@@ -4399,13 +4436,11 @@
   <p:clrMapOvr>
     <a:masterClrMapping/>
   </p:clrMapOvr>
-  <p:transition/>
-  <p:timing/>
 </p:sldLayout>
 </file>
 
 <file path=ppt/slideLayouts/slideLayout26.xml><?xml version="1.0" encoding="utf-8"?>
-<p:sldLayout xmlns:a="http://schemas.openxmlformats.org/drawingml/2006/main" xmlns:r="http://schemas.openxmlformats.org/officeDocument/2006/relationships" xmlns:p14="http://schemas.microsoft.com/office/powerpoint/2010/main" xmlns:p15="http://schemas.microsoft.com/office/powerpoint/2012/main" xmlns:p="http://schemas.openxmlformats.org/presentationml/2006/main" type="twoObj" preserve="1">
+<p:sldLayout xmlns:a="http://schemas.openxmlformats.org/drawingml/2006/main" xmlns:r="http://schemas.openxmlformats.org/officeDocument/2006/relationships" xmlns:p="http://schemas.openxmlformats.org/presentationml/2006/main" type="twoObj" preserve="1">
   <p:cSld name="Two Content">
     <p:spTree>
       <p:nvGrpSpPr>
@@ -4417,6 +4452,8 @@
         <a:xfrm>
           <a:off x="0" y="0"/>
           <a:ext cx="0" cy="0"/>
+          <a:chOff x="0" y="0"/>
+          <a:chExt cx="0" cy="0"/>
         </a:xfrm>
       </p:grpSpPr>
       <p:sp>
@@ -4634,13 +4671,14 @@
             <a:pPr>
               <a:defRPr/>
             </a:pPr>
-            <a:fld id="{477A88EC-20BC-49DB-9CA6-9FF0B2F1FB81}" type="datetimeFigureOut">
+            <a:fld id="{6061ED59-EBE1-4375-B323-2B4D2B5119F8}" type="datetimeFigureOut">
               <a:rPr lang="en-US"/>
               <a:pPr>
                 <a:defRPr/>
               </a:pPr>
-              <a:t>7/3/2015</a:t>
+              <a:t>10/12/2015</a:t>
             </a:fld>
+            <a:endParaRPr lang="en-US"/>
           </a:p>
         </p:txBody>
       </p:sp>
@@ -4692,13 +4730,14 @@
             <a:pPr>
               <a:defRPr/>
             </a:pPr>
-            <a:fld id="{3B6BE5C8-3A78-41B6-A72B-71F2C2863B7A}" type="slidenum">
+            <a:fld id="{7C29A722-D3BB-46C4-9106-033AE8E450FD}" type="slidenum">
               <a:rPr lang="en-US"/>
               <a:pPr>
                 <a:defRPr/>
               </a:pPr>
               <a:t>‹#›</a:t>
             </a:fld>
+            <a:endParaRPr lang="en-US"/>
           </a:p>
         </p:txBody>
       </p:sp>
@@ -4707,13 +4746,11 @@
   <p:clrMapOvr>
     <a:masterClrMapping/>
   </p:clrMapOvr>
-  <p:transition/>
-  <p:timing/>
 </p:sldLayout>
 </file>
 
 <file path=ppt/slideLayouts/slideLayout27.xml><?xml version="1.0" encoding="utf-8"?>
-<p:sldLayout xmlns:a="http://schemas.openxmlformats.org/drawingml/2006/main" xmlns:r="http://schemas.openxmlformats.org/officeDocument/2006/relationships" xmlns:p14="http://schemas.microsoft.com/office/powerpoint/2010/main" xmlns:p15="http://schemas.microsoft.com/office/powerpoint/2012/main" xmlns:p="http://schemas.openxmlformats.org/presentationml/2006/main" type="twoTxTwoObj" preserve="1">
+<p:sldLayout xmlns:a="http://schemas.openxmlformats.org/drawingml/2006/main" xmlns:r="http://schemas.openxmlformats.org/officeDocument/2006/relationships" xmlns:p="http://schemas.openxmlformats.org/presentationml/2006/main" type="twoTxTwoObj" preserve="1">
   <p:cSld name="Comparison">
     <p:spTree>
       <p:nvGrpSpPr>
@@ -4725,6 +4762,8 @@
         <a:xfrm>
           <a:off x="0" y="0"/>
           <a:ext cx="0" cy="0"/>
+          <a:chOff x="0" y="0"/>
+          <a:chExt cx="0" cy="0"/>
         </a:xfrm>
       </p:grpSpPr>
       <p:sp>
@@ -5076,13 +5115,14 @@
             <a:pPr>
               <a:defRPr/>
             </a:pPr>
-            <a:fld id="{1E6B462E-196C-4C16-9D20-9E0E3C529DE0}" type="datetimeFigureOut">
+            <a:fld id="{059E79E0-F209-4BFF-83B7-C96F9DC77C57}" type="datetimeFigureOut">
               <a:rPr lang="en-US"/>
               <a:pPr>
                 <a:defRPr/>
               </a:pPr>
-              <a:t>7/3/2015</a:t>
+              <a:t>10/12/2015</a:t>
             </a:fld>
+            <a:endParaRPr lang="en-US"/>
           </a:p>
         </p:txBody>
       </p:sp>
@@ -5134,13 +5174,14 @@
             <a:pPr>
               <a:defRPr/>
             </a:pPr>
-            <a:fld id="{845E95C9-BCF4-4A77-AC9B-DE8022CAED00}" type="slidenum">
+            <a:fld id="{DDD99A55-9C4E-4F92-8F4D-6D7A35E06EA4}" type="slidenum">
               <a:rPr lang="en-US"/>
               <a:pPr>
                 <a:defRPr/>
               </a:pPr>
               <a:t>‹#›</a:t>
             </a:fld>
+            <a:endParaRPr lang="en-US"/>
           </a:p>
         </p:txBody>
       </p:sp>
@@ -5149,13 +5190,11 @@
   <p:clrMapOvr>
     <a:masterClrMapping/>
   </p:clrMapOvr>
-  <p:transition/>
-  <p:timing/>
 </p:sldLayout>
 </file>
 
 <file path=ppt/slideLayouts/slideLayout28.xml><?xml version="1.0" encoding="utf-8"?>
-<p:sldLayout xmlns:a="http://schemas.openxmlformats.org/drawingml/2006/main" xmlns:r="http://schemas.openxmlformats.org/officeDocument/2006/relationships" xmlns:p14="http://schemas.microsoft.com/office/powerpoint/2010/main" xmlns:p15="http://schemas.microsoft.com/office/powerpoint/2012/main" xmlns:p="http://schemas.openxmlformats.org/presentationml/2006/main" type="titleOnly" preserve="1">
+<p:sldLayout xmlns:a="http://schemas.openxmlformats.org/drawingml/2006/main" xmlns:r="http://schemas.openxmlformats.org/officeDocument/2006/relationships" xmlns:p="http://schemas.openxmlformats.org/presentationml/2006/main" type="titleOnly" preserve="1">
   <p:cSld name="Title Only">
     <p:spTree>
       <p:nvGrpSpPr>
@@ -5167,6 +5206,8 @@
         <a:xfrm>
           <a:off x="0" y="0"/>
           <a:ext cx="0" cy="0"/>
+          <a:chOff x="0" y="0"/>
+          <a:chExt cx="0" cy="0"/>
         </a:xfrm>
       </p:grpSpPr>
       <p:sp>
@@ -5214,13 +5255,14 @@
             <a:pPr>
               <a:defRPr/>
             </a:pPr>
-            <a:fld id="{E033075D-B4FE-48D9-ACD1-6428B7FD6DCA}" type="datetimeFigureOut">
+            <a:fld id="{BCCA4B5C-C514-495C-BB8B-9CE08184D8A6}" type="datetimeFigureOut">
               <a:rPr lang="en-US"/>
               <a:pPr>
                 <a:defRPr/>
               </a:pPr>
-              <a:t>7/3/2015</a:t>
+              <a:t>10/12/2015</a:t>
             </a:fld>
+            <a:endParaRPr lang="en-US"/>
           </a:p>
         </p:txBody>
       </p:sp>
@@ -5272,13 +5314,14 @@
             <a:pPr>
               <a:defRPr/>
             </a:pPr>
-            <a:fld id="{18F84D0D-2FAC-445F-835E-96C4350D9E05}" type="slidenum">
+            <a:fld id="{A5717F1E-7D28-444C-BCF0-3560C84CA979}" type="slidenum">
               <a:rPr lang="en-US"/>
               <a:pPr>
                 <a:defRPr/>
               </a:pPr>
               <a:t>‹#›</a:t>
             </a:fld>
+            <a:endParaRPr lang="en-US"/>
           </a:p>
         </p:txBody>
       </p:sp>
@@ -5287,13 +5330,11 @@
   <p:clrMapOvr>
     <a:masterClrMapping/>
   </p:clrMapOvr>
-  <p:transition/>
-  <p:timing/>
 </p:sldLayout>
 </file>
 
 <file path=ppt/slideLayouts/slideLayout29.xml><?xml version="1.0" encoding="utf-8"?>
-<p:sldLayout xmlns:a="http://schemas.openxmlformats.org/drawingml/2006/main" xmlns:r="http://schemas.openxmlformats.org/officeDocument/2006/relationships" xmlns:p14="http://schemas.microsoft.com/office/powerpoint/2010/main" xmlns:p15="http://schemas.microsoft.com/office/powerpoint/2012/main" xmlns:p="http://schemas.openxmlformats.org/presentationml/2006/main" type="blank" preserve="1">
+<p:sldLayout xmlns:a="http://schemas.openxmlformats.org/drawingml/2006/main" xmlns:r="http://schemas.openxmlformats.org/officeDocument/2006/relationships" xmlns:p="http://schemas.openxmlformats.org/presentationml/2006/main" type="blank" preserve="1">
   <p:cSld name="Blank">
     <p:spTree>
       <p:nvGrpSpPr>
@@ -5305,6 +5346,8 @@
         <a:xfrm>
           <a:off x="0" y="0"/>
           <a:ext cx="0" cy="0"/>
+          <a:chOff x="0" y="0"/>
+          <a:chExt cx="0" cy="0"/>
         </a:xfrm>
       </p:grpSpPr>
       <p:sp>
@@ -5329,13 +5372,14 @@
             <a:pPr>
               <a:defRPr/>
             </a:pPr>
-            <a:fld id="{E532EBB8-DF35-4BA7-BBD7-BA8E7BB61A78}" type="datetimeFigureOut">
+            <a:fld id="{C848BAC8-AA41-4AC8-8FF1-18101B3F06F2}" type="datetimeFigureOut">
               <a:rPr lang="en-US"/>
               <a:pPr>
                 <a:defRPr/>
               </a:pPr>
-              <a:t>7/3/2015</a:t>
+              <a:t>10/12/2015</a:t>
             </a:fld>
+            <a:endParaRPr lang="en-US"/>
           </a:p>
         </p:txBody>
       </p:sp>
@@ -5387,13 +5431,14 @@
             <a:pPr>
               <a:defRPr/>
             </a:pPr>
-            <a:fld id="{E377BCC7-B8F8-41AD-B4F8-EEF5B0BD12A5}" type="slidenum">
+            <a:fld id="{158974E2-57BC-4B74-8BBF-84987183AB5A}" type="slidenum">
               <a:rPr lang="en-US"/>
               <a:pPr>
                 <a:defRPr/>
               </a:pPr>
               <a:t>‹#›</a:t>
             </a:fld>
+            <a:endParaRPr lang="en-US"/>
           </a:p>
         </p:txBody>
       </p:sp>
@@ -5402,13 +5447,11 @@
   <p:clrMapOvr>
     <a:masterClrMapping/>
   </p:clrMapOvr>
-  <p:transition/>
-  <p:timing/>
 </p:sldLayout>
 </file>
 
 <file path=ppt/slideLayouts/slideLayout3.xml><?xml version="1.0" encoding="utf-8"?>
-<p:sldLayout xmlns:a="http://schemas.openxmlformats.org/drawingml/2006/main" xmlns:r="http://schemas.openxmlformats.org/officeDocument/2006/relationships" xmlns:p14="http://schemas.microsoft.com/office/powerpoint/2010/main" xmlns:p15="http://schemas.microsoft.com/office/powerpoint/2012/main" xmlns:p="http://schemas.openxmlformats.org/presentationml/2006/main" type="secHead" preserve="1">
+<p:sldLayout xmlns:a="http://schemas.openxmlformats.org/drawingml/2006/main" xmlns:r="http://schemas.openxmlformats.org/officeDocument/2006/relationships" xmlns:p="http://schemas.openxmlformats.org/presentationml/2006/main" type="secHead" preserve="1">
   <p:cSld name="Section Header">
     <p:spTree>
       <p:nvGrpSpPr>
@@ -5420,6 +5463,8 @@
         <a:xfrm>
           <a:off x="0" y="0"/>
           <a:ext cx="0" cy="0"/>
+          <a:chOff x="0" y="0"/>
+          <a:chExt cx="0" cy="0"/>
         </a:xfrm>
       </p:grpSpPr>
       <p:sp>
@@ -5595,13 +5640,14 @@
             <a:pPr>
               <a:defRPr/>
             </a:pPr>
-            <a:fld id="{C2DD0AE1-DCF1-479F-9FE6-61AA5E89F676}" type="datetimeFigureOut">
+            <a:fld id="{8CDF885A-C2F4-4EEA-9AEF-B4A4DF46E8B4}" type="datetimeFigureOut">
               <a:rPr lang="en-US"/>
               <a:pPr>
                 <a:defRPr/>
               </a:pPr>
-              <a:t>7/3/2015</a:t>
+              <a:t>10/12/2015</a:t>
             </a:fld>
+            <a:endParaRPr lang="en-US"/>
           </a:p>
         </p:txBody>
       </p:sp>
@@ -5653,13 +5699,14 @@
             <a:pPr>
               <a:defRPr/>
             </a:pPr>
-            <a:fld id="{1C2A11AE-19C2-459E-8A27-782E679409E5}" type="slidenum">
+            <a:fld id="{D5C4A4E3-06AE-4324-BDDE-4A4C7E815B50}" type="slidenum">
               <a:rPr lang="en-US"/>
               <a:pPr>
                 <a:defRPr/>
               </a:pPr>
               <a:t>‹#›</a:t>
             </a:fld>
+            <a:endParaRPr lang="en-US"/>
           </a:p>
         </p:txBody>
       </p:sp>
@@ -5668,13 +5715,11 @@
   <p:clrMapOvr>
     <a:masterClrMapping/>
   </p:clrMapOvr>
-  <p:transition/>
-  <p:timing/>
 </p:sldLayout>
 </file>
 
 <file path=ppt/slideLayouts/slideLayout30.xml><?xml version="1.0" encoding="utf-8"?>
-<p:sldLayout xmlns:a="http://schemas.openxmlformats.org/drawingml/2006/main" xmlns:r="http://schemas.openxmlformats.org/officeDocument/2006/relationships" xmlns:p14="http://schemas.microsoft.com/office/powerpoint/2010/main" xmlns:p15="http://schemas.microsoft.com/office/powerpoint/2012/main" xmlns:p="http://schemas.openxmlformats.org/presentationml/2006/main" type="objTx" preserve="1">
+<p:sldLayout xmlns:a="http://schemas.openxmlformats.org/drawingml/2006/main" xmlns:r="http://schemas.openxmlformats.org/officeDocument/2006/relationships" xmlns:p="http://schemas.openxmlformats.org/presentationml/2006/main" type="objTx" preserve="1">
   <p:cSld name="Content with Caption">
     <p:spTree>
       <p:nvGrpSpPr>
@@ -5686,6 +5731,8 @@
         <a:xfrm>
           <a:off x="0" y="0"/>
           <a:ext cx="0" cy="0"/>
+          <a:chOff x="0" y="0"/>
+          <a:chExt cx="0" cy="0"/>
         </a:xfrm>
       </p:grpSpPr>
       <p:sp>
@@ -5892,13 +5939,14 @@
             <a:pPr>
               <a:defRPr/>
             </a:pPr>
-            <a:fld id="{A652D5AA-0E76-4FE8-B5DE-8FAD2B655B64}" type="datetimeFigureOut">
+            <a:fld id="{EE0873E4-45B0-4A03-97B4-72B89AAF1AD2}" type="datetimeFigureOut">
               <a:rPr lang="en-US"/>
               <a:pPr>
                 <a:defRPr/>
               </a:pPr>
-              <a:t>7/3/2015</a:t>
+              <a:t>10/12/2015</a:t>
             </a:fld>
+            <a:endParaRPr lang="en-US"/>
           </a:p>
         </p:txBody>
       </p:sp>
@@ -5950,13 +5998,14 @@
             <a:pPr>
               <a:defRPr/>
             </a:pPr>
-            <a:fld id="{BFAB30C8-EE05-4EC2-9470-ACCD1F0F410B}" type="slidenum">
+            <a:fld id="{90F9A1AF-96A8-4C07-BBAD-451D23830543}" type="slidenum">
               <a:rPr lang="en-US"/>
               <a:pPr>
                 <a:defRPr/>
               </a:pPr>
               <a:t>‹#›</a:t>
             </a:fld>
+            <a:endParaRPr lang="en-US"/>
           </a:p>
         </p:txBody>
       </p:sp>
@@ -5965,13 +6014,11 @@
   <p:clrMapOvr>
     <a:masterClrMapping/>
   </p:clrMapOvr>
-  <p:transition/>
-  <p:timing/>
 </p:sldLayout>
 </file>
 
 <file path=ppt/slideLayouts/slideLayout31.xml><?xml version="1.0" encoding="utf-8"?>
-<p:sldLayout xmlns:a="http://schemas.openxmlformats.org/drawingml/2006/main" xmlns:r="http://schemas.openxmlformats.org/officeDocument/2006/relationships" xmlns:p14="http://schemas.microsoft.com/office/powerpoint/2010/main" xmlns:p15="http://schemas.microsoft.com/office/powerpoint/2012/main" xmlns:p="http://schemas.openxmlformats.org/presentationml/2006/main" type="picTx" preserve="1">
+<p:sldLayout xmlns:a="http://schemas.openxmlformats.org/drawingml/2006/main" xmlns:r="http://schemas.openxmlformats.org/officeDocument/2006/relationships" xmlns:p="http://schemas.openxmlformats.org/presentationml/2006/main" type="picTx" preserve="1">
   <p:cSld name="Picture with Caption">
     <p:spTree>
       <p:nvGrpSpPr>
@@ -5983,6 +6030,8 @@
         <a:xfrm>
           <a:off x="0" y="0"/>
           <a:ext cx="0" cy="0"/>
+          <a:chOff x="0" y="0"/>
+          <a:chExt cx="0" cy="0"/>
         </a:xfrm>
       </p:grpSpPr>
       <p:sp>
@@ -6168,13 +6217,14 @@
             <a:pPr>
               <a:defRPr/>
             </a:pPr>
-            <a:fld id="{FA520F21-76B3-46BB-A068-1823A907B94C}" type="datetimeFigureOut">
+            <a:fld id="{403665CF-9D25-4CFF-8A28-999C675F41B3}" type="datetimeFigureOut">
               <a:rPr lang="en-US"/>
               <a:pPr>
                 <a:defRPr/>
               </a:pPr>
-              <a:t>7/3/2015</a:t>
+              <a:t>10/12/2015</a:t>
             </a:fld>
+            <a:endParaRPr lang="en-US"/>
           </a:p>
         </p:txBody>
       </p:sp>
@@ -6226,13 +6276,14 @@
             <a:pPr>
               <a:defRPr/>
             </a:pPr>
-            <a:fld id="{B1029711-B255-4C63-AF7A-C869FF3D9973}" type="slidenum">
+            <a:fld id="{D6D13268-9987-40DA-8EED-9E702934254D}" type="slidenum">
               <a:rPr lang="en-US"/>
               <a:pPr>
                 <a:defRPr/>
               </a:pPr>
               <a:t>‹#›</a:t>
             </a:fld>
+            <a:endParaRPr lang="en-US"/>
           </a:p>
         </p:txBody>
       </p:sp>
@@ -6241,13 +6292,11 @@
   <p:clrMapOvr>
     <a:masterClrMapping/>
   </p:clrMapOvr>
-  <p:transition/>
-  <p:timing/>
 </p:sldLayout>
 </file>
 
 <file path=ppt/slideLayouts/slideLayout32.xml><?xml version="1.0" encoding="utf-8"?>
-<p:sldLayout xmlns:a="http://schemas.openxmlformats.org/drawingml/2006/main" xmlns:r="http://schemas.openxmlformats.org/officeDocument/2006/relationships" xmlns:p14="http://schemas.microsoft.com/office/powerpoint/2010/main" xmlns:p15="http://schemas.microsoft.com/office/powerpoint/2012/main" xmlns:p="http://schemas.openxmlformats.org/presentationml/2006/main" type="vertTx" preserve="1">
+<p:sldLayout xmlns:a="http://schemas.openxmlformats.org/drawingml/2006/main" xmlns:r="http://schemas.openxmlformats.org/officeDocument/2006/relationships" xmlns:p="http://schemas.openxmlformats.org/presentationml/2006/main" type="vertTx" preserve="1">
   <p:cSld name="Title and Vertical Text">
     <p:spTree>
       <p:nvGrpSpPr>
@@ -6259,6 +6308,8 @@
         <a:xfrm>
           <a:off x="0" y="0"/>
           <a:ext cx="0" cy="0"/>
+          <a:chOff x="0" y="0"/>
+          <a:chExt cx="0" cy="0"/>
         </a:xfrm>
       </p:grpSpPr>
       <p:sp>
@@ -6358,13 +6409,14 @@
             <a:pPr>
               <a:defRPr/>
             </a:pPr>
-            <a:fld id="{A716229D-F310-4368-A870-9CBBF7450024}" type="datetimeFigureOut">
+            <a:fld id="{EFE67D2E-75A5-4B80-B982-5C04C3FAE72B}" type="datetimeFigureOut">
               <a:rPr lang="en-US"/>
               <a:pPr>
                 <a:defRPr/>
               </a:pPr>
-              <a:t>7/3/2015</a:t>
+              <a:t>10/12/2015</a:t>
             </a:fld>
+            <a:endParaRPr lang="en-US"/>
           </a:p>
         </p:txBody>
       </p:sp>
@@ -6416,13 +6468,14 @@
             <a:pPr>
               <a:defRPr/>
             </a:pPr>
-            <a:fld id="{780F0185-C0F1-46D3-B64C-E0197F47E996}" type="slidenum">
+            <a:fld id="{3A059914-EC69-4EA5-AC1A-23EB3FAFDDB2}" type="slidenum">
               <a:rPr lang="en-US"/>
               <a:pPr>
                 <a:defRPr/>
               </a:pPr>
               <a:t>‹#›</a:t>
             </a:fld>
+            <a:endParaRPr lang="en-US"/>
           </a:p>
         </p:txBody>
       </p:sp>
@@ -6431,13 +6484,11 @@
   <p:clrMapOvr>
     <a:masterClrMapping/>
   </p:clrMapOvr>
-  <p:transition/>
-  <p:timing/>
 </p:sldLayout>
 </file>
 
 <file path=ppt/slideLayouts/slideLayout33.xml><?xml version="1.0" encoding="utf-8"?>
-<p:sldLayout xmlns:a="http://schemas.openxmlformats.org/drawingml/2006/main" xmlns:r="http://schemas.openxmlformats.org/officeDocument/2006/relationships" xmlns:p14="http://schemas.microsoft.com/office/powerpoint/2010/main" xmlns:p15="http://schemas.microsoft.com/office/powerpoint/2012/main" xmlns:p="http://schemas.openxmlformats.org/presentationml/2006/main" type="vertTitleAndTx" preserve="1">
+<p:sldLayout xmlns:a="http://schemas.openxmlformats.org/drawingml/2006/main" xmlns:r="http://schemas.openxmlformats.org/officeDocument/2006/relationships" xmlns:p="http://schemas.openxmlformats.org/presentationml/2006/main" type="vertTitleAndTx" preserve="1">
   <p:cSld name="Vertical Title and Text">
     <p:spTree>
       <p:nvGrpSpPr>
@@ -6449,6 +6500,8 @@
         <a:xfrm>
           <a:off x="0" y="0"/>
           <a:ext cx="0" cy="0"/>
+          <a:chOff x="0" y="0"/>
+          <a:chExt cx="0" cy="0"/>
         </a:xfrm>
       </p:grpSpPr>
       <p:sp>
@@ -6558,13 +6611,14 @@
             <a:pPr>
               <a:defRPr/>
             </a:pPr>
-            <a:fld id="{AC914676-7316-4EB9-B4C8-09C3237000C8}" type="datetimeFigureOut">
+            <a:fld id="{FFDFDCBB-3F24-47C3-84B6-3A087E5D3933}" type="datetimeFigureOut">
               <a:rPr lang="en-US"/>
               <a:pPr>
                 <a:defRPr/>
               </a:pPr>
-              <a:t>7/3/2015</a:t>
+              <a:t>10/12/2015</a:t>
             </a:fld>
+            <a:endParaRPr lang="en-US"/>
           </a:p>
         </p:txBody>
       </p:sp>
@@ -6616,13 +6670,14 @@
             <a:pPr>
               <a:defRPr/>
             </a:pPr>
-            <a:fld id="{254BCE87-BB4E-4497-8359-57B60DAD90AF}" type="slidenum">
+            <a:fld id="{9C1A69BC-426A-4473-B008-725C63811378}" type="slidenum">
               <a:rPr lang="en-US"/>
               <a:pPr>
                 <a:defRPr/>
               </a:pPr>
               <a:t>‹#›</a:t>
             </a:fld>
+            <a:endParaRPr lang="en-US"/>
           </a:p>
         </p:txBody>
       </p:sp>
@@ -6631,13 +6686,11 @@
   <p:clrMapOvr>
     <a:masterClrMapping/>
   </p:clrMapOvr>
-  <p:transition/>
-  <p:timing/>
 </p:sldLayout>
 </file>
 
 <file path=ppt/slideLayouts/slideLayout4.xml><?xml version="1.0" encoding="utf-8"?>
-<p:sldLayout xmlns:a="http://schemas.openxmlformats.org/drawingml/2006/main" xmlns:r="http://schemas.openxmlformats.org/officeDocument/2006/relationships" xmlns:p14="http://schemas.microsoft.com/office/powerpoint/2010/main" xmlns:p15="http://schemas.microsoft.com/office/powerpoint/2012/main" xmlns:p="http://schemas.openxmlformats.org/presentationml/2006/main" type="twoObj" preserve="1">
+<p:sldLayout xmlns:a="http://schemas.openxmlformats.org/drawingml/2006/main" xmlns:r="http://schemas.openxmlformats.org/officeDocument/2006/relationships" xmlns:p="http://schemas.openxmlformats.org/presentationml/2006/main" type="twoObj" preserve="1">
   <p:cSld name="Two Content">
     <p:spTree>
       <p:nvGrpSpPr>
@@ -6649,6 +6702,8 @@
         <a:xfrm>
           <a:off x="0" y="0"/>
           <a:ext cx="0" cy="0"/>
+          <a:chOff x="0" y="0"/>
+          <a:chExt cx="0" cy="0"/>
         </a:xfrm>
       </p:grpSpPr>
       <p:sp>
@@ -6866,13 +6921,14 @@
             <a:pPr>
               <a:defRPr/>
             </a:pPr>
-            <a:fld id="{C2B9DA6D-A8BC-4CA8-AA51-7D91CAC4A318}" type="datetimeFigureOut">
+            <a:fld id="{B228333E-C932-4FC8-A353-968F47448E44}" type="datetimeFigureOut">
               <a:rPr lang="en-US"/>
               <a:pPr>
                 <a:defRPr/>
               </a:pPr>
-              <a:t>7/3/2015</a:t>
+              <a:t>10/12/2015</a:t>
             </a:fld>
+            <a:endParaRPr lang="en-US"/>
           </a:p>
         </p:txBody>
       </p:sp>
@@ -6924,13 +6980,14 @@
             <a:pPr>
               <a:defRPr/>
             </a:pPr>
-            <a:fld id="{192CB2F0-D8EB-44BA-A5FB-2A120013D7F4}" type="slidenum">
+            <a:fld id="{0563C8BA-8AA9-4035-92DD-AD40206F8461}" type="slidenum">
               <a:rPr lang="en-US"/>
               <a:pPr>
                 <a:defRPr/>
               </a:pPr>
               <a:t>‹#›</a:t>
             </a:fld>
+            <a:endParaRPr lang="en-US"/>
           </a:p>
         </p:txBody>
       </p:sp>
@@ -6939,13 +6996,11 @@
   <p:clrMapOvr>
     <a:masterClrMapping/>
   </p:clrMapOvr>
-  <p:transition/>
-  <p:timing/>
 </p:sldLayout>
 </file>
 
 <file path=ppt/slideLayouts/slideLayout5.xml><?xml version="1.0" encoding="utf-8"?>
-<p:sldLayout xmlns:a="http://schemas.openxmlformats.org/drawingml/2006/main" xmlns:r="http://schemas.openxmlformats.org/officeDocument/2006/relationships" xmlns:p14="http://schemas.microsoft.com/office/powerpoint/2010/main" xmlns:p15="http://schemas.microsoft.com/office/powerpoint/2012/main" xmlns:p="http://schemas.openxmlformats.org/presentationml/2006/main" type="twoTxTwoObj" preserve="1">
+<p:sldLayout xmlns:a="http://schemas.openxmlformats.org/drawingml/2006/main" xmlns:r="http://schemas.openxmlformats.org/officeDocument/2006/relationships" xmlns:p="http://schemas.openxmlformats.org/presentationml/2006/main" type="twoTxTwoObj" preserve="1">
   <p:cSld name="Comparison">
     <p:spTree>
       <p:nvGrpSpPr>
@@ -6957,6 +7012,8 @@
         <a:xfrm>
           <a:off x="0" y="0"/>
           <a:ext cx="0" cy="0"/>
+          <a:chOff x="0" y="0"/>
+          <a:chExt cx="0" cy="0"/>
         </a:xfrm>
       </p:grpSpPr>
       <p:sp>
@@ -7308,13 +7365,14 @@
             <a:pPr>
               <a:defRPr/>
             </a:pPr>
-            <a:fld id="{BF42F648-418E-4630-A438-31E2616964ED}" type="datetimeFigureOut">
+            <a:fld id="{894FB5EC-A048-42DA-9474-D58246B51239}" type="datetimeFigureOut">
               <a:rPr lang="en-US"/>
               <a:pPr>
                 <a:defRPr/>
               </a:pPr>
-              <a:t>7/3/2015</a:t>
+              <a:t>10/12/2015</a:t>
             </a:fld>
+            <a:endParaRPr lang="en-US"/>
           </a:p>
         </p:txBody>
       </p:sp>
@@ -7366,13 +7424,14 @@
             <a:pPr>
               <a:defRPr/>
             </a:pPr>
-            <a:fld id="{29934475-607C-4499-BCE2-72F62F3324D9}" type="slidenum">
+            <a:fld id="{6059731F-13B9-47B6-8277-A91DA389ACD2}" type="slidenum">
               <a:rPr lang="en-US"/>
               <a:pPr>
                 <a:defRPr/>
               </a:pPr>
               <a:t>‹#›</a:t>
             </a:fld>
+            <a:endParaRPr lang="en-US"/>
           </a:p>
         </p:txBody>
       </p:sp>
@@ -7381,13 +7440,11 @@
   <p:clrMapOvr>
     <a:masterClrMapping/>
   </p:clrMapOvr>
-  <p:transition/>
-  <p:timing/>
 </p:sldLayout>
 </file>
 
 <file path=ppt/slideLayouts/slideLayout6.xml><?xml version="1.0" encoding="utf-8"?>
-<p:sldLayout xmlns:a="http://schemas.openxmlformats.org/drawingml/2006/main" xmlns:r="http://schemas.openxmlformats.org/officeDocument/2006/relationships" xmlns:p14="http://schemas.microsoft.com/office/powerpoint/2010/main" xmlns:p15="http://schemas.microsoft.com/office/powerpoint/2012/main" xmlns:p="http://schemas.openxmlformats.org/presentationml/2006/main" type="titleOnly" preserve="1">
+<p:sldLayout xmlns:a="http://schemas.openxmlformats.org/drawingml/2006/main" xmlns:r="http://schemas.openxmlformats.org/officeDocument/2006/relationships" xmlns:p="http://schemas.openxmlformats.org/presentationml/2006/main" type="titleOnly" preserve="1">
   <p:cSld name="Title Only">
     <p:spTree>
       <p:nvGrpSpPr>
@@ -7399,6 +7456,8 @@
         <a:xfrm>
           <a:off x="0" y="0"/>
           <a:ext cx="0" cy="0"/>
+          <a:chOff x="0" y="0"/>
+          <a:chExt cx="0" cy="0"/>
         </a:xfrm>
       </p:grpSpPr>
       <p:sp>
@@ -7446,13 +7505,14 @@
             <a:pPr>
               <a:defRPr/>
             </a:pPr>
-            <a:fld id="{02AC3E20-0F3B-4EB7-A220-F57ECB2E468B}" type="datetimeFigureOut">
+            <a:fld id="{5495332C-50F4-4201-AF7B-72D5AF1881E3}" type="datetimeFigureOut">
               <a:rPr lang="en-US"/>
               <a:pPr>
                 <a:defRPr/>
               </a:pPr>
-              <a:t>7/3/2015</a:t>
+              <a:t>10/12/2015</a:t>
             </a:fld>
+            <a:endParaRPr lang="en-US"/>
           </a:p>
         </p:txBody>
       </p:sp>
@@ -7504,13 +7564,14 @@
             <a:pPr>
               <a:defRPr/>
             </a:pPr>
-            <a:fld id="{24D5F730-9CB9-4ECE-A7E7-9D63DABDCE66}" type="slidenum">
+            <a:fld id="{7F64CD81-A690-4E08-A8B0-5ABFD3B2AD63}" type="slidenum">
               <a:rPr lang="en-US"/>
               <a:pPr>
                 <a:defRPr/>
               </a:pPr>
               <a:t>‹#›</a:t>
             </a:fld>
+            <a:endParaRPr lang="en-US"/>
           </a:p>
         </p:txBody>
       </p:sp>
@@ -7519,13 +7580,11 @@
   <p:clrMapOvr>
     <a:masterClrMapping/>
   </p:clrMapOvr>
-  <p:transition/>
-  <p:timing/>
 </p:sldLayout>
 </file>
 
 <file path=ppt/slideLayouts/slideLayout7.xml><?xml version="1.0" encoding="utf-8"?>
-<p:sldLayout xmlns:a="http://schemas.openxmlformats.org/drawingml/2006/main" xmlns:r="http://schemas.openxmlformats.org/officeDocument/2006/relationships" xmlns:p14="http://schemas.microsoft.com/office/powerpoint/2010/main" xmlns:p15="http://schemas.microsoft.com/office/powerpoint/2012/main" xmlns:p="http://schemas.openxmlformats.org/presentationml/2006/main" type="blank" preserve="1">
+<p:sldLayout xmlns:a="http://schemas.openxmlformats.org/drawingml/2006/main" xmlns:r="http://schemas.openxmlformats.org/officeDocument/2006/relationships" xmlns:p="http://schemas.openxmlformats.org/presentationml/2006/main" type="blank" preserve="1">
   <p:cSld name="Blank">
     <p:spTree>
       <p:nvGrpSpPr>
@@ -7537,6 +7596,8 @@
         <a:xfrm>
           <a:off x="0" y="0"/>
           <a:ext cx="0" cy="0"/>
+          <a:chOff x="0" y="0"/>
+          <a:chExt cx="0" cy="0"/>
         </a:xfrm>
       </p:grpSpPr>
       <p:sp>
@@ -7561,13 +7622,14 @@
             <a:pPr>
               <a:defRPr/>
             </a:pPr>
-            <a:fld id="{D4148016-7323-4BEB-A64B-092935CEC98A}" type="datetimeFigureOut">
+            <a:fld id="{8EB362B2-605D-497A-867A-D5CA6F0263FF}" type="datetimeFigureOut">
               <a:rPr lang="en-US"/>
               <a:pPr>
                 <a:defRPr/>
               </a:pPr>
-              <a:t>7/3/2015</a:t>
+              <a:t>10/12/2015</a:t>
             </a:fld>
+            <a:endParaRPr lang="en-US"/>
           </a:p>
         </p:txBody>
       </p:sp>
@@ -7619,13 +7681,14 @@
             <a:pPr>
               <a:defRPr/>
             </a:pPr>
-            <a:fld id="{A05212F9-B763-4CC3-B1B4-E3B39430B0AF}" type="slidenum">
+            <a:fld id="{23C3E578-F7F0-434E-9E83-03AC0994F997}" type="slidenum">
               <a:rPr lang="en-US"/>
               <a:pPr>
                 <a:defRPr/>
               </a:pPr>
               <a:t>‹#›</a:t>
             </a:fld>
+            <a:endParaRPr lang="en-US"/>
           </a:p>
         </p:txBody>
       </p:sp>
@@ -7634,13 +7697,11 @@
   <p:clrMapOvr>
     <a:masterClrMapping/>
   </p:clrMapOvr>
-  <p:transition/>
-  <p:timing/>
 </p:sldLayout>
 </file>
 
 <file path=ppt/slideLayouts/slideLayout8.xml><?xml version="1.0" encoding="utf-8"?>
-<p:sldLayout xmlns:a="http://schemas.openxmlformats.org/drawingml/2006/main" xmlns:r="http://schemas.openxmlformats.org/officeDocument/2006/relationships" xmlns:p14="http://schemas.microsoft.com/office/powerpoint/2010/main" xmlns:p15="http://schemas.microsoft.com/office/powerpoint/2012/main" xmlns:p="http://schemas.openxmlformats.org/presentationml/2006/main" type="objTx" preserve="1">
+<p:sldLayout xmlns:a="http://schemas.openxmlformats.org/drawingml/2006/main" xmlns:r="http://schemas.openxmlformats.org/officeDocument/2006/relationships" xmlns:p="http://schemas.openxmlformats.org/presentationml/2006/main" type="objTx" preserve="1">
   <p:cSld name="Content with Caption">
     <p:spTree>
       <p:nvGrpSpPr>
@@ -7652,6 +7713,8 @@
         <a:xfrm>
           <a:off x="0" y="0"/>
           <a:ext cx="0" cy="0"/>
+          <a:chOff x="0" y="0"/>
+          <a:chExt cx="0" cy="0"/>
         </a:xfrm>
       </p:grpSpPr>
       <p:sp>
@@ -7858,13 +7921,14 @@
             <a:pPr>
               <a:defRPr/>
             </a:pPr>
-            <a:fld id="{44E79C9C-56F7-4F5B-92E7-0452E97B962E}" type="datetimeFigureOut">
+            <a:fld id="{F3AF221D-A6ED-47CC-9F3C-571A3A6D5A97}" type="datetimeFigureOut">
               <a:rPr lang="en-US"/>
               <a:pPr>
                 <a:defRPr/>
               </a:pPr>
-              <a:t>7/3/2015</a:t>
+              <a:t>10/12/2015</a:t>
             </a:fld>
+            <a:endParaRPr lang="en-US"/>
           </a:p>
         </p:txBody>
       </p:sp>
@@ -7916,13 +7980,14 @@
             <a:pPr>
               <a:defRPr/>
             </a:pPr>
-            <a:fld id="{21DB5B3B-DDB3-4C79-96C8-B64323B67892}" type="slidenum">
+            <a:fld id="{2E3B5AF8-673A-4B83-8C8D-EC5EF04DB7B5}" type="slidenum">
               <a:rPr lang="en-US"/>
               <a:pPr>
                 <a:defRPr/>
               </a:pPr>
               <a:t>‹#›</a:t>
             </a:fld>
+            <a:endParaRPr lang="en-US"/>
           </a:p>
         </p:txBody>
       </p:sp>
@@ -7931,13 +7996,11 @@
   <p:clrMapOvr>
     <a:masterClrMapping/>
   </p:clrMapOvr>
-  <p:transition/>
-  <p:timing/>
 </p:sldLayout>
 </file>
 
 <file path=ppt/slideLayouts/slideLayout9.xml><?xml version="1.0" encoding="utf-8"?>
-<p:sldLayout xmlns:a="http://schemas.openxmlformats.org/drawingml/2006/main" xmlns:r="http://schemas.openxmlformats.org/officeDocument/2006/relationships" xmlns:p14="http://schemas.microsoft.com/office/powerpoint/2010/main" xmlns:p15="http://schemas.microsoft.com/office/powerpoint/2012/main" xmlns:p="http://schemas.openxmlformats.org/presentationml/2006/main" type="picTx" preserve="1">
+<p:sldLayout xmlns:a="http://schemas.openxmlformats.org/drawingml/2006/main" xmlns:r="http://schemas.openxmlformats.org/officeDocument/2006/relationships" xmlns:p="http://schemas.openxmlformats.org/presentationml/2006/main" type="picTx" preserve="1">
   <p:cSld name="Picture with Caption">
     <p:spTree>
       <p:nvGrpSpPr>
@@ -7949,6 +8012,8 @@
         <a:xfrm>
           <a:off x="0" y="0"/>
           <a:ext cx="0" cy="0"/>
+          <a:chOff x="0" y="0"/>
+          <a:chExt cx="0" cy="0"/>
         </a:xfrm>
       </p:grpSpPr>
       <p:sp>
@@ -8134,13 +8199,14 @@
             <a:pPr>
               <a:defRPr/>
             </a:pPr>
-            <a:fld id="{D1E80479-107E-43B6-B6F4-F01EA1604809}" type="datetimeFigureOut">
+            <a:fld id="{C642915D-0F91-4A01-A0C5-490EC335D1F1}" type="datetimeFigureOut">
               <a:rPr lang="en-US"/>
               <a:pPr>
                 <a:defRPr/>
               </a:pPr>
-              <a:t>7/3/2015</a:t>
+              <a:t>10/12/2015</a:t>
             </a:fld>
+            <a:endParaRPr lang="en-US"/>
           </a:p>
         </p:txBody>
       </p:sp>
@@ -8192,13 +8258,14 @@
             <a:pPr>
               <a:defRPr/>
             </a:pPr>
-            <a:fld id="{9A6E92AD-542F-477A-AA4F-6213B5DEA875}" type="slidenum">
+            <a:fld id="{F2076DE3-46F8-4FF0-BDDB-C25936DDB4F1}" type="slidenum">
               <a:rPr lang="en-US"/>
               <a:pPr>
                 <a:defRPr/>
               </a:pPr>
               <a:t>‹#›</a:t>
             </a:fld>
+            <a:endParaRPr lang="en-US"/>
           </a:p>
         </p:txBody>
       </p:sp>
@@ -8207,13 +8274,11 @@
   <p:clrMapOvr>
     <a:masterClrMapping/>
   </p:clrMapOvr>
-  <p:transition/>
-  <p:timing/>
 </p:sldLayout>
 </file>
 
 <file path=ppt/slideMasters/slideMaster1.xml><?xml version="1.0" encoding="utf-8"?>
-<p:sldMaster xmlns:a="http://schemas.openxmlformats.org/drawingml/2006/main" xmlns:r="http://schemas.openxmlformats.org/officeDocument/2006/relationships" xmlns:p14="http://schemas.microsoft.com/office/powerpoint/2010/main" xmlns:p15="http://schemas.microsoft.com/office/powerpoint/2012/main" xmlns:p="http://schemas.openxmlformats.org/presentationml/2006/main">
+<p:sldMaster xmlns:a="http://schemas.openxmlformats.org/drawingml/2006/main" xmlns:r="http://schemas.openxmlformats.org/officeDocument/2006/relationships" xmlns:p="http://schemas.openxmlformats.org/presentationml/2006/main">
   <p:cSld>
     <p:bg>
       <p:bgRef idx="1001">
@@ -8230,6 +8295,8 @@
         <a:xfrm>
           <a:off x="0" y="0"/>
           <a:ext cx="0" cy="0"/>
+          <a:chOff x="0" y="0"/>
+          <a:chExt cx="0" cy="0"/>
         </a:xfrm>
       </p:grpSpPr>
       <p:sp>
@@ -8254,10 +8321,12 @@
           <a:ln w="9525">
             <a:noFill/>
             <a:miter lim="800000"/>
+            <a:headEnd/>
+            <a:tailEnd/>
           </a:ln>
         </p:spPr>
         <p:txBody>
-          <a:bodyPr vert="horz" wrap="square" lIns="91440" tIns="45720" rIns="91440" bIns="45720" anchor="ctr" anchorCtr="0" compatLnSpc="1">
+          <a:bodyPr vert="horz" wrap="square" lIns="91440" tIns="45720" rIns="91440" bIns="45720" numCol="1" anchor="ctr" anchorCtr="0" compatLnSpc="1">
             <a:prstTxWarp prst="textNoShape">
               <a:avLst/>
             </a:prstTxWarp>
@@ -8294,10 +8363,12 @@
           <a:ln w="9525">
             <a:noFill/>
             <a:miter lim="800000"/>
+            <a:headEnd/>
+            <a:tailEnd/>
           </a:ln>
         </p:spPr>
         <p:txBody>
-          <a:bodyPr vert="horz" wrap="square" lIns="91440" tIns="45720" rIns="91440" bIns="45720" anchor="t" anchorCtr="0" compatLnSpc="1">
+          <a:bodyPr vert="horz" wrap="square" lIns="91440" tIns="45720" rIns="91440" bIns="45720" numCol="1" anchor="t" anchorCtr="0" compatLnSpc="1">
             <a:prstTxWarp prst="textNoShape">
               <a:avLst/>
             </a:prstTxWarp>
@@ -8364,12 +8435,12 @@
           <a:lstStyle>
             <a:lvl1pPr algn="l" fontAlgn="auto">
               <a:spcBef>
-                <a:spcPct val="0"/>
+                <a:spcPts val="0"/>
               </a:spcBef>
               <a:spcAft>
-                <a:spcPct val="0"/>
+                <a:spcPts val="0"/>
               </a:spcAft>
-              <a:defRPr sz="1200" smtClean="0">
+              <a:defRPr sz="1200">
                 <a:solidFill>
                   <a:schemeClr val="tx1">
                     <a:tint val="75000"/>
@@ -8383,13 +8454,14 @@
             <a:pPr>
               <a:defRPr/>
             </a:pPr>
-            <a:fld id="{ED74181E-3DE5-49B2-867A-AC4B42451E98}" type="datetimeFigureOut">
+            <a:fld id="{DA86AA3D-B0C3-4226-8BFC-AFFCF5153808}" type="datetimeFigureOut">
               <a:rPr lang="en-US"/>
               <a:pPr>
                 <a:defRPr/>
               </a:pPr>
-              <a:t>7/3/2015</a:t>
+              <a:t>10/12/2015</a:t>
             </a:fld>
+            <a:endParaRPr lang="en-US"/>
           </a:p>
         </p:txBody>
       </p:sp>
@@ -8417,10 +8489,10 @@
           <a:lstStyle>
             <a:lvl1pPr algn="ctr" fontAlgn="auto">
               <a:spcBef>
-                <a:spcPct val="0"/>
+                <a:spcPts val="0"/>
               </a:spcBef>
               <a:spcAft>
-                <a:spcPct val="0"/>
+                <a:spcPts val="0"/>
               </a:spcAft>
               <a:defRPr sz="1200">
                 <a:solidFill>
@@ -8464,12 +8536,12 @@
           <a:lstStyle>
             <a:lvl1pPr algn="r" fontAlgn="auto">
               <a:spcBef>
-                <a:spcPct val="0"/>
+                <a:spcPts val="0"/>
               </a:spcBef>
               <a:spcAft>
-                <a:spcPct val="0"/>
+                <a:spcPts val="0"/>
               </a:spcAft>
-              <a:defRPr sz="1200" smtClean="0">
+              <a:defRPr sz="1200">
                 <a:solidFill>
                   <a:schemeClr val="tx1">
                     <a:tint val="75000"/>
@@ -8483,13 +8555,14 @@
             <a:pPr>
               <a:defRPr/>
             </a:pPr>
-            <a:fld id="{373858C9-C245-4D3D-A56C-F59D98AB27F7}" type="slidenum">
+            <a:fld id="{D2077A2E-C9F9-430D-A38A-E89ECE31EBD6}" type="slidenum">
               <a:rPr lang="en-US"/>
               <a:pPr>
                 <a:defRPr/>
               </a:pPr>
               <a:t>‹#›</a:t>
             </a:fld>
+            <a:endParaRPr lang="en-US"/>
           </a:p>
         </p:txBody>
       </p:sp>
@@ -8509,11 +8582,16 @@
     <p:sldLayoutId id="2147483674" r:id="rId10"/>
     <p:sldLayoutId id="2147483673" r:id="rId11"/>
   </p:sldLayoutIdLst>
-  <p:transition/>
-  <p:timing/>
+  <p:timing>
+    <p:tnLst>
+      <p:par>
+        <p:cTn id="1" dur="indefinite" restart="never" nodeType="tmRoot"/>
+      </p:par>
+    </p:tnLst>
+  </p:timing>
   <p:txStyles>
     <p:titleStyle>
-      <a:lvl1pPr algn="ctr" rtl="0" fontAlgn="base">
+      <a:lvl1pPr algn="ctr" rtl="0" eaLnBrk="0" fontAlgn="base" hangingPunct="0">
         <a:spcBef>
           <a:spcPct val="0"/>
         </a:spcBef>
@@ -8529,7 +8607,7 @@
           <a:cs typeface="+mj-cs"/>
         </a:defRPr>
       </a:lvl1pPr>
-      <a:lvl2pPr algn="ctr" rtl="0" fontAlgn="base">
+      <a:lvl2pPr algn="ctr" rtl="0" eaLnBrk="0" fontAlgn="base" hangingPunct="0">
         <a:spcBef>
           <a:spcPct val="0"/>
         </a:spcBef>
@@ -8543,7 +8621,7 @@
           <a:latin typeface="Calibri" pitchFamily="34" charset="0"/>
         </a:defRPr>
       </a:lvl2pPr>
-      <a:lvl3pPr algn="ctr" rtl="0" fontAlgn="base">
+      <a:lvl3pPr algn="ctr" rtl="0" eaLnBrk="0" fontAlgn="base" hangingPunct="0">
         <a:spcBef>
           <a:spcPct val="0"/>
         </a:spcBef>
@@ -8557,7 +8635,7 @@
           <a:latin typeface="Calibri" pitchFamily="34" charset="0"/>
         </a:defRPr>
       </a:lvl3pPr>
-      <a:lvl4pPr algn="ctr" rtl="0" fontAlgn="base">
+      <a:lvl4pPr algn="ctr" rtl="0" eaLnBrk="0" fontAlgn="base" hangingPunct="0">
         <a:spcBef>
           <a:spcPct val="0"/>
         </a:spcBef>
@@ -8571,7 +8649,7 @@
           <a:latin typeface="Calibri" pitchFamily="34" charset="0"/>
         </a:defRPr>
       </a:lvl4pPr>
-      <a:lvl5pPr algn="ctr" rtl="0" fontAlgn="base">
+      <a:lvl5pPr algn="ctr" rtl="0" eaLnBrk="0" fontAlgn="base" hangingPunct="0">
         <a:spcBef>
           <a:spcPct val="0"/>
         </a:spcBef>
@@ -8643,7 +8721,7 @@
       </a:lvl9pPr>
     </p:titleStyle>
     <p:bodyStyle>
-      <a:lvl1pPr marL="342900" indent="-342900" algn="l" rtl="0" fontAlgn="base">
+      <a:lvl1pPr marL="342900" indent="-342900" algn="l" rtl="0" eaLnBrk="0" fontAlgn="base" hangingPunct="0">
         <a:spcBef>
           <a:spcPct val="20000"/>
         </a:spcBef>
@@ -8661,7 +8739,7 @@
           <a:cs typeface="+mn-cs"/>
         </a:defRPr>
       </a:lvl1pPr>
-      <a:lvl2pPr marL="742950" indent="-285750" algn="l" rtl="0" fontAlgn="base">
+      <a:lvl2pPr marL="742950" indent="-285750" algn="l" rtl="0" eaLnBrk="0" fontAlgn="base" hangingPunct="0">
         <a:spcBef>
           <a:spcPct val="20000"/>
         </a:spcBef>
@@ -8679,7 +8757,7 @@
           <a:cs typeface="+mn-cs"/>
         </a:defRPr>
       </a:lvl2pPr>
-      <a:lvl3pPr marL="1143000" indent="-228600" algn="l" rtl="0" fontAlgn="base">
+      <a:lvl3pPr marL="1143000" indent="-228600" algn="l" rtl="0" eaLnBrk="0" fontAlgn="base" hangingPunct="0">
         <a:spcBef>
           <a:spcPct val="20000"/>
         </a:spcBef>
@@ -8697,7 +8775,7 @@
           <a:cs typeface="+mn-cs"/>
         </a:defRPr>
       </a:lvl3pPr>
-      <a:lvl4pPr marL="1600200" indent="-228600" algn="l" rtl="0" fontAlgn="base">
+      <a:lvl4pPr marL="1600200" indent="-228600" algn="l" rtl="0" eaLnBrk="0" fontAlgn="base" hangingPunct="0">
         <a:spcBef>
           <a:spcPct val="20000"/>
         </a:spcBef>
@@ -8715,7 +8793,7 @@
           <a:cs typeface="+mn-cs"/>
         </a:defRPr>
       </a:lvl4pPr>
-      <a:lvl5pPr marL="2057400" indent="-228600" algn="l" rtl="0" fontAlgn="base">
+      <a:lvl5pPr marL="2057400" indent="-228600" algn="l" rtl="0" eaLnBrk="0" fontAlgn="base" hangingPunct="0">
         <a:spcBef>
           <a:spcPct val="20000"/>
         </a:spcBef>
@@ -8894,7 +8972,7 @@
 </file>
 
 <file path=ppt/slideMasters/slideMaster2.xml><?xml version="1.0" encoding="utf-8"?>
-<p:sldMaster xmlns:a="http://schemas.openxmlformats.org/drawingml/2006/main" xmlns:r="http://schemas.openxmlformats.org/officeDocument/2006/relationships" xmlns:p14="http://schemas.microsoft.com/office/powerpoint/2010/main" xmlns:p15="http://schemas.microsoft.com/office/powerpoint/2012/main" xmlns:p="http://schemas.openxmlformats.org/presentationml/2006/main">
+<p:sldMaster xmlns:a="http://schemas.openxmlformats.org/drawingml/2006/main" xmlns:r="http://schemas.openxmlformats.org/officeDocument/2006/relationships" xmlns:p="http://schemas.openxmlformats.org/presentationml/2006/main">
   <p:cSld>
     <p:bg>
       <p:bgRef idx="1001">
@@ -8911,6 +8989,8 @@
         <a:xfrm>
           <a:off x="0" y="0"/>
           <a:ext cx="0" cy="0"/>
+          <a:chOff x="0" y="0"/>
+          <a:chExt cx="0" cy="0"/>
         </a:xfrm>
       </p:grpSpPr>
       <p:sp>
@@ -8935,10 +9015,12 @@
           <a:ln w="9525">
             <a:noFill/>
             <a:miter lim="800000"/>
+            <a:headEnd/>
+            <a:tailEnd/>
           </a:ln>
         </p:spPr>
         <p:txBody>
-          <a:bodyPr vert="horz" wrap="square" lIns="91440" tIns="45720" rIns="91440" bIns="45720" anchor="ctr" anchorCtr="0" compatLnSpc="1">
+          <a:bodyPr vert="horz" wrap="square" lIns="91440" tIns="45720" rIns="91440" bIns="45720" numCol="1" anchor="ctr" anchorCtr="0" compatLnSpc="1">
             <a:prstTxWarp prst="textNoShape">
               <a:avLst/>
             </a:prstTxWarp>
@@ -8975,10 +9057,12 @@
           <a:ln w="9525">
             <a:noFill/>
             <a:miter lim="800000"/>
+            <a:headEnd/>
+            <a:tailEnd/>
           </a:ln>
         </p:spPr>
         <p:txBody>
-          <a:bodyPr vert="horz" wrap="square" lIns="91440" tIns="45720" rIns="91440" bIns="45720" anchor="t" anchorCtr="0" compatLnSpc="1">
+          <a:bodyPr vert="horz" wrap="square" lIns="91440" tIns="45720" rIns="91440" bIns="45720" numCol="1" anchor="t" anchorCtr="0" compatLnSpc="1">
             <a:prstTxWarp prst="textNoShape">
               <a:avLst/>
             </a:prstTxWarp>
@@ -9075,7 +9159,7 @@
                 <a:solidFill>
                   <a:schemeClr val="tx1"/>
                 </a:solidFill>
-                <a:latin typeface="Arial"/>
+                <a:latin typeface="Arial" charset="0"/>
                 <a:ea typeface="+mn-ea"/>
                 <a:cs typeface="+mn-cs"/>
               </a:defRPr>
@@ -9091,7 +9175,7 @@
                 <a:solidFill>
                   <a:schemeClr val="tx1"/>
                 </a:solidFill>
-                <a:latin typeface="Arial"/>
+                <a:latin typeface="Arial" charset="0"/>
                 <a:ea typeface="+mn-ea"/>
                 <a:cs typeface="+mn-cs"/>
               </a:defRPr>
@@ -9107,7 +9191,7 @@
                 <a:solidFill>
                   <a:schemeClr val="tx1"/>
                 </a:solidFill>
-                <a:latin typeface="Arial"/>
+                <a:latin typeface="Arial" charset="0"/>
                 <a:ea typeface="+mn-ea"/>
                 <a:cs typeface="+mn-cs"/>
               </a:defRPr>
@@ -9123,7 +9207,7 @@
                 <a:solidFill>
                   <a:schemeClr val="tx1"/>
                 </a:solidFill>
-                <a:latin typeface="Arial"/>
+                <a:latin typeface="Arial" charset="0"/>
                 <a:ea typeface="+mn-ea"/>
                 <a:cs typeface="+mn-cs"/>
               </a:defRPr>
@@ -9133,7 +9217,7 @@
                 <a:solidFill>
                   <a:schemeClr val="tx1"/>
                 </a:solidFill>
-                <a:latin typeface="Arial"/>
+                <a:latin typeface="Arial" charset="0"/>
                 <a:ea typeface="+mn-ea"/>
                 <a:cs typeface="+mn-cs"/>
               </a:defRPr>
@@ -9143,7 +9227,7 @@
                 <a:solidFill>
                   <a:schemeClr val="tx1"/>
                 </a:solidFill>
-                <a:latin typeface="Arial"/>
+                <a:latin typeface="Arial" charset="0"/>
                 <a:ea typeface="+mn-ea"/>
                 <a:cs typeface="+mn-cs"/>
               </a:defRPr>
@@ -9153,7 +9237,7 @@
                 <a:solidFill>
                   <a:schemeClr val="tx1"/>
                 </a:solidFill>
-                <a:latin typeface="Arial"/>
+                <a:latin typeface="Arial" charset="0"/>
                 <a:ea typeface="+mn-ea"/>
                 <a:cs typeface="+mn-cs"/>
               </a:defRPr>
@@ -9163,13 +9247,14 @@
             <a:pPr>
               <a:defRPr/>
             </a:pPr>
-            <a:fld id="{DC18262E-1694-41D6-9547-566BA78EB582}" type="datetimeFigureOut">
+            <a:fld id="{4BE1331C-E26C-44BA-BC18-3D1D46BE3766}" type="datetimeFigureOut">
               <a:rPr lang="en-US"/>
               <a:pPr>
                 <a:defRPr/>
               </a:pPr>
-              <a:t>7/3/2015</a:t>
+              <a:t>10/12/2015</a:t>
             </a:fld>
+            <a:endParaRPr lang="en-US"/>
           </a:p>
         </p:txBody>
       </p:sp>
@@ -9227,7 +9312,7 @@
                 <a:solidFill>
                   <a:schemeClr val="tx1"/>
                 </a:solidFill>
-                <a:latin typeface="Arial"/>
+                <a:latin typeface="Arial" charset="0"/>
                 <a:ea typeface="+mn-ea"/>
                 <a:cs typeface="+mn-cs"/>
               </a:defRPr>
@@ -9243,7 +9328,7 @@
                 <a:solidFill>
                   <a:schemeClr val="tx1"/>
                 </a:solidFill>
-                <a:latin typeface="Arial"/>
+                <a:latin typeface="Arial" charset="0"/>
                 <a:ea typeface="+mn-ea"/>
                 <a:cs typeface="+mn-cs"/>
               </a:defRPr>
@@ -9259,7 +9344,7 @@
                 <a:solidFill>
                   <a:schemeClr val="tx1"/>
                 </a:solidFill>
-                <a:latin typeface="Arial"/>
+                <a:latin typeface="Arial" charset="0"/>
                 <a:ea typeface="+mn-ea"/>
                 <a:cs typeface="+mn-cs"/>
               </a:defRPr>
@@ -9275,7 +9360,7 @@
                 <a:solidFill>
                   <a:schemeClr val="tx1"/>
                 </a:solidFill>
-                <a:latin typeface="Arial"/>
+                <a:latin typeface="Arial" charset="0"/>
                 <a:ea typeface="+mn-ea"/>
                 <a:cs typeface="+mn-cs"/>
               </a:defRPr>
@@ -9285,7 +9370,7 @@
                 <a:solidFill>
                   <a:schemeClr val="tx1"/>
                 </a:solidFill>
-                <a:latin typeface="Arial"/>
+                <a:latin typeface="Arial" charset="0"/>
                 <a:ea typeface="+mn-ea"/>
                 <a:cs typeface="+mn-cs"/>
               </a:defRPr>
@@ -9295,7 +9380,7 @@
                 <a:solidFill>
                   <a:schemeClr val="tx1"/>
                 </a:solidFill>
-                <a:latin typeface="Arial"/>
+                <a:latin typeface="Arial" charset="0"/>
                 <a:ea typeface="+mn-ea"/>
                 <a:cs typeface="+mn-cs"/>
               </a:defRPr>
@@ -9305,7 +9390,7 @@
                 <a:solidFill>
                   <a:schemeClr val="tx1"/>
                 </a:solidFill>
-                <a:latin typeface="Arial"/>
+                <a:latin typeface="Arial" charset="0"/>
                 <a:ea typeface="+mn-ea"/>
                 <a:cs typeface="+mn-cs"/>
               </a:defRPr>
@@ -9373,7 +9458,7 @@
                 <a:solidFill>
                   <a:schemeClr val="tx1"/>
                 </a:solidFill>
-                <a:latin typeface="Arial"/>
+                <a:latin typeface="Arial" charset="0"/>
                 <a:ea typeface="+mn-ea"/>
                 <a:cs typeface="+mn-cs"/>
               </a:defRPr>
@@ -9389,7 +9474,7 @@
                 <a:solidFill>
                   <a:schemeClr val="tx1"/>
                 </a:solidFill>
-                <a:latin typeface="Arial"/>
+                <a:latin typeface="Arial" charset="0"/>
                 <a:ea typeface="+mn-ea"/>
                 <a:cs typeface="+mn-cs"/>
               </a:defRPr>
@@ -9405,7 +9490,7 @@
                 <a:solidFill>
                   <a:schemeClr val="tx1"/>
                 </a:solidFill>
-                <a:latin typeface="Arial"/>
+                <a:latin typeface="Arial" charset="0"/>
                 <a:ea typeface="+mn-ea"/>
                 <a:cs typeface="+mn-cs"/>
               </a:defRPr>
@@ -9421,7 +9506,7 @@
                 <a:solidFill>
                   <a:schemeClr val="tx1"/>
                 </a:solidFill>
-                <a:latin typeface="Arial"/>
+                <a:latin typeface="Arial" charset="0"/>
                 <a:ea typeface="+mn-ea"/>
                 <a:cs typeface="+mn-cs"/>
               </a:defRPr>
@@ -9431,7 +9516,7 @@
                 <a:solidFill>
                   <a:schemeClr val="tx1"/>
                 </a:solidFill>
-                <a:latin typeface="Arial"/>
+                <a:latin typeface="Arial" charset="0"/>
                 <a:ea typeface="+mn-ea"/>
                 <a:cs typeface="+mn-cs"/>
               </a:defRPr>
@@ -9441,7 +9526,7 @@
                 <a:solidFill>
                   <a:schemeClr val="tx1"/>
                 </a:solidFill>
-                <a:latin typeface="Arial"/>
+                <a:latin typeface="Arial" charset="0"/>
                 <a:ea typeface="+mn-ea"/>
                 <a:cs typeface="+mn-cs"/>
               </a:defRPr>
@@ -9451,7 +9536,7 @@
                 <a:solidFill>
                   <a:schemeClr val="tx1"/>
                 </a:solidFill>
-                <a:latin typeface="Arial"/>
+                <a:latin typeface="Arial" charset="0"/>
                 <a:ea typeface="+mn-ea"/>
                 <a:cs typeface="+mn-cs"/>
               </a:defRPr>
@@ -9461,13 +9546,14 @@
             <a:pPr>
               <a:defRPr/>
             </a:pPr>
-            <a:fld id="{0C65B993-758C-4CA8-986F-3253BF4CF7D8}" type="slidenum">
+            <a:fld id="{55E18B07-0096-4B9F-9A75-3B618C5AC531}" type="slidenum">
               <a:rPr lang="en-US"/>
               <a:pPr>
                 <a:defRPr/>
               </a:pPr>
               <a:t>‹#›</a:t>
             </a:fld>
+            <a:endParaRPr lang="en-US"/>
           </a:p>
         </p:txBody>
       </p:sp>
@@ -9487,8 +9573,13 @@
     <p:sldLayoutId id="2147483685" r:id="rId10"/>
     <p:sldLayoutId id="2147483684" r:id="rId11"/>
   </p:sldLayoutIdLst>
-  <p:transition/>
-  <p:timing/>
+  <p:timing>
+    <p:tnLst>
+      <p:par>
+        <p:cTn id="1" dur="indefinite" restart="never" nodeType="tmRoot"/>
+      </p:par>
+    </p:tnLst>
+  </p:timing>
   <p:txStyles>
     <p:titleStyle>
       <a:lvl1pPr algn="ctr" rtl="0" eaLnBrk="0" fontAlgn="base" hangingPunct="0">
@@ -9872,7 +9963,7 @@
 </file>
 
 <file path=ppt/slideMasters/slideMaster3.xml><?xml version="1.0" encoding="utf-8"?>
-<p:sldMaster xmlns:a="http://schemas.openxmlformats.org/drawingml/2006/main" xmlns:r="http://schemas.openxmlformats.org/officeDocument/2006/relationships" xmlns:p14="http://schemas.microsoft.com/office/powerpoint/2010/main" xmlns:p15="http://schemas.microsoft.com/office/powerpoint/2012/main" xmlns:p="http://schemas.openxmlformats.org/presentationml/2006/main">
+<p:sldMaster xmlns:a="http://schemas.openxmlformats.org/drawingml/2006/main" xmlns:r="http://schemas.openxmlformats.org/officeDocument/2006/relationships" xmlns:p="http://schemas.openxmlformats.org/presentationml/2006/main">
   <p:cSld>
     <p:bg>
       <p:bgRef idx="1001">
@@ -9889,6 +9980,8 @@
         <a:xfrm>
           <a:off x="0" y="0"/>
           <a:ext cx="0" cy="0"/>
+          <a:chOff x="0" y="0"/>
+          <a:chExt cx="0" cy="0"/>
         </a:xfrm>
       </p:grpSpPr>
       <p:sp>
@@ -9913,10 +10006,12 @@
           <a:ln w="9525">
             <a:noFill/>
             <a:miter lim="800000"/>
+            <a:headEnd/>
+            <a:tailEnd/>
           </a:ln>
         </p:spPr>
         <p:txBody>
-          <a:bodyPr vert="horz" wrap="square" lIns="91440" tIns="45720" rIns="91440" bIns="45720" anchor="ctr" anchorCtr="0" compatLnSpc="1">
+          <a:bodyPr vert="horz" wrap="square" lIns="91440" tIns="45720" rIns="91440" bIns="45720" numCol="1" anchor="ctr" anchorCtr="0" compatLnSpc="1">
             <a:prstTxWarp prst="textNoShape">
               <a:avLst/>
             </a:prstTxWarp>
@@ -9953,10 +10048,12 @@
           <a:ln w="9525">
             <a:noFill/>
             <a:miter lim="800000"/>
+            <a:headEnd/>
+            <a:tailEnd/>
           </a:ln>
         </p:spPr>
         <p:txBody>
-          <a:bodyPr vert="horz" wrap="square" lIns="91440" tIns="45720" rIns="91440" bIns="45720" anchor="t" anchorCtr="0" compatLnSpc="1">
+          <a:bodyPr vert="horz" wrap="square" lIns="91440" tIns="45720" rIns="91440" bIns="45720" numCol="1" anchor="t" anchorCtr="0" compatLnSpc="1">
             <a:prstTxWarp prst="textNoShape">
               <a:avLst/>
             </a:prstTxWarp>
@@ -10026,12 +10123,12 @@
             </a:defPPr>
             <a:lvl1pPr marL="0" algn="l" defTabSz="914400" rtl="0" eaLnBrk="1" fontAlgn="auto" latinLnBrk="0" hangingPunct="1">
               <a:spcBef>
-                <a:spcPct val="0"/>
+                <a:spcPts val="0"/>
               </a:spcBef>
               <a:spcAft>
-                <a:spcPct val="0"/>
+                <a:spcPts val="0"/>
               </a:spcAft>
-              <a:defRPr sz="1200" kern="1200" smtClean="0">
+              <a:defRPr sz="1200" kern="1200">
                 <a:solidFill>
                   <a:schemeClr val="tx1">
                     <a:tint val="75000"/>
@@ -10117,13 +10214,14 @@
             <a:pPr>
               <a:defRPr/>
             </a:pPr>
-            <a:fld id="{7928A4D9-921A-4C56-8E3E-BEF467BCA559}" type="datetimeFigureOut">
+            <a:fld id="{1C66630D-81C7-4FED-98F3-5D84E4467C9A}" type="datetimeFigureOut">
               <a:rPr lang="en-US"/>
               <a:pPr>
                 <a:defRPr/>
               </a:pPr>
-              <a:t>7/3/2015</a:t>
+              <a:t>10/12/2015</a:t>
             </a:fld>
+            <a:endParaRPr lang="en-US"/>
           </a:p>
         </p:txBody>
       </p:sp>
@@ -10154,10 +10252,10 @@
             </a:defPPr>
             <a:lvl1pPr marL="0" algn="ctr" defTabSz="914400" rtl="0" eaLnBrk="1" fontAlgn="auto" latinLnBrk="0" hangingPunct="1">
               <a:spcBef>
-                <a:spcPct val="0"/>
+                <a:spcPts val="0"/>
               </a:spcBef>
               <a:spcAft>
-                <a:spcPct val="0"/>
+                <a:spcPts val="0"/>
               </a:spcAft>
               <a:defRPr sz="1200" kern="1200">
                 <a:solidFill>
@@ -10276,12 +10374,12 @@
             </a:defPPr>
             <a:lvl1pPr marL="0" algn="r" defTabSz="914400" rtl="0" eaLnBrk="1" fontAlgn="auto" latinLnBrk="0" hangingPunct="1">
               <a:spcBef>
-                <a:spcPct val="0"/>
+                <a:spcPts val="0"/>
               </a:spcBef>
               <a:spcAft>
-                <a:spcPct val="0"/>
+                <a:spcPts val="0"/>
               </a:spcAft>
-              <a:defRPr sz="1200" kern="1200" smtClean="0">
+              <a:defRPr sz="1200" kern="1200">
                 <a:solidFill>
                   <a:schemeClr val="tx1">
                     <a:tint val="75000"/>
@@ -10367,13 +10465,14 @@
             <a:pPr>
               <a:defRPr/>
             </a:pPr>
-            <a:fld id="{BF87B64C-4E9B-4A93-9B1C-EA5C1DA01C5B}" type="slidenum">
+            <a:fld id="{E515811C-9291-438D-8488-8D47FF473B4D}" type="slidenum">
               <a:rPr lang="en-US"/>
               <a:pPr>
                 <a:defRPr/>
               </a:pPr>
               <a:t>‹#›</a:t>
             </a:fld>
+            <a:endParaRPr lang="en-US"/>
           </a:p>
         </p:txBody>
       </p:sp>
@@ -10393,11 +10492,16 @@
     <p:sldLayoutId id="2147483696" r:id="rId10"/>
     <p:sldLayoutId id="2147483695" r:id="rId11"/>
   </p:sldLayoutIdLst>
-  <p:transition/>
-  <p:timing/>
+  <p:timing>
+    <p:tnLst>
+      <p:par>
+        <p:cTn id="1" dur="indefinite" restart="never" nodeType="tmRoot"/>
+      </p:par>
+    </p:tnLst>
+  </p:timing>
   <p:txStyles>
     <p:titleStyle>
-      <a:lvl1pPr algn="ctr" rtl="0" fontAlgn="base">
+      <a:lvl1pPr algn="ctr" rtl="0" eaLnBrk="0" fontAlgn="base" hangingPunct="0">
         <a:spcBef>
           <a:spcPct val="0"/>
         </a:spcBef>
@@ -10413,7 +10517,7 @@
           <a:cs typeface="+mj-cs"/>
         </a:defRPr>
       </a:lvl1pPr>
-      <a:lvl2pPr algn="ctr" rtl="0" fontAlgn="base">
+      <a:lvl2pPr algn="ctr" rtl="0" eaLnBrk="0" fontAlgn="base" hangingPunct="0">
         <a:spcBef>
           <a:spcPct val="0"/>
         </a:spcBef>
@@ -10427,7 +10531,7 @@
           <a:latin typeface="Calibri" pitchFamily="34" charset="0"/>
         </a:defRPr>
       </a:lvl2pPr>
-      <a:lvl3pPr algn="ctr" rtl="0" fontAlgn="base">
+      <a:lvl3pPr algn="ctr" rtl="0" eaLnBrk="0" fontAlgn="base" hangingPunct="0">
         <a:spcBef>
           <a:spcPct val="0"/>
         </a:spcBef>
@@ -10441,7 +10545,7 @@
           <a:latin typeface="Calibri" pitchFamily="34" charset="0"/>
         </a:defRPr>
       </a:lvl3pPr>
-      <a:lvl4pPr algn="ctr" rtl="0" fontAlgn="base">
+      <a:lvl4pPr algn="ctr" rtl="0" eaLnBrk="0" fontAlgn="base" hangingPunct="0">
         <a:spcBef>
           <a:spcPct val="0"/>
         </a:spcBef>
@@ -10455,7 +10559,7 @@
           <a:latin typeface="Calibri" pitchFamily="34" charset="0"/>
         </a:defRPr>
       </a:lvl4pPr>
-      <a:lvl5pPr algn="ctr" rtl="0" fontAlgn="base">
+      <a:lvl5pPr algn="ctr" rtl="0" eaLnBrk="0" fontAlgn="base" hangingPunct="0">
         <a:spcBef>
           <a:spcPct val="0"/>
         </a:spcBef>
@@ -10527,7 +10631,7 @@
       </a:lvl9pPr>
     </p:titleStyle>
     <p:bodyStyle>
-      <a:lvl1pPr marL="342900" indent="-342900" algn="l" rtl="0" fontAlgn="base">
+      <a:lvl1pPr marL="342900" indent="-342900" algn="l" rtl="0" eaLnBrk="0" fontAlgn="base" hangingPunct="0">
         <a:spcBef>
           <a:spcPct val="20000"/>
         </a:spcBef>
@@ -10545,7 +10649,7 @@
           <a:cs typeface="+mn-cs"/>
         </a:defRPr>
       </a:lvl1pPr>
-      <a:lvl2pPr marL="742950" indent="-285750" algn="l" rtl="0" fontAlgn="base">
+      <a:lvl2pPr marL="742950" indent="-285750" algn="l" rtl="0" eaLnBrk="0" fontAlgn="base" hangingPunct="0">
         <a:spcBef>
           <a:spcPct val="20000"/>
         </a:spcBef>
@@ -10563,7 +10667,7 @@
           <a:cs typeface="+mn-cs"/>
         </a:defRPr>
       </a:lvl2pPr>
-      <a:lvl3pPr marL="1143000" indent="-228600" algn="l" rtl="0" fontAlgn="base">
+      <a:lvl3pPr marL="1143000" indent="-228600" algn="l" rtl="0" eaLnBrk="0" fontAlgn="base" hangingPunct="0">
         <a:spcBef>
           <a:spcPct val="20000"/>
         </a:spcBef>
@@ -10581,7 +10685,7 @@
           <a:cs typeface="+mn-cs"/>
         </a:defRPr>
       </a:lvl3pPr>
-      <a:lvl4pPr marL="1600200" indent="-228600" algn="l" rtl="0" fontAlgn="base">
+      <a:lvl4pPr marL="1600200" indent="-228600" algn="l" rtl="0" eaLnBrk="0" fontAlgn="base" hangingPunct="0">
         <a:spcBef>
           <a:spcPct val="20000"/>
         </a:spcBef>
@@ -10599,7 +10703,7 @@
           <a:cs typeface="+mn-cs"/>
         </a:defRPr>
       </a:lvl4pPr>
-      <a:lvl5pPr marL="2057400" indent="-228600" algn="l" rtl="0" fontAlgn="base">
+      <a:lvl5pPr marL="2057400" indent="-228600" algn="l" rtl="0" eaLnBrk="0" fontAlgn="base" hangingPunct="0">
         <a:spcBef>
           <a:spcPct val="20000"/>
         </a:spcBef>
@@ -10778,7 +10882,7 @@
 </file>
 
 <file path=ppt/slides/slide1.xml><?xml version="1.0" encoding="utf-8"?>
-<p:sld xmlns:a="http://schemas.openxmlformats.org/drawingml/2006/main" xmlns:r="http://schemas.openxmlformats.org/officeDocument/2006/relationships" xmlns:p14="http://schemas.microsoft.com/office/powerpoint/2010/main" xmlns:p15="http://schemas.microsoft.com/office/powerpoint/2012/main" xmlns:p="http://schemas.openxmlformats.org/presentationml/2006/main">
+<p:sld xmlns:a="http://schemas.openxmlformats.org/drawingml/2006/main" xmlns:r="http://schemas.openxmlformats.org/officeDocument/2006/relationships" xmlns:p="http://schemas.openxmlformats.org/presentationml/2006/main">
   <p:cSld>
     <p:spTree>
       <p:nvGrpSpPr>
@@ -10790,6 +10894,8 @@
         <a:xfrm>
           <a:off x="0" y="0"/>
           <a:ext cx="0" cy="0"/>
+          <a:chOff x="0" y="0"/>
+          <a:chExt cx="0" cy="0"/>
         </a:xfrm>
       </p:grpSpPr>
       <p:sp>
@@ -10812,7 +10918,13 @@
           <a:bodyPr/>
           <a:lstStyle/>
           <a:p>
-            <a:r>
+            <a:pPr eaLnBrk="1" hangingPunct="1"/>
+            <a:r>
+              <a:rPr lang="en-US" b="1" smtClean="0">
+                <a:solidFill>
+                  <a:srgbClr val="FF0000"/>
+                </a:solidFill>
+              </a:rPr>
               <a:t>Aspose.Slides for Java</a:t>
             </a:r>
           </a:p>
@@ -10840,9 +10952,9 @@
           </a:bodyPr>
           <a:lstStyle/>
           <a:p>
-            <a:pPr fontAlgn="auto">
+            <a:pPr eaLnBrk="1" fontAlgn="auto" hangingPunct="1">
               <a:spcAft>
-                <a:spcPct val="0"/>
+                <a:spcPts val="0"/>
               </a:spcAft>
               <a:buFont typeface="Arial" pitchFamily="34" charset="0"/>
               <a:buNone/>
@@ -10854,9 +10966,9 @@
             </a:r>
           </a:p>
           <a:p>
-            <a:pPr fontAlgn="auto">
+            <a:pPr eaLnBrk="1" fontAlgn="auto" hangingPunct="1">
               <a:spcAft>
-                <a:spcPct val="0"/>
+                <a:spcPts val="0"/>
               </a:spcAft>
               <a:buFont typeface="Arial" pitchFamily="34" charset="0"/>
               <a:buNone/>
@@ -10876,7 +10988,7 @@
         </p:nvGraphicFramePr>
         <p:xfrm>
           <a:off x="1524000" y="1397000"/>
-          <a:ext cx="6096000" cy="1483360"/>
+          <a:ext cx="6096000" cy="1482725"/>
         </p:xfrm>
         <a:graphic>
           <a:graphicData uri="http://schemas.openxmlformats.org/drawingml/2006/table">
@@ -11074,13 +11186,18 @@
   <p:clrMapOvr>
     <a:masterClrMapping/>
   </p:clrMapOvr>
-  <p:transition/>
-  <p:timing/>
+  <p:timing>
+    <p:tnLst>
+      <p:par>
+        <p:cTn id="1" dur="indefinite" restart="never" nodeType="tmRoot"/>
+      </p:par>
+    </p:tnLst>
+  </p:timing>
 </p:sld>
 </file>
 
 <file path=ppt/slides/slide2.xml><?xml version="1.0" encoding="utf-8"?>
-<p:sld xmlns:a="http://schemas.openxmlformats.org/drawingml/2006/main" xmlns:r="http://schemas.openxmlformats.org/officeDocument/2006/relationships" xmlns:p14="http://schemas.microsoft.com/office/powerpoint/2010/main" xmlns:p15="http://schemas.microsoft.com/office/powerpoint/2012/main" xmlns:p="http://schemas.openxmlformats.org/presentationml/2006/main">
+<p:sld xmlns:a="http://schemas.openxmlformats.org/drawingml/2006/main" xmlns:r="http://schemas.openxmlformats.org/officeDocument/2006/relationships" xmlns:p="http://schemas.openxmlformats.org/presentationml/2006/main">
   <p:cSld>
     <p:spTree>
       <p:nvGrpSpPr>
@@ -11092,6 +11209,8 @@
         <a:xfrm>
           <a:off x="0" y="0"/>
           <a:ext cx="0" cy="0"/>
+          <a:chOff x="0" y="0"/>
+          <a:chExt cx="0" cy="0"/>
         </a:xfrm>
       </p:grpSpPr>
       <p:sp>
@@ -11116,6 +11235,7 @@
           <a:p>
             <a:pPr eaLnBrk="1" hangingPunct="1"/>
             <a:r>
+              <a:rPr lang="en-US" smtClean="0"/>
               <a:t>Aspose Sample 2</a:t>
             </a:r>
           </a:p>
@@ -11146,6 +11266,11 @@
               <a:buNone/>
             </a:pPr>
             <a:r>
+              <a:rPr lang="en-US" smtClean="0">
+                <a:solidFill>
+                  <a:srgbClr val="898989"/>
+                </a:solidFill>
+              </a:rPr>
               <a:t>Aspose.Slides 2</a:t>
             </a:r>
           </a:p>
@@ -11155,6 +11280,11 @@
               <a:buNone/>
             </a:pPr>
             <a:r>
+              <a:rPr lang="en-US" smtClean="0">
+                <a:solidFill>
+                  <a:srgbClr val="898989"/>
+                </a:solidFill>
+              </a:rPr>
               <a:t>Sample text 1</a:t>
             </a:r>
           </a:p>
@@ -11164,8 +11294,24 @@
               <a:buNone/>
             </a:pPr>
             <a:r>
+              <a:rPr lang="en-US" smtClean="0">
+                <a:solidFill>
+                  <a:srgbClr val="898989"/>
+                </a:solidFill>
+              </a:rPr>
               <a:t>Sample text 2</a:t>
             </a:r>
+          </a:p>
+          <a:p>
+            <a:pPr marL="0" indent="0" algn="ctr" eaLnBrk="1" hangingPunct="1">
+              <a:buFont typeface="Arial" charset="0"/>
+              <a:buNone/>
+            </a:pPr>
+            <a:endParaRPr lang="en-US" smtClean="0">
+              <a:solidFill>
+                <a:srgbClr val="898989"/>
+              </a:solidFill>
+            </a:endParaRPr>
           </a:p>
         </p:txBody>
       </p:sp>
@@ -11230,7 +11376,7 @@
                 <a:uLnTx/>
                 <a:uFillTx/>
                 <a:latin typeface="Calibri"/>
-                <a:ea typeface="Arial"/>
+                <a:ea typeface=""/>
                 <a:cs typeface="+mn-cs"/>
                 <a:sym typeface="Wingdings"/>
               </a:defRPr>
@@ -11256,7 +11402,7 @@
                 <a:uLnTx/>
                 <a:uFillTx/>
                 <a:latin typeface="Calibri"/>
-                <a:ea typeface="Arial"/>
+                <a:ea typeface=""/>
                 <a:cs typeface="+mn-cs"/>
                 <a:sym typeface="Wingdings"/>
               </a:defRPr>
@@ -11282,7 +11428,7 @@
                 <a:uLnTx/>
                 <a:uFillTx/>
                 <a:latin typeface="Calibri"/>
-                <a:ea typeface="Arial"/>
+                <a:ea typeface=""/>
                 <a:cs typeface="+mn-cs"/>
                 <a:sym typeface="Wingdings"/>
               </a:defRPr>
@@ -11308,7 +11454,7 @@
                 <a:uLnTx/>
                 <a:uFillTx/>
                 <a:latin typeface="Calibri"/>
-                <a:ea typeface="Arial"/>
+                <a:ea typeface=""/>
                 <a:cs typeface="+mn-cs"/>
                 <a:sym typeface="Wingdings"/>
               </a:defRPr>
@@ -11334,7 +11480,7 @@
                 <a:uLnTx/>
                 <a:uFillTx/>
                 <a:latin typeface="Calibri"/>
-                <a:ea typeface="Arial"/>
+                <a:ea typeface=""/>
                 <a:cs typeface="+mn-cs"/>
                 <a:sym typeface="Wingdings"/>
               </a:defRPr>
@@ -11360,7 +11506,7 @@
                 <a:uLnTx/>
                 <a:uFillTx/>
                 <a:latin typeface="Calibri"/>
-                <a:ea typeface="Arial"/>
+                <a:ea typeface=""/>
                 <a:cs typeface="+mn-cs"/>
                 <a:sym typeface="Wingdings"/>
               </a:defRPr>
@@ -11386,7 +11532,7 @@
                 <a:uLnTx/>
                 <a:uFillTx/>
                 <a:latin typeface="Calibri"/>
-                <a:ea typeface="Arial"/>
+                <a:ea typeface=""/>
                 <a:cs typeface="+mn-cs"/>
                 <a:sym typeface="Wingdings"/>
               </a:defRPr>
@@ -11412,7 +11558,7 @@
                 <a:uLnTx/>
                 <a:uFillTx/>
                 <a:latin typeface="Calibri"/>
-                <a:ea typeface="Arial"/>
+                <a:ea typeface=""/>
                 <a:cs typeface="+mn-cs"/>
                 <a:sym typeface="Wingdings"/>
               </a:defRPr>
@@ -11438,7 +11584,7 @@
                 <a:uLnTx/>
                 <a:uFillTx/>
                 <a:latin typeface="Calibri"/>
-                <a:ea typeface="Arial"/>
+                <a:ea typeface=""/>
                 <a:cs typeface="+mn-cs"/>
                 <a:sym typeface="Wingdings"/>
               </a:defRPr>
@@ -11499,13 +11645,18 @@
   <p:clrMapOvr>
     <a:masterClrMapping/>
   </p:clrMapOvr>
-  <p:transition/>
-  <p:timing/>
+  <p:timing>
+    <p:tnLst>
+      <p:par>
+        <p:cTn id="1" dur="indefinite" restart="never" nodeType="tmRoot"/>
+      </p:par>
+    </p:tnLst>
+  </p:timing>
 </p:sld>
 </file>
 
 <file path=ppt/slides/slide3.xml><?xml version="1.0" encoding="utf-8"?>
-<p:sld xmlns:a="http://schemas.openxmlformats.org/drawingml/2006/main" xmlns:r="http://schemas.openxmlformats.org/officeDocument/2006/relationships" xmlns:p14="http://schemas.microsoft.com/office/powerpoint/2010/main" xmlns:p15="http://schemas.microsoft.com/office/powerpoint/2012/main" xmlns:p="http://schemas.openxmlformats.org/presentationml/2006/main">
+<p:sld xmlns:a="http://schemas.openxmlformats.org/drawingml/2006/main" xmlns:r="http://schemas.openxmlformats.org/officeDocument/2006/relationships" xmlns:p="http://schemas.openxmlformats.org/presentationml/2006/main">
   <p:cSld>
     <p:spTree>
       <p:nvGrpSpPr>
@@ -11517,6 +11668,8 @@
         <a:xfrm>
           <a:off x="0" y="0"/>
           <a:ext cx="0" cy="0"/>
+          <a:chOff x="0" y="0"/>
+          <a:chExt cx="0" cy="0"/>
         </a:xfrm>
       </p:grpSpPr>
       <p:sp>
@@ -11534,7 +11687,9 @@
           <a:bodyPr/>
           <a:lstStyle/>
           <a:p>
-            <a:r>
+            <a:pPr eaLnBrk="1" hangingPunct="1"/>
+            <a:r>
+              <a:rPr lang="en-US" smtClean="0"/>
               <a:t>Aspose.Slides for Java</a:t>
             </a:r>
           </a:p>
@@ -11555,6 +11710,7 @@
           <a:bodyPr/>
           <a:lstStyle/>
           <a:p>
+            <a:pPr eaLnBrk="1" hangingPunct="1"/>
             <a:r>
               <a:rPr lang="en-US" b="1" smtClean="0">
                 <a:solidFill>
@@ -11576,6 +11732,7 @@
         </p:nvPicPr>
         <p:blipFill>
           <a:blip r:embed="rId2"/>
+          <a:srcRect/>
           <a:stretch>
             <a:fillRect/>
           </a:stretch>
@@ -11592,6 +11749,8 @@
           <a:ln w="9525">
             <a:noFill/>
             <a:miter lim="800000"/>
+            <a:headEnd/>
+            <a:tailEnd/>
           </a:ln>
         </p:spPr>
       </p:pic>
@@ -11600,23 +11759,28 @@
   <p:clrMapOvr>
     <a:masterClrMapping/>
   </p:clrMapOvr>
-  <p:transition/>
-  <p:timing/>
+  <p:timing>
+    <p:tnLst>
+      <p:par>
+        <p:cTn id="1" dur="indefinite" restart="never" nodeType="tmRoot"/>
+      </p:par>
+    </p:tnLst>
+  </p:timing>
 </p:sld>
 </file>
 
 <file path=ppt/tags/tag1.xml><?xml version="1.0" encoding="utf-8"?>
-<p:tagLst xmlns:p="http://schemas.openxmlformats.org/presentationml/2006/main">
-  <p:tag name="AS_NET" val="4.0.30319.34209"/>
+<p:tagLst xmlns:a="http://schemas.openxmlformats.org/drawingml/2006/main" xmlns:r="http://schemas.openxmlformats.org/officeDocument/2006/relationships" xmlns:p="http://schemas.openxmlformats.org/presentationml/2006/main">
+  <p:tag name="AS_NET" val="4.0.30319.18408"/>
   <p:tag name="AS_OS" val="Microsoft Windows NT 6.2.9200.0"/>
-  <p:tag name="AS_RELEASE_DATE" val="2015.08.28"/>
-  <p:tag name="AS_TITLE" val="Aspose.Slides for .NET 4.0"/>
-  <p:tag name="AS_VERSION" val="15.7.0.0"/>
+  <p:tag name="AS_RELEASE_DATE" val="2014.05.30"/>
+  <p:tag name="AS_TITLE" val="Aspose.Slides for .NET 2.0"/>
+  <p:tag name="AS_VERSION" val="8.4.2.0"/>
 </p:tagLst>
 </file>
 
 <file path=ppt/theme/theme1.xml><?xml version="1.0" encoding="utf-8"?>
-<a:theme xmlns:r="http://schemas.openxmlformats.org/officeDocument/2006/relationships" xmlns:a="http://schemas.openxmlformats.org/drawingml/2006/main" name="Office Theme">
+<a:theme xmlns:a="http://schemas.openxmlformats.org/drawingml/2006/main" name="Office Theme">
   <a:themeElements>
     <a:clrScheme name="Office">
       <a:dk1>
@@ -11659,8 +11823,8 @@
     <a:fontScheme name="Office">
       <a:majorFont>
         <a:latin typeface="Calibri"/>
-        <a:ea typeface="Arial"/>
-        <a:cs typeface="Arial"/>
+        <a:ea typeface=""/>
+        <a:cs typeface=""/>
         <a:font script="Uigh" typeface="Microsoft Uighur"/>
         <a:font script="Beng" typeface="Vrinda"/>
         <a:font script="Thai" typeface="Angsana New"/>
@@ -11693,8 +11857,8 @@
       </a:majorFont>
       <a:minorFont>
         <a:latin typeface="Calibri"/>
-        <a:ea typeface="Arial"/>
-        <a:cs typeface="Arial"/>
+        <a:ea typeface=""/>
+        <a:cs typeface=""/>
         <a:font script="Uigh" typeface="Microsoft Uighur"/>
         <a:font script="Beng" typeface="Vrinda"/>
         <a:font script="Thai" typeface="Cordia New"/>
@@ -11869,9 +12033,7 @@
               </a:schemeClr>
             </a:gs>
           </a:gsLst>
-          <a:path path="circle">
-            <a:fillToRect/>
-          </a:path>
+          <a:path path="circle"/>
           <a:tileRect/>
         </a:gradFill>
         <a:gradFill rotWithShape="1">
@@ -11898,11 +12060,12 @@
     </a:fmtScheme>
   </a:themeElements>
   <a:objectDefaults/>
+  <a:extraClrSchemeLst/>
 </a:theme>
 </file>
 
 <file path=ppt/theme/theme2.xml><?xml version="1.0" encoding="utf-8"?>
-<a:theme xmlns:r="http://schemas.openxmlformats.org/officeDocument/2006/relationships" xmlns:a="http://schemas.openxmlformats.org/drawingml/2006/main" name="Office Theme">
+<a:theme xmlns:a="http://schemas.openxmlformats.org/drawingml/2006/main" name="Office Theme">
   <a:themeElements>
     <a:clrScheme name="Office">
       <a:dk1>
@@ -11945,8 +12108,8 @@
     <a:fontScheme name="Office">
       <a:majorFont>
         <a:latin typeface="Calibri"/>
-        <a:ea typeface="Arial"/>
-        <a:cs typeface="Arial"/>
+        <a:ea typeface=""/>
+        <a:cs typeface=""/>
         <a:font script="Uigh" typeface="Microsoft Uighur"/>
         <a:font script="Beng" typeface="Vrinda"/>
         <a:font script="Thai" typeface="Angsana New"/>
@@ -11980,8 +12143,8 @@
       </a:majorFont>
       <a:minorFont>
         <a:latin typeface="Calibri"/>
-        <a:ea typeface="Arial"/>
-        <a:cs typeface="Arial"/>
+        <a:ea typeface=""/>
+        <a:cs typeface=""/>
         <a:font script="Uigh" typeface="Microsoft Uighur"/>
         <a:font script="Beng" typeface="Vrinda"/>
         <a:font script="Thai" typeface="Cordia New"/>
@@ -12157,9 +12320,7 @@
               </a:schemeClr>
             </a:gs>
           </a:gsLst>
-          <a:path path="circle">
-            <a:fillToRect/>
-          </a:path>
+          <a:path path="circle"/>
           <a:tileRect/>
         </a:gradFill>
         <a:gradFill rotWithShape="1">
@@ -12186,11 +12347,12 @@
     </a:fmtScheme>
   </a:themeElements>
   <a:objectDefaults/>
+  <a:extraClrSchemeLst/>
 </a:theme>
 </file>
 
 <file path=ppt/theme/theme3.xml><?xml version="1.0" encoding="utf-8"?>
-<a:theme xmlns:r="http://schemas.openxmlformats.org/officeDocument/2006/relationships" xmlns:a="http://schemas.openxmlformats.org/drawingml/2006/main" name="Office Theme">
+<a:theme xmlns:a="http://schemas.openxmlformats.org/drawingml/2006/main" name="Office Theme">
   <a:themeElements>
     <a:clrScheme name="Office">
       <a:dk1>
@@ -12233,8 +12395,8 @@
     <a:fontScheme name="Office">
       <a:majorFont>
         <a:latin typeface="Calibri"/>
-        <a:ea typeface="Arial"/>
-        <a:cs typeface="Arial"/>
+        <a:ea typeface=""/>
+        <a:cs typeface=""/>
         <a:font script="Uigh" typeface="Microsoft Uighur"/>
         <a:font script="Beng" typeface="Vrinda"/>
         <a:font script="Thai" typeface="Angsana New"/>
@@ -12267,8 +12429,8 @@
       </a:majorFont>
       <a:minorFont>
         <a:latin typeface="Calibri"/>
-        <a:ea typeface="Arial"/>
-        <a:cs typeface="Arial"/>
+        <a:ea typeface=""/>
+        <a:cs typeface=""/>
         <a:font script="Uigh" typeface="Microsoft Uighur"/>
         <a:font script="Beng" typeface="Vrinda"/>
         <a:font script="Thai" typeface="Cordia New"/>
@@ -12443,9 +12605,7 @@
               </a:schemeClr>
             </a:gs>
           </a:gsLst>
-          <a:path path="circle">
-            <a:fillToRect/>
-          </a:path>
+          <a:path path="circle"/>
           <a:tileRect/>
         </a:gradFill>
         <a:gradFill rotWithShape="1">
@@ -12472,5 +12632,6 @@
     </a:fmtScheme>
   </a:themeElements>
   <a:objectDefaults/>
+  <a:extraClrSchemeLst/>
 </a:theme>
 </file>
--- a/Data/sample-input.pptx
+++ b/Data/sample-input.pptx
@@ -1,15 +1,15 @@
 
 <file path=ppt/presentation.xml><?xml version="1.0" encoding="utf-8"?>
-<p:presentation xmlns:a="http://schemas.openxmlformats.org/drawingml/2006/main" xmlns:r="http://schemas.openxmlformats.org/officeDocument/2006/relationships" xmlns:p="http://schemas.openxmlformats.org/presentationml/2006/main" saveSubsetFonts="1">
+<!--Generated by Aspose.Slides for .NET 16.7.0.0-->
+<p:presentation xmlns:r="http://schemas.openxmlformats.org/officeDocument/2006/relationships" xmlns:a="http://schemas.openxmlformats.org/drawingml/2006/main" xmlns:p="http://schemas.openxmlformats.org/presentationml/2006/main" saveSubsetFonts="1">
   <p:sldMasterIdLst>
-    <p:sldMasterId id="2147483648" r:id="rId1"/>
-    <p:sldMasterId id="2147483660" r:id="rId2"/>
-    <p:sldMasterId id="2147483672" r:id="rId3"/>
+    <p:sldMasterId id="2147483648" r:id="rId2"/>
+    <p:sldMasterId id="2147483660" r:id="rId3"/>
+    <p:sldMasterId id="2147483672" r:id="rId4"/>
   </p:sldMasterIdLst>
   <p:sldIdLst>
-    <p:sldId id="256" r:id="rId4"/>
-    <p:sldId id="257" r:id="rId5"/>
-    <p:sldId id="258" r:id="rId6"/>
+    <p:sldId id="263" r:id="rId5"/>
+    <p:sldId id="265" r:id="rId6"/>
   </p:sldIdLst>
   <p:sldSz cx="9144000" cy="6858000" type="screen4x3"/>
   <p:notesSz cx="6858000" cy="9144000"/>
@@ -31,7 +31,7 @@
         <a:solidFill>
           <a:schemeClr val="tx1"/>
         </a:solidFill>
-        <a:latin typeface="Arial" charset="0"/>
+        <a:latin typeface="Arial"/>
         <a:ea typeface="+mn-ea"/>
         <a:cs typeface="+mn-cs"/>
       </a:defRPr>
@@ -47,7 +47,7 @@
         <a:solidFill>
           <a:schemeClr val="tx1"/>
         </a:solidFill>
-        <a:latin typeface="Arial" charset="0"/>
+        <a:latin typeface="Arial"/>
         <a:ea typeface="+mn-ea"/>
         <a:cs typeface="+mn-cs"/>
       </a:defRPr>
@@ -63,7 +63,7 @@
         <a:solidFill>
           <a:schemeClr val="tx1"/>
         </a:solidFill>
-        <a:latin typeface="Arial" charset="0"/>
+        <a:latin typeface="Arial"/>
         <a:ea typeface="+mn-ea"/>
         <a:cs typeface="+mn-cs"/>
       </a:defRPr>
@@ -79,7 +79,7 @@
         <a:solidFill>
           <a:schemeClr val="tx1"/>
         </a:solidFill>
-        <a:latin typeface="Arial" charset="0"/>
+        <a:latin typeface="Arial"/>
         <a:ea typeface="+mn-ea"/>
         <a:cs typeface="+mn-cs"/>
       </a:defRPr>
@@ -95,7 +95,7 @@
         <a:solidFill>
           <a:schemeClr val="tx1"/>
         </a:solidFill>
-        <a:latin typeface="Arial" charset="0"/>
+        <a:latin typeface="Arial"/>
         <a:ea typeface="+mn-ea"/>
         <a:cs typeface="+mn-cs"/>
       </a:defRPr>
@@ -105,7 +105,7 @@
         <a:solidFill>
           <a:schemeClr val="tx1"/>
         </a:solidFill>
-        <a:latin typeface="Arial" charset="0"/>
+        <a:latin typeface="Arial"/>
         <a:ea typeface="+mn-ea"/>
         <a:cs typeface="+mn-cs"/>
       </a:defRPr>
@@ -115,7 +115,7 @@
         <a:solidFill>
           <a:schemeClr val="tx1"/>
         </a:solidFill>
-        <a:latin typeface="Arial" charset="0"/>
+        <a:latin typeface="Arial"/>
         <a:ea typeface="+mn-ea"/>
         <a:cs typeface="+mn-cs"/>
       </a:defRPr>
@@ -125,7 +125,7 @@
         <a:solidFill>
           <a:schemeClr val="tx1"/>
         </a:solidFill>
-        <a:latin typeface="Arial" charset="0"/>
+        <a:latin typeface="Arial"/>
         <a:ea typeface="+mn-ea"/>
         <a:cs typeface="+mn-cs"/>
       </a:defRPr>
@@ -135,7 +135,7 @@
         <a:solidFill>
           <a:schemeClr val="tx1"/>
         </a:solidFill>
-        <a:latin typeface="Arial" charset="0"/>
+        <a:latin typeface="Arial"/>
         <a:ea typeface="+mn-ea"/>
         <a:cs typeface="+mn-cs"/>
       </a:defRPr>
@@ -145,22 +145,13 @@
 </file>
 
 <file path=ppt/commentAuthors.xml><?xml version="1.0" encoding="utf-8"?>
-<p:cmAuthorLst xmlns:a="http://schemas.openxmlformats.org/drawingml/2006/main" xmlns:r="http://schemas.openxmlformats.org/officeDocument/2006/relationships" xmlns:p="http://schemas.openxmlformats.org/presentationml/2006/main">
-  <p:cmAuthor id="0" name="Farooq Sheikh" initials="FS" lastIdx="1" clrIdx="0"/>
+<p:cmAuthorLst xmlns:p="http://schemas.openxmlformats.org/presentationml/2006/main">
+  <p:cmAuthor id="0" name="Farooq Sheikh" initials="FS" lastIdx="0" clrIdx="0"/>
 </p:cmAuthorLst>
 </file>
 
-<file path=ppt/comments/comment1.xml><?xml version="1.0" encoding="utf-8"?>
-<p:cmLst xmlns:a="http://schemas.openxmlformats.org/drawingml/2006/main" xmlns:r="http://schemas.openxmlformats.org/officeDocument/2006/relationships" xmlns:p="http://schemas.openxmlformats.org/presentationml/2006/main">
-  <p:cm authorId="0" dt="2015-07-03T16:33:23.640" idx="1">
-    <p:pos x="10" y="10"/>
-    <p:text>This is a test comment</p:text>
-  </p:cm>
-</p:cmLst>
-</file>
-
 <file path=ppt/slideLayouts/slideLayout1.xml><?xml version="1.0" encoding="utf-8"?>
-<p:sldLayout xmlns:a="http://schemas.openxmlformats.org/drawingml/2006/main" xmlns:r="http://schemas.openxmlformats.org/officeDocument/2006/relationships" xmlns:p="http://schemas.openxmlformats.org/presentationml/2006/main" type="title" preserve="1">
+<p:sldLayout xmlns:a="http://schemas.openxmlformats.org/drawingml/2006/main" xmlns:r="http://schemas.openxmlformats.org/officeDocument/2006/relationships" xmlns:p14="http://schemas.microsoft.com/office/powerpoint/2010/main" xmlns:p15="http://schemas.microsoft.com/office/powerpoint/2012/main" xmlns:p="http://schemas.openxmlformats.org/presentationml/2006/main" type="title" preserve="1">
   <p:cSld name="Title Slide">
     <p:spTree>
       <p:nvGrpSpPr>
@@ -172,8 +163,6 @@
         <a:xfrm>
           <a:off x="0" y="0"/>
           <a:ext cx="0" cy="0"/>
-          <a:chOff x="0" y="0"/>
-          <a:chExt cx="0" cy="0"/>
         </a:xfrm>
       </p:grpSpPr>
       <p:sp>
@@ -352,7 +341,6 @@
               </a:pPr>
               <a:t>10/12/2015</a:t>
             </a:fld>
-            <a:endParaRPr lang="en-US"/>
           </a:p>
         </p:txBody>
       </p:sp>
@@ -411,7 +399,6 @@
               </a:pPr>
               <a:t>‹#›</a:t>
             </a:fld>
-            <a:endParaRPr lang="en-US"/>
           </a:p>
         </p:txBody>
       </p:sp>
@@ -420,11 +407,13 @@
   <p:clrMapOvr>
     <a:masterClrMapping/>
   </p:clrMapOvr>
+  <p:transition/>
+  <p:timing/>
 </p:sldLayout>
 </file>
 
 <file path=ppt/slideLayouts/slideLayout10.xml><?xml version="1.0" encoding="utf-8"?>
-<p:sldLayout xmlns:a="http://schemas.openxmlformats.org/drawingml/2006/main" xmlns:r="http://schemas.openxmlformats.org/officeDocument/2006/relationships" xmlns:p="http://schemas.openxmlformats.org/presentationml/2006/main" type="vertTx" preserve="1">
+<p:sldLayout xmlns:a="http://schemas.openxmlformats.org/drawingml/2006/main" xmlns:r="http://schemas.openxmlformats.org/officeDocument/2006/relationships" xmlns:p14="http://schemas.microsoft.com/office/powerpoint/2010/main" xmlns:p15="http://schemas.microsoft.com/office/powerpoint/2012/main" xmlns:p="http://schemas.openxmlformats.org/presentationml/2006/main" type="vertTx" preserve="1">
   <p:cSld name="Title and Vertical Text">
     <p:spTree>
       <p:nvGrpSpPr>
@@ -436,8 +425,6 @@
         <a:xfrm>
           <a:off x="0" y="0"/>
           <a:ext cx="0" cy="0"/>
-          <a:chOff x="0" y="0"/>
-          <a:chExt cx="0" cy="0"/>
         </a:xfrm>
       </p:grpSpPr>
       <p:sp>
@@ -544,7 +531,6 @@
               </a:pPr>
               <a:t>10/12/2015</a:t>
             </a:fld>
-            <a:endParaRPr lang="en-US"/>
           </a:p>
         </p:txBody>
       </p:sp>
@@ -603,7 +589,6 @@
               </a:pPr>
               <a:t>‹#›</a:t>
             </a:fld>
-            <a:endParaRPr lang="en-US"/>
           </a:p>
         </p:txBody>
       </p:sp>
@@ -612,11 +597,13 @@
   <p:clrMapOvr>
     <a:masterClrMapping/>
   </p:clrMapOvr>
+  <p:transition/>
+  <p:timing/>
 </p:sldLayout>
 </file>
 
 <file path=ppt/slideLayouts/slideLayout11.xml><?xml version="1.0" encoding="utf-8"?>
-<p:sldLayout xmlns:a="http://schemas.openxmlformats.org/drawingml/2006/main" xmlns:r="http://schemas.openxmlformats.org/officeDocument/2006/relationships" xmlns:p="http://schemas.openxmlformats.org/presentationml/2006/main" type="vertTitleAndTx" preserve="1">
+<p:sldLayout xmlns:a="http://schemas.openxmlformats.org/drawingml/2006/main" xmlns:r="http://schemas.openxmlformats.org/officeDocument/2006/relationships" xmlns:p14="http://schemas.microsoft.com/office/powerpoint/2010/main" xmlns:p15="http://schemas.microsoft.com/office/powerpoint/2012/main" xmlns:p="http://schemas.openxmlformats.org/presentationml/2006/main" type="vertTitleAndTx" preserve="1">
   <p:cSld name="Vertical Title and Text">
     <p:spTree>
       <p:nvGrpSpPr>
@@ -628,8 +615,6 @@
         <a:xfrm>
           <a:off x="0" y="0"/>
           <a:ext cx="0" cy="0"/>
-          <a:chOff x="0" y="0"/>
-          <a:chExt cx="0" cy="0"/>
         </a:xfrm>
       </p:grpSpPr>
       <p:sp>
@@ -746,7 +731,6 @@
               </a:pPr>
               <a:t>10/12/2015</a:t>
             </a:fld>
-            <a:endParaRPr lang="en-US"/>
           </a:p>
         </p:txBody>
       </p:sp>
@@ -805,7 +789,6 @@
               </a:pPr>
               <a:t>‹#›</a:t>
             </a:fld>
-            <a:endParaRPr lang="en-US"/>
           </a:p>
         </p:txBody>
       </p:sp>
@@ -814,11 +797,13 @@
   <p:clrMapOvr>
     <a:masterClrMapping/>
   </p:clrMapOvr>
+  <p:transition/>
+  <p:timing/>
 </p:sldLayout>
 </file>
 
 <file path=ppt/slideLayouts/slideLayout12.xml><?xml version="1.0" encoding="utf-8"?>
-<p:sldLayout xmlns:a="http://schemas.openxmlformats.org/drawingml/2006/main" xmlns:r="http://schemas.openxmlformats.org/officeDocument/2006/relationships" xmlns:p="http://schemas.openxmlformats.org/presentationml/2006/main" type="title" preserve="1">
+<p:sldLayout xmlns:a="http://schemas.openxmlformats.org/drawingml/2006/main" xmlns:r="http://schemas.openxmlformats.org/officeDocument/2006/relationships" xmlns:p14="http://schemas.microsoft.com/office/powerpoint/2010/main" xmlns:p15="http://schemas.microsoft.com/office/powerpoint/2012/main" xmlns:p="http://schemas.openxmlformats.org/presentationml/2006/main" type="title" preserve="1">
   <p:cSld name="Title Slide">
     <p:spTree>
       <p:nvGrpSpPr>
@@ -830,8 +815,6 @@
         <a:xfrm>
           <a:off x="0" y="0"/>
           <a:ext cx="0" cy="0"/>
-          <a:chOff x="0" y="0"/>
-          <a:chExt cx="0" cy="0"/>
         </a:xfrm>
       </p:grpSpPr>
       <p:sp>
@@ -1010,7 +993,6 @@
               </a:pPr>
               <a:t>10/12/2015</a:t>
             </a:fld>
-            <a:endParaRPr lang="en-US"/>
           </a:p>
         </p:txBody>
       </p:sp>
@@ -1069,7 +1051,6 @@
               </a:pPr>
               <a:t>‹#›</a:t>
             </a:fld>
-            <a:endParaRPr lang="en-US"/>
           </a:p>
         </p:txBody>
       </p:sp>
@@ -1078,11 +1059,13 @@
   <p:clrMapOvr>
     <a:masterClrMapping/>
   </p:clrMapOvr>
+  <p:transition/>
+  <p:timing/>
 </p:sldLayout>
 </file>
 
 <file path=ppt/slideLayouts/slideLayout13.xml><?xml version="1.0" encoding="utf-8"?>
-<p:sldLayout xmlns:a="http://schemas.openxmlformats.org/drawingml/2006/main" xmlns:r="http://schemas.openxmlformats.org/officeDocument/2006/relationships" xmlns:p="http://schemas.openxmlformats.org/presentationml/2006/main" type="obj" preserve="1">
+<p:sldLayout xmlns:a="http://schemas.openxmlformats.org/drawingml/2006/main" xmlns:r="http://schemas.openxmlformats.org/officeDocument/2006/relationships" xmlns:p14="http://schemas.microsoft.com/office/powerpoint/2010/main" xmlns:p15="http://schemas.microsoft.com/office/powerpoint/2012/main" xmlns:p="http://schemas.openxmlformats.org/presentationml/2006/main" type="obj" preserve="1">
   <p:cSld name="Title and Content">
     <p:spTree>
       <p:nvGrpSpPr>
@@ -1094,8 +1077,6 @@
         <a:xfrm>
           <a:off x="0" y="0"/>
           <a:ext cx="0" cy="0"/>
-          <a:chOff x="0" y="0"/>
-          <a:chExt cx="0" cy="0"/>
         </a:xfrm>
       </p:grpSpPr>
       <p:sp>
@@ -1202,7 +1183,6 @@
               </a:pPr>
               <a:t>10/12/2015</a:t>
             </a:fld>
-            <a:endParaRPr lang="en-US"/>
           </a:p>
         </p:txBody>
       </p:sp>
@@ -1261,7 +1241,6 @@
               </a:pPr>
               <a:t>‹#›</a:t>
             </a:fld>
-            <a:endParaRPr lang="en-US"/>
           </a:p>
         </p:txBody>
       </p:sp>
@@ -1270,11 +1249,13 @@
   <p:clrMapOvr>
     <a:masterClrMapping/>
   </p:clrMapOvr>
+  <p:transition/>
+  <p:timing/>
 </p:sldLayout>
 </file>
 
 <file path=ppt/slideLayouts/slideLayout14.xml><?xml version="1.0" encoding="utf-8"?>
-<p:sldLayout xmlns:a="http://schemas.openxmlformats.org/drawingml/2006/main" xmlns:r="http://schemas.openxmlformats.org/officeDocument/2006/relationships" xmlns:p="http://schemas.openxmlformats.org/presentationml/2006/main" type="secHead" preserve="1">
+<p:sldLayout xmlns:a="http://schemas.openxmlformats.org/drawingml/2006/main" xmlns:r="http://schemas.openxmlformats.org/officeDocument/2006/relationships" xmlns:p14="http://schemas.microsoft.com/office/powerpoint/2010/main" xmlns:p15="http://schemas.microsoft.com/office/powerpoint/2012/main" xmlns:p="http://schemas.openxmlformats.org/presentationml/2006/main" type="secHead" preserve="1">
   <p:cSld name="Section Header">
     <p:spTree>
       <p:nvGrpSpPr>
@@ -1286,8 +1267,6 @@
         <a:xfrm>
           <a:off x="0" y="0"/>
           <a:ext cx="0" cy="0"/>
-          <a:chOff x="0" y="0"/>
-          <a:chExt cx="0" cy="0"/>
         </a:xfrm>
       </p:grpSpPr>
       <p:sp>
@@ -1470,7 +1449,6 @@
               </a:pPr>
               <a:t>10/12/2015</a:t>
             </a:fld>
-            <a:endParaRPr lang="en-US"/>
           </a:p>
         </p:txBody>
       </p:sp>
@@ -1529,7 +1507,6 @@
               </a:pPr>
               <a:t>‹#›</a:t>
             </a:fld>
-            <a:endParaRPr lang="en-US"/>
           </a:p>
         </p:txBody>
       </p:sp>
@@ -1538,11 +1515,13 @@
   <p:clrMapOvr>
     <a:masterClrMapping/>
   </p:clrMapOvr>
+  <p:transition/>
+  <p:timing/>
 </p:sldLayout>
 </file>
 
 <file path=ppt/slideLayouts/slideLayout15.xml><?xml version="1.0" encoding="utf-8"?>
-<p:sldLayout xmlns:a="http://schemas.openxmlformats.org/drawingml/2006/main" xmlns:r="http://schemas.openxmlformats.org/officeDocument/2006/relationships" xmlns:p="http://schemas.openxmlformats.org/presentationml/2006/main" type="twoObj" preserve="1">
+<p:sldLayout xmlns:a="http://schemas.openxmlformats.org/drawingml/2006/main" xmlns:r="http://schemas.openxmlformats.org/officeDocument/2006/relationships" xmlns:p14="http://schemas.microsoft.com/office/powerpoint/2010/main" xmlns:p15="http://schemas.microsoft.com/office/powerpoint/2012/main" xmlns:p="http://schemas.openxmlformats.org/presentationml/2006/main" type="twoObj" preserve="1">
   <p:cSld name="Two Content">
     <p:spTree>
       <p:nvGrpSpPr>
@@ -1554,8 +1533,6 @@
         <a:xfrm>
           <a:off x="0" y="0"/>
           <a:ext cx="0" cy="0"/>
-          <a:chOff x="0" y="0"/>
-          <a:chExt cx="0" cy="0"/>
         </a:xfrm>
       </p:grpSpPr>
       <p:sp>
@@ -1780,7 +1757,6 @@
               </a:pPr>
               <a:t>10/12/2015</a:t>
             </a:fld>
-            <a:endParaRPr lang="en-US"/>
           </a:p>
         </p:txBody>
       </p:sp>
@@ -1839,7 +1815,6 @@
               </a:pPr>
               <a:t>‹#›</a:t>
             </a:fld>
-            <a:endParaRPr lang="en-US"/>
           </a:p>
         </p:txBody>
       </p:sp>
@@ -1848,11 +1823,13 @@
   <p:clrMapOvr>
     <a:masterClrMapping/>
   </p:clrMapOvr>
+  <p:transition/>
+  <p:timing/>
 </p:sldLayout>
 </file>
 
 <file path=ppt/slideLayouts/slideLayout16.xml><?xml version="1.0" encoding="utf-8"?>
-<p:sldLayout xmlns:a="http://schemas.openxmlformats.org/drawingml/2006/main" xmlns:r="http://schemas.openxmlformats.org/officeDocument/2006/relationships" xmlns:p="http://schemas.openxmlformats.org/presentationml/2006/main" type="twoTxTwoObj" preserve="1">
+<p:sldLayout xmlns:a="http://schemas.openxmlformats.org/drawingml/2006/main" xmlns:r="http://schemas.openxmlformats.org/officeDocument/2006/relationships" xmlns:p14="http://schemas.microsoft.com/office/powerpoint/2010/main" xmlns:p15="http://schemas.microsoft.com/office/powerpoint/2012/main" xmlns:p="http://schemas.openxmlformats.org/presentationml/2006/main" type="twoTxTwoObj" preserve="1">
   <p:cSld name="Comparison">
     <p:spTree>
       <p:nvGrpSpPr>
@@ -1864,8 +1841,6 @@
         <a:xfrm>
           <a:off x="0" y="0"/>
           <a:ext cx="0" cy="0"/>
-          <a:chOff x="0" y="0"/>
-          <a:chExt cx="0" cy="0"/>
         </a:xfrm>
       </p:grpSpPr>
       <p:sp>
@@ -2224,7 +2199,6 @@
               </a:pPr>
               <a:t>10/12/2015</a:t>
             </a:fld>
-            <a:endParaRPr lang="en-US"/>
           </a:p>
         </p:txBody>
       </p:sp>
@@ -2283,7 +2257,6 @@
               </a:pPr>
               <a:t>‹#›</a:t>
             </a:fld>
-            <a:endParaRPr lang="en-US"/>
           </a:p>
         </p:txBody>
       </p:sp>
@@ -2292,11 +2265,13 @@
   <p:clrMapOvr>
     <a:masterClrMapping/>
   </p:clrMapOvr>
+  <p:transition/>
+  <p:timing/>
 </p:sldLayout>
 </file>
 
 <file path=ppt/slideLayouts/slideLayout17.xml><?xml version="1.0" encoding="utf-8"?>
-<p:sldLayout xmlns:a="http://schemas.openxmlformats.org/drawingml/2006/main" xmlns:r="http://schemas.openxmlformats.org/officeDocument/2006/relationships" xmlns:p="http://schemas.openxmlformats.org/presentationml/2006/main" type="titleOnly" preserve="1">
+<p:sldLayout xmlns:a="http://schemas.openxmlformats.org/drawingml/2006/main" xmlns:r="http://schemas.openxmlformats.org/officeDocument/2006/relationships" xmlns:p14="http://schemas.microsoft.com/office/powerpoint/2010/main" xmlns:p15="http://schemas.microsoft.com/office/powerpoint/2012/main" xmlns:p="http://schemas.openxmlformats.org/presentationml/2006/main" type="titleOnly" preserve="1">
   <p:cSld name="Title Only">
     <p:spTree>
       <p:nvGrpSpPr>
@@ -2308,8 +2283,6 @@
         <a:xfrm>
           <a:off x="0" y="0"/>
           <a:ext cx="0" cy="0"/>
-          <a:chOff x="0" y="0"/>
-          <a:chExt cx="0" cy="0"/>
         </a:xfrm>
       </p:grpSpPr>
       <p:sp>
@@ -2364,7 +2337,6 @@
               </a:pPr>
               <a:t>10/12/2015</a:t>
             </a:fld>
-            <a:endParaRPr lang="en-US"/>
           </a:p>
         </p:txBody>
       </p:sp>
@@ -2423,7 +2395,6 @@
               </a:pPr>
               <a:t>‹#›</a:t>
             </a:fld>
-            <a:endParaRPr lang="en-US"/>
           </a:p>
         </p:txBody>
       </p:sp>
@@ -2432,11 +2403,13 @@
   <p:clrMapOvr>
     <a:masterClrMapping/>
   </p:clrMapOvr>
+  <p:transition/>
+  <p:timing/>
 </p:sldLayout>
 </file>
 
 <file path=ppt/slideLayouts/slideLayout18.xml><?xml version="1.0" encoding="utf-8"?>
-<p:sldLayout xmlns:a="http://schemas.openxmlformats.org/drawingml/2006/main" xmlns:r="http://schemas.openxmlformats.org/officeDocument/2006/relationships" xmlns:p="http://schemas.openxmlformats.org/presentationml/2006/main" type="blank" preserve="1">
+<p:sldLayout xmlns:a="http://schemas.openxmlformats.org/drawingml/2006/main" xmlns:r="http://schemas.openxmlformats.org/officeDocument/2006/relationships" xmlns:p14="http://schemas.microsoft.com/office/powerpoint/2010/main" xmlns:p15="http://schemas.microsoft.com/office/powerpoint/2012/main" xmlns:p="http://schemas.openxmlformats.org/presentationml/2006/main" type="blank" preserve="1">
   <p:cSld name="Blank">
     <p:spTree>
       <p:nvGrpSpPr>
@@ -2448,8 +2421,6 @@
         <a:xfrm>
           <a:off x="0" y="0"/>
           <a:ext cx="0" cy="0"/>
-          <a:chOff x="0" y="0"/>
-          <a:chExt cx="0" cy="0"/>
         </a:xfrm>
       </p:grpSpPr>
       <p:sp>
@@ -2481,7 +2452,6 @@
               </a:pPr>
               <a:t>10/12/2015</a:t>
             </a:fld>
-            <a:endParaRPr lang="en-US"/>
           </a:p>
         </p:txBody>
       </p:sp>
@@ -2540,7 +2510,6 @@
               </a:pPr>
               <a:t>‹#›</a:t>
             </a:fld>
-            <a:endParaRPr lang="en-US"/>
           </a:p>
         </p:txBody>
       </p:sp>
@@ -2549,11 +2518,13 @@
   <p:clrMapOvr>
     <a:masterClrMapping/>
   </p:clrMapOvr>
+  <p:transition/>
+  <p:timing/>
 </p:sldLayout>
 </file>
 
 <file path=ppt/slideLayouts/slideLayout19.xml><?xml version="1.0" encoding="utf-8"?>
-<p:sldLayout xmlns:a="http://schemas.openxmlformats.org/drawingml/2006/main" xmlns:r="http://schemas.openxmlformats.org/officeDocument/2006/relationships" xmlns:p="http://schemas.openxmlformats.org/presentationml/2006/main" type="objTx" preserve="1">
+<p:sldLayout xmlns:a="http://schemas.openxmlformats.org/drawingml/2006/main" xmlns:r="http://schemas.openxmlformats.org/officeDocument/2006/relationships" xmlns:p14="http://schemas.microsoft.com/office/powerpoint/2010/main" xmlns:p15="http://schemas.microsoft.com/office/powerpoint/2012/main" xmlns:p="http://schemas.openxmlformats.org/presentationml/2006/main" type="objTx" preserve="1">
   <p:cSld name="Content with Caption">
     <p:spTree>
       <p:nvGrpSpPr>
@@ -2565,8 +2536,6 @@
         <a:xfrm>
           <a:off x="0" y="0"/>
           <a:ext cx="0" cy="0"/>
-          <a:chOff x="0" y="0"/>
-          <a:chExt cx="0" cy="0"/>
         </a:xfrm>
       </p:grpSpPr>
       <p:sp>
@@ -2780,7 +2749,6 @@
               </a:pPr>
               <a:t>10/12/2015</a:t>
             </a:fld>
-            <a:endParaRPr lang="en-US"/>
           </a:p>
         </p:txBody>
       </p:sp>
@@ -2839,7 +2807,6 @@
               </a:pPr>
               <a:t>‹#›</a:t>
             </a:fld>
-            <a:endParaRPr lang="en-US"/>
           </a:p>
         </p:txBody>
       </p:sp>
@@ -2848,11 +2815,13 @@
   <p:clrMapOvr>
     <a:masterClrMapping/>
   </p:clrMapOvr>
+  <p:transition/>
+  <p:timing/>
 </p:sldLayout>
 </file>
 
 <file path=ppt/slideLayouts/slideLayout2.xml><?xml version="1.0" encoding="utf-8"?>
-<p:sldLayout xmlns:a="http://schemas.openxmlformats.org/drawingml/2006/main" xmlns:r="http://schemas.openxmlformats.org/officeDocument/2006/relationships" xmlns:p="http://schemas.openxmlformats.org/presentationml/2006/main" type="obj" preserve="1">
+<p:sldLayout xmlns:a="http://schemas.openxmlformats.org/drawingml/2006/main" xmlns:r="http://schemas.openxmlformats.org/officeDocument/2006/relationships" xmlns:p14="http://schemas.microsoft.com/office/powerpoint/2010/main" xmlns:p15="http://schemas.microsoft.com/office/powerpoint/2012/main" xmlns:p="http://schemas.openxmlformats.org/presentationml/2006/main" type="obj" preserve="1">
   <p:cSld name="Title and Content">
     <p:spTree>
       <p:nvGrpSpPr>
@@ -2864,8 +2833,6 @@
         <a:xfrm>
           <a:off x="0" y="0"/>
           <a:ext cx="0" cy="0"/>
-          <a:chOff x="0" y="0"/>
-          <a:chExt cx="0" cy="0"/>
         </a:xfrm>
       </p:grpSpPr>
       <p:sp>
@@ -2972,7 +2939,6 @@
               </a:pPr>
               <a:t>10/12/2015</a:t>
             </a:fld>
-            <a:endParaRPr lang="en-US"/>
           </a:p>
         </p:txBody>
       </p:sp>
@@ -3031,7 +2997,6 @@
               </a:pPr>
               <a:t>‹#›</a:t>
             </a:fld>
-            <a:endParaRPr lang="en-US"/>
           </a:p>
         </p:txBody>
       </p:sp>
@@ -3040,11 +3005,13 @@
   <p:clrMapOvr>
     <a:masterClrMapping/>
   </p:clrMapOvr>
+  <p:transition/>
+  <p:timing/>
 </p:sldLayout>
 </file>
 
 <file path=ppt/slideLayouts/slideLayout20.xml><?xml version="1.0" encoding="utf-8"?>
-<p:sldLayout xmlns:a="http://schemas.openxmlformats.org/drawingml/2006/main" xmlns:r="http://schemas.openxmlformats.org/officeDocument/2006/relationships" xmlns:p="http://schemas.openxmlformats.org/presentationml/2006/main" type="picTx" preserve="1">
+<p:sldLayout xmlns:a="http://schemas.openxmlformats.org/drawingml/2006/main" xmlns:r="http://schemas.openxmlformats.org/officeDocument/2006/relationships" xmlns:p14="http://schemas.microsoft.com/office/powerpoint/2010/main" xmlns:p15="http://schemas.microsoft.com/office/powerpoint/2012/main" xmlns:p="http://schemas.openxmlformats.org/presentationml/2006/main" type="picTx" preserve="1">
   <p:cSld name="Picture with Caption">
     <p:spTree>
       <p:nvGrpSpPr>
@@ -3056,8 +3023,6 @@
         <a:xfrm>
           <a:off x="0" y="0"/>
           <a:ext cx="0" cy="0"/>
-          <a:chOff x="0" y="0"/>
-          <a:chExt cx="0" cy="0"/>
         </a:xfrm>
       </p:grpSpPr>
       <p:sp>
@@ -3250,7 +3215,6 @@
               </a:pPr>
               <a:t>10/12/2015</a:t>
             </a:fld>
-            <a:endParaRPr lang="en-US"/>
           </a:p>
         </p:txBody>
       </p:sp>
@@ -3309,7 +3273,6 @@
               </a:pPr>
               <a:t>‹#›</a:t>
             </a:fld>
-            <a:endParaRPr lang="en-US"/>
           </a:p>
         </p:txBody>
       </p:sp>
@@ -3318,11 +3281,13 @@
   <p:clrMapOvr>
     <a:masterClrMapping/>
   </p:clrMapOvr>
+  <p:transition/>
+  <p:timing/>
 </p:sldLayout>
 </file>
 
 <file path=ppt/slideLayouts/slideLayout21.xml><?xml version="1.0" encoding="utf-8"?>
-<p:sldLayout xmlns:a="http://schemas.openxmlformats.org/drawingml/2006/main" xmlns:r="http://schemas.openxmlformats.org/officeDocument/2006/relationships" xmlns:p="http://schemas.openxmlformats.org/presentationml/2006/main" type="vertTx" preserve="1">
+<p:sldLayout xmlns:a="http://schemas.openxmlformats.org/drawingml/2006/main" xmlns:r="http://schemas.openxmlformats.org/officeDocument/2006/relationships" xmlns:p14="http://schemas.microsoft.com/office/powerpoint/2010/main" xmlns:p15="http://schemas.microsoft.com/office/powerpoint/2012/main" xmlns:p="http://schemas.openxmlformats.org/presentationml/2006/main" type="vertTx" preserve="1">
   <p:cSld name="Title and Vertical Text">
     <p:spTree>
       <p:nvGrpSpPr>
@@ -3334,8 +3299,6 @@
         <a:xfrm>
           <a:off x="0" y="0"/>
           <a:ext cx="0" cy="0"/>
-          <a:chOff x="0" y="0"/>
-          <a:chExt cx="0" cy="0"/>
         </a:xfrm>
       </p:grpSpPr>
       <p:sp>
@@ -3442,7 +3405,6 @@
               </a:pPr>
               <a:t>10/12/2015</a:t>
             </a:fld>
-            <a:endParaRPr lang="en-US"/>
           </a:p>
         </p:txBody>
       </p:sp>
@@ -3501,7 +3463,6 @@
               </a:pPr>
               <a:t>‹#›</a:t>
             </a:fld>
-            <a:endParaRPr lang="en-US"/>
           </a:p>
         </p:txBody>
       </p:sp>
@@ -3510,11 +3471,13 @@
   <p:clrMapOvr>
     <a:masterClrMapping/>
   </p:clrMapOvr>
+  <p:transition/>
+  <p:timing/>
 </p:sldLayout>
 </file>
 
 <file path=ppt/slideLayouts/slideLayout22.xml><?xml version="1.0" encoding="utf-8"?>
-<p:sldLayout xmlns:a="http://schemas.openxmlformats.org/drawingml/2006/main" xmlns:r="http://schemas.openxmlformats.org/officeDocument/2006/relationships" xmlns:p="http://schemas.openxmlformats.org/presentationml/2006/main" type="vertTitleAndTx" preserve="1">
+<p:sldLayout xmlns:a="http://schemas.openxmlformats.org/drawingml/2006/main" xmlns:r="http://schemas.openxmlformats.org/officeDocument/2006/relationships" xmlns:p14="http://schemas.microsoft.com/office/powerpoint/2010/main" xmlns:p15="http://schemas.microsoft.com/office/powerpoint/2012/main" xmlns:p="http://schemas.openxmlformats.org/presentationml/2006/main" type="vertTitleAndTx" preserve="1">
   <p:cSld name="Vertical Title and Text">
     <p:spTree>
       <p:nvGrpSpPr>
@@ -3526,8 +3489,6 @@
         <a:xfrm>
           <a:off x="0" y="0"/>
           <a:ext cx="0" cy="0"/>
-          <a:chOff x="0" y="0"/>
-          <a:chExt cx="0" cy="0"/>
         </a:xfrm>
       </p:grpSpPr>
       <p:sp>
@@ -3644,7 +3605,6 @@
               </a:pPr>
               <a:t>10/12/2015</a:t>
             </a:fld>
-            <a:endParaRPr lang="en-US"/>
           </a:p>
         </p:txBody>
       </p:sp>
@@ -3703,7 +3663,6 @@
               </a:pPr>
               <a:t>‹#›</a:t>
             </a:fld>
-            <a:endParaRPr lang="en-US"/>
           </a:p>
         </p:txBody>
       </p:sp>
@@ -3712,11 +3671,13 @@
   <p:clrMapOvr>
     <a:masterClrMapping/>
   </p:clrMapOvr>
+  <p:transition/>
+  <p:timing/>
 </p:sldLayout>
 </file>
 
 <file path=ppt/slideLayouts/slideLayout23.xml><?xml version="1.0" encoding="utf-8"?>
-<p:sldLayout xmlns:a="http://schemas.openxmlformats.org/drawingml/2006/main" xmlns:r="http://schemas.openxmlformats.org/officeDocument/2006/relationships" xmlns:p="http://schemas.openxmlformats.org/presentationml/2006/main" type="title" preserve="1">
+<p:sldLayout xmlns:a="http://schemas.openxmlformats.org/drawingml/2006/main" xmlns:r="http://schemas.openxmlformats.org/officeDocument/2006/relationships" xmlns:p14="http://schemas.microsoft.com/office/powerpoint/2010/main" xmlns:p15="http://schemas.microsoft.com/office/powerpoint/2012/main" xmlns:p="http://schemas.openxmlformats.org/presentationml/2006/main" type="title" preserve="1">
   <p:cSld name="Title Slide">
     <p:spTree>
       <p:nvGrpSpPr>
@@ -3728,8 +3689,6 @@
         <a:xfrm>
           <a:off x="0" y="0"/>
           <a:ext cx="0" cy="0"/>
-          <a:chOff x="0" y="0"/>
-          <a:chExt cx="0" cy="0"/>
         </a:xfrm>
       </p:grpSpPr>
       <p:sp>
@@ -3908,7 +3867,6 @@
               </a:pPr>
               <a:t>10/12/2015</a:t>
             </a:fld>
-            <a:endParaRPr lang="en-US"/>
           </a:p>
         </p:txBody>
       </p:sp>
@@ -3967,7 +3925,6 @@
               </a:pPr>
               <a:t>‹#›</a:t>
             </a:fld>
-            <a:endParaRPr lang="en-US"/>
           </a:p>
         </p:txBody>
       </p:sp>
@@ -3976,11 +3933,13 @@
   <p:clrMapOvr>
     <a:masterClrMapping/>
   </p:clrMapOvr>
+  <p:transition/>
+  <p:timing/>
 </p:sldLayout>
 </file>
 
 <file path=ppt/slideLayouts/slideLayout24.xml><?xml version="1.0" encoding="utf-8"?>
-<p:sldLayout xmlns:a="http://schemas.openxmlformats.org/drawingml/2006/main" xmlns:r="http://schemas.openxmlformats.org/officeDocument/2006/relationships" xmlns:p="http://schemas.openxmlformats.org/presentationml/2006/main" type="obj" preserve="1">
+<p:sldLayout xmlns:a="http://schemas.openxmlformats.org/drawingml/2006/main" xmlns:r="http://schemas.openxmlformats.org/officeDocument/2006/relationships" xmlns:p14="http://schemas.microsoft.com/office/powerpoint/2010/main" xmlns:p15="http://schemas.microsoft.com/office/powerpoint/2012/main" xmlns:p="http://schemas.openxmlformats.org/presentationml/2006/main" type="obj" preserve="1">
   <p:cSld name="Title and Content">
     <p:spTree>
       <p:nvGrpSpPr>
@@ -3992,8 +3951,6 @@
         <a:xfrm>
           <a:off x="0" y="0"/>
           <a:ext cx="0" cy="0"/>
-          <a:chOff x="0" y="0"/>
-          <a:chExt cx="0" cy="0"/>
         </a:xfrm>
       </p:grpSpPr>
       <p:sp>
@@ -4100,7 +4057,6 @@
               </a:pPr>
               <a:t>10/12/2015</a:t>
             </a:fld>
-            <a:endParaRPr lang="en-US"/>
           </a:p>
         </p:txBody>
       </p:sp>
@@ -4159,7 +4115,6 @@
               </a:pPr>
               <a:t>‹#›</a:t>
             </a:fld>
-            <a:endParaRPr lang="en-US"/>
           </a:p>
         </p:txBody>
       </p:sp>
@@ -4168,11 +4123,13 @@
   <p:clrMapOvr>
     <a:masterClrMapping/>
   </p:clrMapOvr>
+  <p:transition/>
+  <p:timing/>
 </p:sldLayout>
 </file>
 
 <file path=ppt/slideLayouts/slideLayout25.xml><?xml version="1.0" encoding="utf-8"?>
-<p:sldLayout xmlns:a="http://schemas.openxmlformats.org/drawingml/2006/main" xmlns:r="http://schemas.openxmlformats.org/officeDocument/2006/relationships" xmlns:p="http://schemas.openxmlformats.org/presentationml/2006/main" type="secHead" preserve="1">
+<p:sldLayout xmlns:a="http://schemas.openxmlformats.org/drawingml/2006/main" xmlns:r="http://schemas.openxmlformats.org/officeDocument/2006/relationships" xmlns:p14="http://schemas.microsoft.com/office/powerpoint/2010/main" xmlns:p15="http://schemas.microsoft.com/office/powerpoint/2012/main" xmlns:p="http://schemas.openxmlformats.org/presentationml/2006/main" type="secHead" preserve="1">
   <p:cSld name="Section Header">
     <p:spTree>
       <p:nvGrpSpPr>
@@ -4184,8 +4141,6 @@
         <a:xfrm>
           <a:off x="0" y="0"/>
           <a:ext cx="0" cy="0"/>
-          <a:chOff x="0" y="0"/>
-          <a:chExt cx="0" cy="0"/>
         </a:xfrm>
       </p:grpSpPr>
       <p:sp>
@@ -4368,7 +4323,6 @@
               </a:pPr>
               <a:t>10/12/2015</a:t>
             </a:fld>
-            <a:endParaRPr lang="en-US"/>
           </a:p>
         </p:txBody>
       </p:sp>
@@ -4427,7 +4381,6 @@
               </a:pPr>
               <a:t>‹#›</a:t>
             </a:fld>
-            <a:endParaRPr lang="en-US"/>
           </a:p>
         </p:txBody>
       </p:sp>
@@ -4436,11 +4389,13 @@
   <p:clrMapOvr>
     <a:masterClrMapping/>
   </p:clrMapOvr>
+  <p:transition/>
+  <p:timing/>
 </p:sldLayout>
 </file>
 
 <file path=ppt/slideLayouts/slideLayout26.xml><?xml version="1.0" encoding="utf-8"?>
-<p:sldLayout xmlns:a="http://schemas.openxmlformats.org/drawingml/2006/main" xmlns:r="http://schemas.openxmlformats.org/officeDocument/2006/relationships" xmlns:p="http://schemas.openxmlformats.org/presentationml/2006/main" type="twoObj" preserve="1">
+<p:sldLayout xmlns:a="http://schemas.openxmlformats.org/drawingml/2006/main" xmlns:r="http://schemas.openxmlformats.org/officeDocument/2006/relationships" xmlns:p14="http://schemas.microsoft.com/office/powerpoint/2010/main" xmlns:p15="http://schemas.microsoft.com/office/powerpoint/2012/main" xmlns:p="http://schemas.openxmlformats.org/presentationml/2006/main" type="twoObj" preserve="1">
   <p:cSld name="Two Content">
     <p:spTree>
       <p:nvGrpSpPr>
@@ -4452,8 +4407,6 @@
         <a:xfrm>
           <a:off x="0" y="0"/>
           <a:ext cx="0" cy="0"/>
-          <a:chOff x="0" y="0"/>
-          <a:chExt cx="0" cy="0"/>
         </a:xfrm>
       </p:grpSpPr>
       <p:sp>
@@ -4678,7 +4631,6 @@
               </a:pPr>
               <a:t>10/12/2015</a:t>
             </a:fld>
-            <a:endParaRPr lang="en-US"/>
           </a:p>
         </p:txBody>
       </p:sp>
@@ -4737,7 +4689,6 @@
               </a:pPr>
               <a:t>‹#›</a:t>
             </a:fld>
-            <a:endParaRPr lang="en-US"/>
           </a:p>
         </p:txBody>
       </p:sp>
@@ -4746,11 +4697,13 @@
   <p:clrMapOvr>
     <a:masterClrMapping/>
   </p:clrMapOvr>
+  <p:transition/>
+  <p:timing/>
 </p:sldLayout>
 </file>
 
 <file path=ppt/slideLayouts/slideLayout27.xml><?xml version="1.0" encoding="utf-8"?>
-<p:sldLayout xmlns:a="http://schemas.openxmlformats.org/drawingml/2006/main" xmlns:r="http://schemas.openxmlformats.org/officeDocument/2006/relationships" xmlns:p="http://schemas.openxmlformats.org/presentationml/2006/main" type="twoTxTwoObj" preserve="1">
+<p:sldLayout xmlns:a="http://schemas.openxmlformats.org/drawingml/2006/main" xmlns:r="http://schemas.openxmlformats.org/officeDocument/2006/relationships" xmlns:p14="http://schemas.microsoft.com/office/powerpoint/2010/main" xmlns:p15="http://schemas.microsoft.com/office/powerpoint/2012/main" xmlns:p="http://schemas.openxmlformats.org/presentationml/2006/main" type="twoTxTwoObj" preserve="1">
   <p:cSld name="Comparison">
     <p:spTree>
       <p:nvGrpSpPr>
@@ -4762,8 +4715,6 @@
         <a:xfrm>
           <a:off x="0" y="0"/>
           <a:ext cx="0" cy="0"/>
-          <a:chOff x="0" y="0"/>
-          <a:chExt cx="0" cy="0"/>
         </a:xfrm>
       </p:grpSpPr>
       <p:sp>
@@ -5122,7 +5073,6 @@
               </a:pPr>
               <a:t>10/12/2015</a:t>
             </a:fld>
-            <a:endParaRPr lang="en-US"/>
           </a:p>
         </p:txBody>
       </p:sp>
@@ -5181,7 +5131,6 @@
               </a:pPr>
               <a:t>‹#›</a:t>
             </a:fld>
-            <a:endParaRPr lang="en-US"/>
           </a:p>
         </p:txBody>
       </p:sp>
@@ -5190,11 +5139,13 @@
   <p:clrMapOvr>
     <a:masterClrMapping/>
   </p:clrMapOvr>
+  <p:transition/>
+  <p:timing/>
 </p:sldLayout>
 </file>
 
 <file path=ppt/slideLayouts/slideLayout28.xml><?xml version="1.0" encoding="utf-8"?>
-<p:sldLayout xmlns:a="http://schemas.openxmlformats.org/drawingml/2006/main" xmlns:r="http://schemas.openxmlformats.org/officeDocument/2006/relationships" xmlns:p="http://schemas.openxmlformats.org/presentationml/2006/main" type="titleOnly" preserve="1">
+<p:sldLayout xmlns:a="http://schemas.openxmlformats.org/drawingml/2006/main" xmlns:r="http://schemas.openxmlformats.org/officeDocument/2006/relationships" xmlns:p14="http://schemas.microsoft.com/office/powerpoint/2010/main" xmlns:p15="http://schemas.microsoft.com/office/powerpoint/2012/main" xmlns:p="http://schemas.openxmlformats.org/presentationml/2006/main" type="titleOnly" preserve="1">
   <p:cSld name="Title Only">
     <p:spTree>
       <p:nvGrpSpPr>
@@ -5206,8 +5157,6 @@
         <a:xfrm>
           <a:off x="0" y="0"/>
           <a:ext cx="0" cy="0"/>
-          <a:chOff x="0" y="0"/>
-          <a:chExt cx="0" cy="0"/>
         </a:xfrm>
       </p:grpSpPr>
       <p:sp>
@@ -5262,7 +5211,6 @@
               </a:pPr>
               <a:t>10/12/2015</a:t>
             </a:fld>
-            <a:endParaRPr lang="en-US"/>
           </a:p>
         </p:txBody>
       </p:sp>
@@ -5321,7 +5269,6 @@
               </a:pPr>
               <a:t>‹#›</a:t>
             </a:fld>
-            <a:endParaRPr lang="en-US"/>
           </a:p>
         </p:txBody>
       </p:sp>
@@ -5330,11 +5277,13 @@
   <p:clrMapOvr>
     <a:masterClrMapping/>
   </p:clrMapOvr>
+  <p:transition/>
+  <p:timing/>
 </p:sldLayout>
 </file>
 
 <file path=ppt/slideLayouts/slideLayout29.xml><?xml version="1.0" encoding="utf-8"?>
-<p:sldLayout xmlns:a="http://schemas.openxmlformats.org/drawingml/2006/main" xmlns:r="http://schemas.openxmlformats.org/officeDocument/2006/relationships" xmlns:p="http://schemas.openxmlformats.org/presentationml/2006/main" type="blank" preserve="1">
+<p:sldLayout xmlns:a="http://schemas.openxmlformats.org/drawingml/2006/main" xmlns:r="http://schemas.openxmlformats.org/officeDocument/2006/relationships" xmlns:p14="http://schemas.microsoft.com/office/powerpoint/2010/main" xmlns:p15="http://schemas.microsoft.com/office/powerpoint/2012/main" xmlns:p="http://schemas.openxmlformats.org/presentationml/2006/main" type="blank" preserve="1">
   <p:cSld name="Blank">
     <p:spTree>
       <p:nvGrpSpPr>
@@ -5346,8 +5295,6 @@
         <a:xfrm>
           <a:off x="0" y="0"/>
           <a:ext cx="0" cy="0"/>
-          <a:chOff x="0" y="0"/>
-          <a:chExt cx="0" cy="0"/>
         </a:xfrm>
       </p:grpSpPr>
       <p:sp>
@@ -5379,7 +5326,6 @@
               </a:pPr>
               <a:t>10/12/2015</a:t>
             </a:fld>
-            <a:endParaRPr lang="en-US"/>
           </a:p>
         </p:txBody>
       </p:sp>
@@ -5438,7 +5384,6 @@
               </a:pPr>
               <a:t>‹#›</a:t>
             </a:fld>
-            <a:endParaRPr lang="en-US"/>
           </a:p>
         </p:txBody>
       </p:sp>
@@ -5447,11 +5392,13 @@
   <p:clrMapOvr>
     <a:masterClrMapping/>
   </p:clrMapOvr>
+  <p:transition/>
+  <p:timing/>
 </p:sldLayout>
 </file>
 
 <file path=ppt/slideLayouts/slideLayout3.xml><?xml version="1.0" encoding="utf-8"?>
-<p:sldLayout xmlns:a="http://schemas.openxmlformats.org/drawingml/2006/main" xmlns:r="http://schemas.openxmlformats.org/officeDocument/2006/relationships" xmlns:p="http://schemas.openxmlformats.org/presentationml/2006/main" type="secHead" preserve="1">
+<p:sldLayout xmlns:a="http://schemas.openxmlformats.org/drawingml/2006/main" xmlns:r="http://schemas.openxmlformats.org/officeDocument/2006/relationships" xmlns:p14="http://schemas.microsoft.com/office/powerpoint/2010/main" xmlns:p15="http://schemas.microsoft.com/office/powerpoint/2012/main" xmlns:p="http://schemas.openxmlformats.org/presentationml/2006/main" type="secHead" preserve="1">
   <p:cSld name="Section Header">
     <p:spTree>
       <p:nvGrpSpPr>
@@ -5463,8 +5410,6 @@
         <a:xfrm>
           <a:off x="0" y="0"/>
           <a:ext cx="0" cy="0"/>
-          <a:chOff x="0" y="0"/>
-          <a:chExt cx="0" cy="0"/>
         </a:xfrm>
       </p:grpSpPr>
       <p:sp>
@@ -5647,7 +5592,6 @@
               </a:pPr>
               <a:t>10/12/2015</a:t>
             </a:fld>
-            <a:endParaRPr lang="en-US"/>
           </a:p>
         </p:txBody>
       </p:sp>
@@ -5706,7 +5650,6 @@
               </a:pPr>
               <a:t>‹#›</a:t>
             </a:fld>
-            <a:endParaRPr lang="en-US"/>
           </a:p>
         </p:txBody>
       </p:sp>
@@ -5715,11 +5658,13 @@
   <p:clrMapOvr>
     <a:masterClrMapping/>
   </p:clrMapOvr>
+  <p:transition/>
+  <p:timing/>
 </p:sldLayout>
 </file>
 
 <file path=ppt/slideLayouts/slideLayout30.xml><?xml version="1.0" encoding="utf-8"?>
-<p:sldLayout xmlns:a="http://schemas.openxmlformats.org/drawingml/2006/main" xmlns:r="http://schemas.openxmlformats.org/officeDocument/2006/relationships" xmlns:p="http://schemas.openxmlformats.org/presentationml/2006/main" type="objTx" preserve="1">
+<p:sldLayout xmlns:a="http://schemas.openxmlformats.org/drawingml/2006/main" xmlns:r="http://schemas.openxmlformats.org/officeDocument/2006/relationships" xmlns:p14="http://schemas.microsoft.com/office/powerpoint/2010/main" xmlns:p15="http://schemas.microsoft.com/office/powerpoint/2012/main" xmlns:p="http://schemas.openxmlformats.org/presentationml/2006/main" type="objTx" preserve="1">
   <p:cSld name="Content with Caption">
     <p:spTree>
       <p:nvGrpSpPr>
@@ -5731,8 +5676,6 @@
         <a:xfrm>
           <a:off x="0" y="0"/>
           <a:ext cx="0" cy="0"/>
-          <a:chOff x="0" y="0"/>
-          <a:chExt cx="0" cy="0"/>
         </a:xfrm>
       </p:grpSpPr>
       <p:sp>
@@ -5946,7 +5889,6 @@
               </a:pPr>
               <a:t>10/12/2015</a:t>
             </a:fld>
-            <a:endParaRPr lang="en-US"/>
           </a:p>
         </p:txBody>
       </p:sp>
@@ -6005,7 +5947,6 @@
               </a:pPr>
               <a:t>‹#›</a:t>
             </a:fld>
-            <a:endParaRPr lang="en-US"/>
           </a:p>
         </p:txBody>
       </p:sp>
@@ -6014,11 +5955,13 @@
   <p:clrMapOvr>
     <a:masterClrMapping/>
   </p:clrMapOvr>
+  <p:transition/>
+  <p:timing/>
 </p:sldLayout>
 </file>
 
 <file path=ppt/slideLayouts/slideLayout31.xml><?xml version="1.0" encoding="utf-8"?>
-<p:sldLayout xmlns:a="http://schemas.openxmlformats.org/drawingml/2006/main" xmlns:r="http://schemas.openxmlformats.org/officeDocument/2006/relationships" xmlns:p="http://schemas.openxmlformats.org/presentationml/2006/main" type="picTx" preserve="1">
+<p:sldLayout xmlns:a="http://schemas.openxmlformats.org/drawingml/2006/main" xmlns:r="http://schemas.openxmlformats.org/officeDocument/2006/relationships" xmlns:p14="http://schemas.microsoft.com/office/powerpoint/2010/main" xmlns:p15="http://schemas.microsoft.com/office/powerpoint/2012/main" xmlns:p="http://schemas.openxmlformats.org/presentationml/2006/main" type="picTx" preserve="1">
   <p:cSld name="Picture with Caption">
     <p:spTree>
       <p:nvGrpSpPr>
@@ -6030,8 +5973,6 @@
         <a:xfrm>
           <a:off x="0" y="0"/>
           <a:ext cx="0" cy="0"/>
-          <a:chOff x="0" y="0"/>
-          <a:chExt cx="0" cy="0"/>
         </a:xfrm>
       </p:grpSpPr>
       <p:sp>
@@ -6224,7 +6165,6 @@
               </a:pPr>
               <a:t>10/12/2015</a:t>
             </a:fld>
-            <a:endParaRPr lang="en-US"/>
           </a:p>
         </p:txBody>
       </p:sp>
@@ -6283,7 +6223,6 @@
               </a:pPr>
               <a:t>‹#›</a:t>
             </a:fld>
-            <a:endParaRPr lang="en-US"/>
           </a:p>
         </p:txBody>
       </p:sp>
@@ -6292,11 +6231,13 @@
   <p:clrMapOvr>
     <a:masterClrMapping/>
   </p:clrMapOvr>
+  <p:transition/>
+  <p:timing/>
 </p:sldLayout>
 </file>
 
 <file path=ppt/slideLayouts/slideLayout32.xml><?xml version="1.0" encoding="utf-8"?>
-<p:sldLayout xmlns:a="http://schemas.openxmlformats.org/drawingml/2006/main" xmlns:r="http://schemas.openxmlformats.org/officeDocument/2006/relationships" xmlns:p="http://schemas.openxmlformats.org/presentationml/2006/main" type="vertTx" preserve="1">
+<p:sldLayout xmlns:a="http://schemas.openxmlformats.org/drawingml/2006/main" xmlns:r="http://schemas.openxmlformats.org/officeDocument/2006/relationships" xmlns:p14="http://schemas.microsoft.com/office/powerpoint/2010/main" xmlns:p15="http://schemas.microsoft.com/office/powerpoint/2012/main" xmlns:p="http://schemas.openxmlformats.org/presentationml/2006/main" type="vertTx" preserve="1">
   <p:cSld name="Title and Vertical Text">
     <p:spTree>
       <p:nvGrpSpPr>
@@ -6308,8 +6249,6 @@
         <a:xfrm>
           <a:off x="0" y="0"/>
           <a:ext cx="0" cy="0"/>
-          <a:chOff x="0" y="0"/>
-          <a:chExt cx="0" cy="0"/>
         </a:xfrm>
       </p:grpSpPr>
       <p:sp>
@@ -6416,7 +6355,6 @@
               </a:pPr>
               <a:t>10/12/2015</a:t>
             </a:fld>
-            <a:endParaRPr lang="en-US"/>
           </a:p>
         </p:txBody>
       </p:sp>
@@ -6475,7 +6413,6 @@
               </a:pPr>
               <a:t>‹#›</a:t>
             </a:fld>
-            <a:endParaRPr lang="en-US"/>
           </a:p>
         </p:txBody>
       </p:sp>
@@ -6484,11 +6421,13 @@
   <p:clrMapOvr>
     <a:masterClrMapping/>
   </p:clrMapOvr>
+  <p:transition/>
+  <p:timing/>
 </p:sldLayout>
 </file>
 
 <file path=ppt/slideLayouts/slideLayout33.xml><?xml version="1.0" encoding="utf-8"?>
-<p:sldLayout xmlns:a="http://schemas.openxmlformats.org/drawingml/2006/main" xmlns:r="http://schemas.openxmlformats.org/officeDocument/2006/relationships" xmlns:p="http://schemas.openxmlformats.org/presentationml/2006/main" type="vertTitleAndTx" preserve="1">
+<p:sldLayout xmlns:a="http://schemas.openxmlformats.org/drawingml/2006/main" xmlns:r="http://schemas.openxmlformats.org/officeDocument/2006/relationships" xmlns:p14="http://schemas.microsoft.com/office/powerpoint/2010/main" xmlns:p15="http://schemas.microsoft.com/office/powerpoint/2012/main" xmlns:p="http://schemas.openxmlformats.org/presentationml/2006/main" type="vertTitleAndTx" preserve="1">
   <p:cSld name="Vertical Title and Text">
     <p:spTree>
       <p:nvGrpSpPr>
@@ -6500,8 +6439,6 @@
         <a:xfrm>
           <a:off x="0" y="0"/>
           <a:ext cx="0" cy="0"/>
-          <a:chOff x="0" y="0"/>
-          <a:chExt cx="0" cy="0"/>
         </a:xfrm>
       </p:grpSpPr>
       <p:sp>
@@ -6618,7 +6555,6 @@
               </a:pPr>
               <a:t>10/12/2015</a:t>
             </a:fld>
-            <a:endParaRPr lang="en-US"/>
           </a:p>
         </p:txBody>
       </p:sp>
@@ -6677,7 +6613,6 @@
               </a:pPr>
               <a:t>‹#›</a:t>
             </a:fld>
-            <a:endParaRPr lang="en-US"/>
           </a:p>
         </p:txBody>
       </p:sp>
@@ -6686,11 +6621,13 @@
   <p:clrMapOvr>
     <a:masterClrMapping/>
   </p:clrMapOvr>
+  <p:transition/>
+  <p:timing/>
 </p:sldLayout>
 </file>
 
 <file path=ppt/slideLayouts/slideLayout4.xml><?xml version="1.0" encoding="utf-8"?>
-<p:sldLayout xmlns:a="http://schemas.openxmlformats.org/drawingml/2006/main" xmlns:r="http://schemas.openxmlformats.org/officeDocument/2006/relationships" xmlns:p="http://schemas.openxmlformats.org/presentationml/2006/main" type="twoObj" preserve="1">
+<p:sldLayout xmlns:a="http://schemas.openxmlformats.org/drawingml/2006/main" xmlns:r="http://schemas.openxmlformats.org/officeDocument/2006/relationships" xmlns:p14="http://schemas.microsoft.com/office/powerpoint/2010/main" xmlns:p15="http://schemas.microsoft.com/office/powerpoint/2012/main" xmlns:p="http://schemas.openxmlformats.org/presentationml/2006/main" type="twoObj" preserve="1">
   <p:cSld name="Two Content">
     <p:spTree>
       <p:nvGrpSpPr>
@@ -6702,8 +6639,6 @@
         <a:xfrm>
           <a:off x="0" y="0"/>
           <a:ext cx="0" cy="0"/>
-          <a:chOff x="0" y="0"/>
-          <a:chExt cx="0" cy="0"/>
         </a:xfrm>
       </p:grpSpPr>
       <p:sp>
@@ -6928,7 +6863,6 @@
               </a:pPr>
               <a:t>10/12/2015</a:t>
             </a:fld>
-            <a:endParaRPr lang="en-US"/>
           </a:p>
         </p:txBody>
       </p:sp>
@@ -6987,7 +6921,6 @@
               </a:pPr>
               <a:t>‹#›</a:t>
             </a:fld>
-            <a:endParaRPr lang="en-US"/>
           </a:p>
         </p:txBody>
       </p:sp>
@@ -6996,11 +6929,13 @@
   <p:clrMapOvr>
     <a:masterClrMapping/>
   </p:clrMapOvr>
+  <p:transition/>
+  <p:timing/>
 </p:sldLayout>
 </file>
 
 <file path=ppt/slideLayouts/slideLayout5.xml><?xml version="1.0" encoding="utf-8"?>
-<p:sldLayout xmlns:a="http://schemas.openxmlformats.org/drawingml/2006/main" xmlns:r="http://schemas.openxmlformats.org/officeDocument/2006/relationships" xmlns:p="http://schemas.openxmlformats.org/presentationml/2006/main" type="twoTxTwoObj" preserve="1">
+<p:sldLayout xmlns:a="http://schemas.openxmlformats.org/drawingml/2006/main" xmlns:r="http://schemas.openxmlformats.org/officeDocument/2006/relationships" xmlns:p14="http://schemas.microsoft.com/office/powerpoint/2010/main" xmlns:p15="http://schemas.microsoft.com/office/powerpoint/2012/main" xmlns:p="http://schemas.openxmlformats.org/presentationml/2006/main" type="twoTxTwoObj" preserve="1">
   <p:cSld name="Comparison">
     <p:spTree>
       <p:nvGrpSpPr>
@@ -7012,8 +6947,6 @@
         <a:xfrm>
           <a:off x="0" y="0"/>
           <a:ext cx="0" cy="0"/>
-          <a:chOff x="0" y="0"/>
-          <a:chExt cx="0" cy="0"/>
         </a:xfrm>
       </p:grpSpPr>
       <p:sp>
@@ -7372,7 +7305,6 @@
               </a:pPr>
               <a:t>10/12/2015</a:t>
             </a:fld>
-            <a:endParaRPr lang="en-US"/>
           </a:p>
         </p:txBody>
       </p:sp>
@@ -7431,7 +7363,6 @@
               </a:pPr>
               <a:t>‹#›</a:t>
             </a:fld>
-            <a:endParaRPr lang="en-US"/>
           </a:p>
         </p:txBody>
       </p:sp>
@@ -7440,11 +7371,13 @@
   <p:clrMapOvr>
     <a:masterClrMapping/>
   </p:clrMapOvr>
+  <p:transition/>
+  <p:timing/>
 </p:sldLayout>
 </file>
 
 <file path=ppt/slideLayouts/slideLayout6.xml><?xml version="1.0" encoding="utf-8"?>
-<p:sldLayout xmlns:a="http://schemas.openxmlformats.org/drawingml/2006/main" xmlns:r="http://schemas.openxmlformats.org/officeDocument/2006/relationships" xmlns:p="http://schemas.openxmlformats.org/presentationml/2006/main" type="titleOnly" preserve="1">
+<p:sldLayout xmlns:a="http://schemas.openxmlformats.org/drawingml/2006/main" xmlns:r="http://schemas.openxmlformats.org/officeDocument/2006/relationships" xmlns:p14="http://schemas.microsoft.com/office/powerpoint/2010/main" xmlns:p15="http://schemas.microsoft.com/office/powerpoint/2012/main" xmlns:p="http://schemas.openxmlformats.org/presentationml/2006/main" type="titleOnly" preserve="1">
   <p:cSld name="Title Only">
     <p:spTree>
       <p:nvGrpSpPr>
@@ -7456,8 +7389,6 @@
         <a:xfrm>
           <a:off x="0" y="0"/>
           <a:ext cx="0" cy="0"/>
-          <a:chOff x="0" y="0"/>
-          <a:chExt cx="0" cy="0"/>
         </a:xfrm>
       </p:grpSpPr>
       <p:sp>
@@ -7512,7 +7443,6 @@
               </a:pPr>
               <a:t>10/12/2015</a:t>
             </a:fld>
-            <a:endParaRPr lang="en-US"/>
           </a:p>
         </p:txBody>
       </p:sp>
@@ -7571,7 +7501,6 @@
               </a:pPr>
               <a:t>‹#›</a:t>
             </a:fld>
-            <a:endParaRPr lang="en-US"/>
           </a:p>
         </p:txBody>
       </p:sp>
@@ -7580,11 +7509,13 @@
   <p:clrMapOvr>
     <a:masterClrMapping/>
   </p:clrMapOvr>
+  <p:transition/>
+  <p:timing/>
 </p:sldLayout>
 </file>
 
 <file path=ppt/slideLayouts/slideLayout7.xml><?xml version="1.0" encoding="utf-8"?>
-<p:sldLayout xmlns:a="http://schemas.openxmlformats.org/drawingml/2006/main" xmlns:r="http://schemas.openxmlformats.org/officeDocument/2006/relationships" xmlns:p="http://schemas.openxmlformats.org/presentationml/2006/main" type="blank" preserve="1">
+<p:sldLayout xmlns:a="http://schemas.openxmlformats.org/drawingml/2006/main" xmlns:r="http://schemas.openxmlformats.org/officeDocument/2006/relationships" xmlns:p14="http://schemas.microsoft.com/office/powerpoint/2010/main" xmlns:p15="http://schemas.microsoft.com/office/powerpoint/2012/main" xmlns:p="http://schemas.openxmlformats.org/presentationml/2006/main" type="blank" preserve="1">
   <p:cSld name="Blank">
     <p:spTree>
       <p:nvGrpSpPr>
@@ -7596,8 +7527,6 @@
         <a:xfrm>
           <a:off x="0" y="0"/>
           <a:ext cx="0" cy="0"/>
-          <a:chOff x="0" y="0"/>
-          <a:chExt cx="0" cy="0"/>
         </a:xfrm>
       </p:grpSpPr>
       <p:sp>
@@ -7629,7 +7558,6 @@
               </a:pPr>
               <a:t>10/12/2015</a:t>
             </a:fld>
-            <a:endParaRPr lang="en-US"/>
           </a:p>
         </p:txBody>
       </p:sp>
@@ -7688,7 +7616,6 @@
               </a:pPr>
               <a:t>‹#›</a:t>
             </a:fld>
-            <a:endParaRPr lang="en-US"/>
           </a:p>
         </p:txBody>
       </p:sp>
@@ -7697,11 +7624,13 @@
   <p:clrMapOvr>
     <a:masterClrMapping/>
   </p:clrMapOvr>
+  <p:transition/>
+  <p:timing/>
 </p:sldLayout>
 </file>
 
 <file path=ppt/slideLayouts/slideLayout8.xml><?xml version="1.0" encoding="utf-8"?>
-<p:sldLayout xmlns:a="http://schemas.openxmlformats.org/drawingml/2006/main" xmlns:r="http://schemas.openxmlformats.org/officeDocument/2006/relationships" xmlns:p="http://schemas.openxmlformats.org/presentationml/2006/main" type="objTx" preserve="1">
+<p:sldLayout xmlns:a="http://schemas.openxmlformats.org/drawingml/2006/main" xmlns:r="http://schemas.openxmlformats.org/officeDocument/2006/relationships" xmlns:p14="http://schemas.microsoft.com/office/powerpoint/2010/main" xmlns:p15="http://schemas.microsoft.com/office/powerpoint/2012/main" xmlns:p="http://schemas.openxmlformats.org/presentationml/2006/main" type="objTx" preserve="1">
   <p:cSld name="Content with Caption">
     <p:spTree>
       <p:nvGrpSpPr>
@@ -7713,8 +7642,6 @@
         <a:xfrm>
           <a:off x="0" y="0"/>
           <a:ext cx="0" cy="0"/>
-          <a:chOff x="0" y="0"/>
-          <a:chExt cx="0" cy="0"/>
         </a:xfrm>
       </p:grpSpPr>
       <p:sp>
@@ -7928,7 +7855,6 @@
               </a:pPr>
               <a:t>10/12/2015</a:t>
             </a:fld>
-            <a:endParaRPr lang="en-US"/>
           </a:p>
         </p:txBody>
       </p:sp>
@@ -7987,7 +7913,6 @@
               </a:pPr>
               <a:t>‹#›</a:t>
             </a:fld>
-            <a:endParaRPr lang="en-US"/>
           </a:p>
         </p:txBody>
       </p:sp>
@@ -7996,11 +7921,13 @@
   <p:clrMapOvr>
     <a:masterClrMapping/>
   </p:clrMapOvr>
+  <p:transition/>
+  <p:timing/>
 </p:sldLayout>
 </file>
 
 <file path=ppt/slideLayouts/slideLayout9.xml><?xml version="1.0" encoding="utf-8"?>
-<p:sldLayout xmlns:a="http://schemas.openxmlformats.org/drawingml/2006/main" xmlns:r="http://schemas.openxmlformats.org/officeDocument/2006/relationships" xmlns:p="http://schemas.openxmlformats.org/presentationml/2006/main" type="picTx" preserve="1">
+<p:sldLayout xmlns:a="http://schemas.openxmlformats.org/drawingml/2006/main" xmlns:r="http://schemas.openxmlformats.org/officeDocument/2006/relationships" xmlns:p14="http://schemas.microsoft.com/office/powerpoint/2010/main" xmlns:p15="http://schemas.microsoft.com/office/powerpoint/2012/main" xmlns:p="http://schemas.openxmlformats.org/presentationml/2006/main" type="picTx" preserve="1">
   <p:cSld name="Picture with Caption">
     <p:spTree>
       <p:nvGrpSpPr>
@@ -8012,8 +7939,6 @@
         <a:xfrm>
           <a:off x="0" y="0"/>
           <a:ext cx="0" cy="0"/>
-          <a:chOff x="0" y="0"/>
-          <a:chExt cx="0" cy="0"/>
         </a:xfrm>
       </p:grpSpPr>
       <p:sp>
@@ -8206,7 +8131,6 @@
               </a:pPr>
               <a:t>10/12/2015</a:t>
             </a:fld>
-            <a:endParaRPr lang="en-US"/>
           </a:p>
         </p:txBody>
       </p:sp>
@@ -8265,7 +8189,6 @@
               </a:pPr>
               <a:t>‹#›</a:t>
             </a:fld>
-            <a:endParaRPr lang="en-US"/>
           </a:p>
         </p:txBody>
       </p:sp>
@@ -8274,11 +8197,13 @@
   <p:clrMapOvr>
     <a:masterClrMapping/>
   </p:clrMapOvr>
+  <p:transition/>
+  <p:timing/>
 </p:sldLayout>
 </file>
 
 <file path=ppt/slideMasters/slideMaster1.xml><?xml version="1.0" encoding="utf-8"?>
-<p:sldMaster xmlns:a="http://schemas.openxmlformats.org/drawingml/2006/main" xmlns:r="http://schemas.openxmlformats.org/officeDocument/2006/relationships" xmlns:p="http://schemas.openxmlformats.org/presentationml/2006/main">
+<p:sldMaster xmlns:a="http://schemas.openxmlformats.org/drawingml/2006/main" xmlns:r="http://schemas.openxmlformats.org/officeDocument/2006/relationships" xmlns:p14="http://schemas.microsoft.com/office/powerpoint/2010/main" xmlns:p15="http://schemas.microsoft.com/office/powerpoint/2012/main" xmlns:p="http://schemas.openxmlformats.org/presentationml/2006/main">
   <p:cSld>
     <p:bg>
       <p:bgRef idx="1001">
@@ -8295,8 +8220,6 @@
         <a:xfrm>
           <a:off x="0" y="0"/>
           <a:ext cx="0" cy="0"/>
-          <a:chOff x="0" y="0"/>
-          <a:chExt cx="0" cy="0"/>
         </a:xfrm>
       </p:grpSpPr>
       <p:sp>
@@ -8321,8 +8244,6 @@
           <a:ln w="9525">
             <a:noFill/>
             <a:miter lim="800000"/>
-            <a:headEnd/>
-            <a:tailEnd/>
           </a:ln>
         </p:spPr>
         <p:txBody>
@@ -8363,8 +8284,6 @@
           <a:ln w="9525">
             <a:noFill/>
             <a:miter lim="800000"/>
-            <a:headEnd/>
-            <a:tailEnd/>
           </a:ln>
         </p:spPr>
         <p:txBody>
@@ -8435,10 +8354,10 @@
           <a:lstStyle>
             <a:lvl1pPr algn="l" fontAlgn="auto">
               <a:spcBef>
-                <a:spcPts val="0"/>
+                <a:spcPct val="0"/>
               </a:spcBef>
               <a:spcAft>
-                <a:spcPts val="0"/>
+                <a:spcPct val="0"/>
               </a:spcAft>
               <a:defRPr sz="1200">
                 <a:solidFill>
@@ -8461,7 +8380,6 @@
               </a:pPr>
               <a:t>10/12/2015</a:t>
             </a:fld>
-            <a:endParaRPr lang="en-US"/>
           </a:p>
         </p:txBody>
       </p:sp>
@@ -8489,10 +8407,10 @@
           <a:lstStyle>
             <a:lvl1pPr algn="ctr" fontAlgn="auto">
               <a:spcBef>
-                <a:spcPts val="0"/>
+                <a:spcPct val="0"/>
               </a:spcBef>
               <a:spcAft>
-                <a:spcPts val="0"/>
+                <a:spcPct val="0"/>
               </a:spcAft>
               <a:defRPr sz="1200">
                 <a:solidFill>
@@ -8536,10 +8454,10 @@
           <a:lstStyle>
             <a:lvl1pPr algn="r" fontAlgn="auto">
               <a:spcBef>
-                <a:spcPts val="0"/>
+                <a:spcPct val="0"/>
               </a:spcBef>
               <a:spcAft>
-                <a:spcPts val="0"/>
+                <a:spcPct val="0"/>
               </a:spcAft>
               <a:defRPr sz="1200">
                 <a:solidFill>
@@ -8562,7 +8480,6 @@
               </a:pPr>
               <a:t>‹#›</a:t>
             </a:fld>
-            <a:endParaRPr lang="en-US"/>
           </a:p>
         </p:txBody>
       </p:sp>
@@ -8582,13 +8499,8 @@
     <p:sldLayoutId id="2147483674" r:id="rId10"/>
     <p:sldLayoutId id="2147483673" r:id="rId11"/>
   </p:sldLayoutIdLst>
-  <p:timing>
-    <p:tnLst>
-      <p:par>
-        <p:cTn id="1" dur="indefinite" restart="never" nodeType="tmRoot"/>
-      </p:par>
-    </p:tnLst>
-  </p:timing>
+  <p:transition/>
+  <p:timing/>
   <p:txStyles>
     <p:titleStyle>
       <a:lvl1pPr algn="ctr" rtl="0" eaLnBrk="0" fontAlgn="base" hangingPunct="0">
@@ -8972,7 +8884,7 @@
 </file>
 
 <file path=ppt/slideMasters/slideMaster2.xml><?xml version="1.0" encoding="utf-8"?>
-<p:sldMaster xmlns:a="http://schemas.openxmlformats.org/drawingml/2006/main" xmlns:r="http://schemas.openxmlformats.org/officeDocument/2006/relationships" xmlns:p="http://schemas.openxmlformats.org/presentationml/2006/main">
+<p:sldMaster xmlns:a="http://schemas.openxmlformats.org/drawingml/2006/main" xmlns:r="http://schemas.openxmlformats.org/officeDocument/2006/relationships" xmlns:p14="http://schemas.microsoft.com/office/powerpoint/2010/main" xmlns:p15="http://schemas.microsoft.com/office/powerpoint/2012/main" xmlns:p="http://schemas.openxmlformats.org/presentationml/2006/main">
   <p:cSld>
     <p:bg>
       <p:bgRef idx="1001">
@@ -8989,8 +8901,6 @@
         <a:xfrm>
           <a:off x="0" y="0"/>
           <a:ext cx="0" cy="0"/>
-          <a:chOff x="0" y="0"/>
-          <a:chExt cx="0" cy="0"/>
         </a:xfrm>
       </p:grpSpPr>
       <p:sp>
@@ -9015,8 +8925,6 @@
           <a:ln w="9525">
             <a:noFill/>
             <a:miter lim="800000"/>
-            <a:headEnd/>
-            <a:tailEnd/>
           </a:ln>
         </p:spPr>
         <p:txBody>
@@ -9057,8 +8965,6 @@
           <a:ln w="9525">
             <a:noFill/>
             <a:miter lim="800000"/>
-            <a:headEnd/>
-            <a:tailEnd/>
           </a:ln>
         </p:spPr>
         <p:txBody>
@@ -9159,7 +9065,7 @@
                 <a:solidFill>
                   <a:schemeClr val="tx1"/>
                 </a:solidFill>
-                <a:latin typeface="Arial" charset="0"/>
+                <a:latin typeface="Arial"/>
                 <a:ea typeface="+mn-ea"/>
                 <a:cs typeface="+mn-cs"/>
               </a:defRPr>
@@ -9175,7 +9081,7 @@
                 <a:solidFill>
                   <a:schemeClr val="tx1"/>
                 </a:solidFill>
-                <a:latin typeface="Arial" charset="0"/>
+                <a:latin typeface="Arial"/>
                 <a:ea typeface="+mn-ea"/>
                 <a:cs typeface="+mn-cs"/>
               </a:defRPr>
@@ -9191,7 +9097,7 @@
                 <a:solidFill>
                   <a:schemeClr val="tx1"/>
                 </a:solidFill>
-                <a:latin typeface="Arial" charset="0"/>
+                <a:latin typeface="Arial"/>
                 <a:ea typeface="+mn-ea"/>
                 <a:cs typeface="+mn-cs"/>
               </a:defRPr>
@@ -9207,7 +9113,7 @@
                 <a:solidFill>
                   <a:schemeClr val="tx1"/>
                 </a:solidFill>
-                <a:latin typeface="Arial" charset="0"/>
+                <a:latin typeface="Arial"/>
                 <a:ea typeface="+mn-ea"/>
                 <a:cs typeface="+mn-cs"/>
               </a:defRPr>
@@ -9217,7 +9123,7 @@
                 <a:solidFill>
                   <a:schemeClr val="tx1"/>
                 </a:solidFill>
-                <a:latin typeface="Arial" charset="0"/>
+                <a:latin typeface="Arial"/>
                 <a:ea typeface="+mn-ea"/>
                 <a:cs typeface="+mn-cs"/>
               </a:defRPr>
@@ -9227,7 +9133,7 @@
                 <a:solidFill>
                   <a:schemeClr val="tx1"/>
                 </a:solidFill>
-                <a:latin typeface="Arial" charset="0"/>
+                <a:latin typeface="Arial"/>
                 <a:ea typeface="+mn-ea"/>
                 <a:cs typeface="+mn-cs"/>
               </a:defRPr>
@@ -9237,7 +9143,7 @@
                 <a:solidFill>
                   <a:schemeClr val="tx1"/>
                 </a:solidFill>
-                <a:latin typeface="Arial" charset="0"/>
+                <a:latin typeface="Arial"/>
                 <a:ea typeface="+mn-ea"/>
                 <a:cs typeface="+mn-cs"/>
               </a:defRPr>
@@ -9254,7 +9160,6 @@
               </a:pPr>
               <a:t>10/12/2015</a:t>
             </a:fld>
-            <a:endParaRPr lang="en-US"/>
           </a:p>
         </p:txBody>
       </p:sp>
@@ -9312,7 +9217,7 @@
                 <a:solidFill>
                   <a:schemeClr val="tx1"/>
                 </a:solidFill>
-                <a:latin typeface="Arial" charset="0"/>
+                <a:latin typeface="Arial"/>
                 <a:ea typeface="+mn-ea"/>
                 <a:cs typeface="+mn-cs"/>
               </a:defRPr>
@@ -9328,7 +9233,7 @@
                 <a:solidFill>
                   <a:schemeClr val="tx1"/>
                 </a:solidFill>
-                <a:latin typeface="Arial" charset="0"/>
+                <a:latin typeface="Arial"/>
                 <a:ea typeface="+mn-ea"/>
                 <a:cs typeface="+mn-cs"/>
               </a:defRPr>
@@ -9344,7 +9249,7 @@
                 <a:solidFill>
                   <a:schemeClr val="tx1"/>
                 </a:solidFill>
-                <a:latin typeface="Arial" charset="0"/>
+                <a:latin typeface="Arial"/>
                 <a:ea typeface="+mn-ea"/>
                 <a:cs typeface="+mn-cs"/>
               </a:defRPr>
@@ -9360,7 +9265,7 @@
                 <a:solidFill>
                   <a:schemeClr val="tx1"/>
                 </a:solidFill>
-                <a:latin typeface="Arial" charset="0"/>
+                <a:latin typeface="Arial"/>
                 <a:ea typeface="+mn-ea"/>
                 <a:cs typeface="+mn-cs"/>
               </a:defRPr>
@@ -9370,7 +9275,7 @@
                 <a:solidFill>
                   <a:schemeClr val="tx1"/>
                 </a:solidFill>
-                <a:latin typeface="Arial" charset="0"/>
+                <a:latin typeface="Arial"/>
                 <a:ea typeface="+mn-ea"/>
                 <a:cs typeface="+mn-cs"/>
               </a:defRPr>
@@ -9380,7 +9285,7 @@
                 <a:solidFill>
                   <a:schemeClr val="tx1"/>
                 </a:solidFill>
-                <a:latin typeface="Arial" charset="0"/>
+                <a:latin typeface="Arial"/>
                 <a:ea typeface="+mn-ea"/>
                 <a:cs typeface="+mn-cs"/>
               </a:defRPr>
@@ -9390,7 +9295,7 @@
                 <a:solidFill>
                   <a:schemeClr val="tx1"/>
                 </a:solidFill>
-                <a:latin typeface="Arial" charset="0"/>
+                <a:latin typeface="Arial"/>
                 <a:ea typeface="+mn-ea"/>
                 <a:cs typeface="+mn-cs"/>
               </a:defRPr>
@@ -9458,7 +9363,7 @@
                 <a:solidFill>
                   <a:schemeClr val="tx1"/>
                 </a:solidFill>
-                <a:latin typeface="Arial" charset="0"/>
+                <a:latin typeface="Arial"/>
                 <a:ea typeface="+mn-ea"/>
                 <a:cs typeface="+mn-cs"/>
               </a:defRPr>
@@ -9474,7 +9379,7 @@
                 <a:solidFill>
                   <a:schemeClr val="tx1"/>
                 </a:solidFill>
-                <a:latin typeface="Arial" charset="0"/>
+                <a:latin typeface="Arial"/>
                 <a:ea typeface="+mn-ea"/>
                 <a:cs typeface="+mn-cs"/>
               </a:defRPr>
@@ -9490,7 +9395,7 @@
                 <a:solidFill>
                   <a:schemeClr val="tx1"/>
                 </a:solidFill>
-                <a:latin typeface="Arial" charset="0"/>
+                <a:latin typeface="Arial"/>
                 <a:ea typeface="+mn-ea"/>
                 <a:cs typeface="+mn-cs"/>
               </a:defRPr>
@@ -9506,7 +9411,7 @@
                 <a:solidFill>
                   <a:schemeClr val="tx1"/>
                 </a:solidFill>
-                <a:latin typeface="Arial" charset="0"/>
+                <a:latin typeface="Arial"/>
                 <a:ea typeface="+mn-ea"/>
                 <a:cs typeface="+mn-cs"/>
               </a:defRPr>
@@ -9516,7 +9421,7 @@
                 <a:solidFill>
                   <a:schemeClr val="tx1"/>
                 </a:solidFill>
-                <a:latin typeface="Arial" charset="0"/>
+                <a:latin typeface="Arial"/>
                 <a:ea typeface="+mn-ea"/>
                 <a:cs typeface="+mn-cs"/>
               </a:defRPr>
@@ -9526,7 +9431,7 @@
                 <a:solidFill>
                   <a:schemeClr val="tx1"/>
                 </a:solidFill>
-                <a:latin typeface="Arial" charset="0"/>
+                <a:latin typeface="Arial"/>
                 <a:ea typeface="+mn-ea"/>
                 <a:cs typeface="+mn-cs"/>
               </a:defRPr>
@@ -9536,7 +9441,7 @@
                 <a:solidFill>
                   <a:schemeClr val="tx1"/>
                 </a:solidFill>
-                <a:latin typeface="Arial" charset="0"/>
+                <a:latin typeface="Arial"/>
                 <a:ea typeface="+mn-ea"/>
                 <a:cs typeface="+mn-cs"/>
               </a:defRPr>
@@ -9553,7 +9458,6 @@
               </a:pPr>
               <a:t>‹#›</a:t>
             </a:fld>
-            <a:endParaRPr lang="en-US"/>
           </a:p>
         </p:txBody>
       </p:sp>
@@ -9573,13 +9477,8 @@
     <p:sldLayoutId id="2147483685" r:id="rId10"/>
     <p:sldLayoutId id="2147483684" r:id="rId11"/>
   </p:sldLayoutIdLst>
-  <p:timing>
-    <p:tnLst>
-      <p:par>
-        <p:cTn id="1" dur="indefinite" restart="never" nodeType="tmRoot"/>
-      </p:par>
-    </p:tnLst>
-  </p:timing>
+  <p:transition/>
+  <p:timing/>
   <p:txStyles>
     <p:titleStyle>
       <a:lvl1pPr algn="ctr" rtl="0" eaLnBrk="0" fontAlgn="base" hangingPunct="0">
@@ -9963,7 +9862,7 @@
 </file>
 
 <file path=ppt/slideMasters/slideMaster3.xml><?xml version="1.0" encoding="utf-8"?>
-<p:sldMaster xmlns:a="http://schemas.openxmlformats.org/drawingml/2006/main" xmlns:r="http://schemas.openxmlformats.org/officeDocument/2006/relationships" xmlns:p="http://schemas.openxmlformats.org/presentationml/2006/main">
+<p:sldMaster xmlns:a="http://schemas.openxmlformats.org/drawingml/2006/main" xmlns:r="http://schemas.openxmlformats.org/officeDocument/2006/relationships" xmlns:p14="http://schemas.microsoft.com/office/powerpoint/2010/main" xmlns:p15="http://schemas.microsoft.com/office/powerpoint/2012/main" xmlns:p="http://schemas.openxmlformats.org/presentationml/2006/main">
   <p:cSld>
     <p:bg>
       <p:bgRef idx="1001">
@@ -9980,8 +9879,6 @@
         <a:xfrm>
           <a:off x="0" y="0"/>
           <a:ext cx="0" cy="0"/>
-          <a:chOff x="0" y="0"/>
-          <a:chExt cx="0" cy="0"/>
         </a:xfrm>
       </p:grpSpPr>
       <p:sp>
@@ -10006,8 +9903,6 @@
           <a:ln w="9525">
             <a:noFill/>
             <a:miter lim="800000"/>
-            <a:headEnd/>
-            <a:tailEnd/>
           </a:ln>
         </p:spPr>
         <p:txBody>
@@ -10048,8 +9943,6 @@
           <a:ln w="9525">
             <a:noFill/>
             <a:miter lim="800000"/>
-            <a:headEnd/>
-            <a:tailEnd/>
           </a:ln>
         </p:spPr>
         <p:txBody>
@@ -10123,10 +10016,10 @@
             </a:defPPr>
             <a:lvl1pPr marL="0" algn="l" defTabSz="914400" rtl="0" eaLnBrk="1" fontAlgn="auto" latinLnBrk="0" hangingPunct="1">
               <a:spcBef>
-                <a:spcPts val="0"/>
+                <a:spcPct val="0"/>
               </a:spcBef>
               <a:spcAft>
-                <a:spcPts val="0"/>
+                <a:spcPct val="0"/>
               </a:spcAft>
               <a:defRPr sz="1200" kern="1200">
                 <a:solidFill>
@@ -10221,7 +10114,6 @@
               </a:pPr>
               <a:t>10/12/2015</a:t>
             </a:fld>
-            <a:endParaRPr lang="en-US"/>
           </a:p>
         </p:txBody>
       </p:sp>
@@ -10252,10 +10144,10 @@
             </a:defPPr>
             <a:lvl1pPr marL="0" algn="ctr" defTabSz="914400" rtl="0" eaLnBrk="1" fontAlgn="auto" latinLnBrk="0" hangingPunct="1">
               <a:spcBef>
-                <a:spcPts val="0"/>
+                <a:spcPct val="0"/>
               </a:spcBef>
               <a:spcAft>
-                <a:spcPts val="0"/>
+                <a:spcPct val="0"/>
               </a:spcAft>
               <a:defRPr sz="1200" kern="1200">
                 <a:solidFill>
@@ -10374,10 +10266,10 @@
             </a:defPPr>
             <a:lvl1pPr marL="0" algn="r" defTabSz="914400" rtl="0" eaLnBrk="1" fontAlgn="auto" latinLnBrk="0" hangingPunct="1">
               <a:spcBef>
-                <a:spcPts val="0"/>
+                <a:spcPct val="0"/>
               </a:spcBef>
               <a:spcAft>
-                <a:spcPts val="0"/>
+                <a:spcPct val="0"/>
               </a:spcAft>
               <a:defRPr sz="1200" kern="1200">
                 <a:solidFill>
@@ -10472,7 +10364,6 @@
               </a:pPr>
               <a:t>‹#›</a:t>
             </a:fld>
-            <a:endParaRPr lang="en-US"/>
           </a:p>
         </p:txBody>
       </p:sp>
@@ -10492,13 +10383,8 @@
     <p:sldLayoutId id="2147483696" r:id="rId10"/>
     <p:sldLayoutId id="2147483695" r:id="rId11"/>
   </p:sldLayoutIdLst>
-  <p:timing>
-    <p:tnLst>
-      <p:par>
-        <p:cTn id="1" dur="indefinite" restart="never" nodeType="tmRoot"/>
-      </p:par>
-    </p:tnLst>
-  </p:timing>
+  <p:transition/>
+  <p:timing/>
   <p:txStyles>
     <p:titleStyle>
       <a:lvl1pPr algn="ctr" rtl="0" eaLnBrk="0" fontAlgn="base" hangingPunct="0">
@@ -10882,7 +10768,7 @@
 </file>
 
 <file path=ppt/slides/slide1.xml><?xml version="1.0" encoding="utf-8"?>
-<p:sld xmlns:a="http://schemas.openxmlformats.org/drawingml/2006/main" xmlns:r="http://schemas.openxmlformats.org/officeDocument/2006/relationships" xmlns:p="http://schemas.openxmlformats.org/presentationml/2006/main">
+<p:sld xmlns:a="http://schemas.openxmlformats.org/drawingml/2006/main" xmlns:r="http://schemas.openxmlformats.org/officeDocument/2006/relationships" xmlns:p14="http://schemas.microsoft.com/office/powerpoint/2010/main" xmlns:p15="http://schemas.microsoft.com/office/powerpoint/2012/main" xmlns:p="http://schemas.openxmlformats.org/presentationml/2006/main">
   <p:cSld>
     <p:spTree>
       <p:nvGrpSpPr>
@@ -10894,311 +10780,21 @@
         <a:xfrm>
           <a:off x="0" y="0"/>
           <a:ext cx="0" cy="0"/>
-          <a:chOff x="0" y="0"/>
-          <a:chExt cx="0" cy="0"/>
         </a:xfrm>
       </p:grpSpPr>
-      <p:sp>
-        <p:nvSpPr>
-          <p:cNvPr id="37889" name="Title 1"/>
-          <p:cNvSpPr>
-            <a:spLocks noGrp="1"/>
-          </p:cNvSpPr>
-          <p:nvPr>
-            <p:ph type="ctrTitle"/>
-          </p:nvPr>
-        </p:nvSpPr>
-        <p:spPr>
-          <a:xfrm>
-            <a:off x="685800" y="3276600"/>
-            <a:ext cx="7772400" cy="1470025"/>
-          </a:xfrm>
-        </p:spPr>
-        <p:txBody>
-          <a:bodyPr/>
-          <a:lstStyle/>
-          <a:p>
-            <a:pPr eaLnBrk="1" hangingPunct="1"/>
-            <a:r>
-              <a:rPr lang="en-US" b="1" smtClean="0">
-                <a:solidFill>
-                  <a:srgbClr val="FF0000"/>
-                </a:solidFill>
-              </a:rPr>
-              <a:t>Aspose.Slides for Java</a:t>
-            </a:r>
-          </a:p>
-        </p:txBody>
-      </p:sp>
-      <p:sp>
-        <p:nvSpPr>
-          <p:cNvPr id="3" name="Subtitle 2"/>
-          <p:cNvSpPr>
-            <a:spLocks noGrp="1"/>
-          </p:cNvSpPr>
-          <p:nvPr>
-            <p:ph type="subTitle" idx="1"/>
-          </p:nvPr>
-        </p:nvSpPr>
-        <p:spPr>
-          <a:xfrm>
-            <a:off x="1371600" y="4648200"/>
-            <a:ext cx="6400800" cy="1752600"/>
-          </a:xfrm>
-        </p:spPr>
-        <p:txBody>
-          <a:bodyPr rtlCol="0">
-            <a:normAutofit/>
-          </a:bodyPr>
-          <a:lstStyle/>
-          <a:p>
-            <a:pPr eaLnBrk="1" fontAlgn="auto" hangingPunct="1">
-              <a:spcAft>
-                <a:spcPts val="0"/>
-              </a:spcAft>
-              <a:buFont typeface="Arial" pitchFamily="34" charset="0"/>
-              <a:buNone/>
-              <a:defRPr/>
-            </a:pPr>
-            <a:r>
-              <a:rPr lang="en-US" smtClean="0"/>
-              <a:t>Sample Text</a:t>
-            </a:r>
-          </a:p>
-          <a:p>
-            <a:pPr eaLnBrk="1" fontAlgn="auto" hangingPunct="1">
-              <a:spcAft>
-                <a:spcPts val="0"/>
-              </a:spcAft>
-              <a:buFont typeface="Arial" pitchFamily="34" charset="0"/>
-              <a:buNone/>
-              <a:defRPr/>
-            </a:pPr>
-            <a:endParaRPr lang="en-US"/>
-          </a:p>
-        </p:txBody>
-      </p:sp>
-      <p:graphicFrame>
-        <p:nvGraphicFramePr>
-          <p:cNvPr id="4" name="Table 3"/>
-          <p:cNvGraphicFramePr>
-            <a:graphicFrameLocks noGrp="1"/>
-          </p:cNvGraphicFramePr>
-          <p:nvPr/>
-        </p:nvGraphicFramePr>
-        <p:xfrm>
-          <a:off x="1524000" y="1397000"/>
-          <a:ext cx="6096000" cy="1482725"/>
-        </p:xfrm>
-        <a:graphic>
-          <a:graphicData uri="http://schemas.openxmlformats.org/drawingml/2006/table">
-            <a:tbl>
-              <a:tblPr firstRow="1" bandRow="1">
-                <a:tableStyleId>{5C22544A-7EE6-4342-B048-85BDC9FD1C3A}</a:tableStyleId>
-              </a:tblPr>
-              <a:tblGrid>
-                <a:gridCol w="2032000"/>
-                <a:gridCol w="2032000"/>
-                <a:gridCol w="2032000"/>
-              </a:tblGrid>
-              <a:tr h="370840">
-                <a:tc>
-                  <a:txBody>
-                    <a:bodyPr/>
-                    <a:lstStyle/>
-                    <a:p>
-                      <a:r>
-                        <a:rPr lang="en-US" smtClean="0"/>
-                        <a:t>OrderID</a:t>
-                      </a:r>
-                      <a:endParaRPr lang="en-US"/>
-                    </a:p>
-                  </a:txBody>
-                  <a:tcPr/>
-                </a:tc>
-                <a:tc>
-                  <a:txBody>
-                    <a:bodyPr/>
-                    <a:lstStyle/>
-                    <a:p>
-                      <a:r>
-                        <a:rPr lang="en-US" smtClean="0"/>
-                        <a:t>Product</a:t>
-                      </a:r>
-                      <a:endParaRPr lang="en-US"/>
-                    </a:p>
-                  </a:txBody>
-                  <a:tcPr/>
-                </a:tc>
-                <a:tc>
-                  <a:txBody>
-                    <a:bodyPr/>
-                    <a:lstStyle/>
-                    <a:p>
-                      <a:r>
-                        <a:rPr lang="en-US" smtClean="0"/>
-                        <a:t>Price</a:t>
-                      </a:r>
-                      <a:endParaRPr lang="en-US"/>
-                    </a:p>
-                  </a:txBody>
-                  <a:tcPr/>
-                </a:tc>
-              </a:tr>
-              <a:tr h="370840">
-                <a:tc>
-                  <a:txBody>
-                    <a:bodyPr/>
-                    <a:lstStyle/>
-                    <a:p>
-                      <a:r>
-                        <a:rPr lang="en-US" smtClean="0"/>
-                        <a:t>1</a:t>
-                      </a:r>
-                      <a:endParaRPr lang="en-US"/>
-                    </a:p>
-                  </a:txBody>
-                  <a:tcPr/>
-                </a:tc>
-                <a:tc>
-                  <a:txBody>
-                    <a:bodyPr/>
-                    <a:lstStyle/>
-                    <a:p>
-                      <a:r>
-                        <a:rPr lang="en-US" smtClean="0"/>
-                        <a:t>ABC</a:t>
-                      </a:r>
-                      <a:endParaRPr lang="en-US"/>
-                    </a:p>
-                  </a:txBody>
-                  <a:tcPr/>
-                </a:tc>
-                <a:tc>
-                  <a:txBody>
-                    <a:bodyPr/>
-                    <a:lstStyle/>
-                    <a:p>
-                      <a:r>
-                        <a:rPr lang="en-US" smtClean="0"/>
-                        <a:t>300</a:t>
-                      </a:r>
-                      <a:endParaRPr lang="en-US"/>
-                    </a:p>
-                  </a:txBody>
-                  <a:tcPr/>
-                </a:tc>
-              </a:tr>
-              <a:tr h="370840">
-                <a:tc>
-                  <a:txBody>
-                    <a:bodyPr/>
-                    <a:lstStyle/>
-                    <a:p>
-                      <a:r>
-                        <a:rPr lang="en-US" smtClean="0"/>
-                        <a:t>2</a:t>
-                      </a:r>
-                      <a:endParaRPr lang="en-US"/>
-                    </a:p>
-                  </a:txBody>
-                  <a:tcPr/>
-                </a:tc>
-                <a:tc>
-                  <a:txBody>
-                    <a:bodyPr/>
-                    <a:lstStyle/>
-                    <a:p>
-                      <a:r>
-                        <a:rPr lang="en-US" smtClean="0"/>
-                        <a:t>XYZ</a:t>
-                      </a:r>
-                      <a:endParaRPr lang="en-US"/>
-                    </a:p>
-                  </a:txBody>
-                  <a:tcPr/>
-                </a:tc>
-                <a:tc>
-                  <a:txBody>
-                    <a:bodyPr/>
-                    <a:lstStyle/>
-                    <a:p>
-                      <a:r>
-                        <a:rPr lang="en-US" smtClean="0"/>
-                        <a:t>550</a:t>
-                      </a:r>
-                      <a:endParaRPr lang="en-US"/>
-                    </a:p>
-                  </a:txBody>
-                  <a:tcPr/>
-                </a:tc>
-              </a:tr>
-              <a:tr h="370840">
-                <a:tc>
-                  <a:txBody>
-                    <a:bodyPr/>
-                    <a:lstStyle/>
-                    <a:p>
-                      <a:r>
-                        <a:rPr lang="en-US" smtClean="0"/>
-                        <a:t>3</a:t>
-                      </a:r>
-                      <a:endParaRPr lang="en-US"/>
-                    </a:p>
-                  </a:txBody>
-                  <a:tcPr/>
-                </a:tc>
-                <a:tc>
-                  <a:txBody>
-                    <a:bodyPr/>
-                    <a:lstStyle/>
-                    <a:p>
-                      <a:r>
-                        <a:rPr lang="en-US" smtClean="0"/>
-                        <a:t>PQR</a:t>
-                      </a:r>
-                      <a:endParaRPr lang="en-US"/>
-                    </a:p>
-                  </a:txBody>
-                  <a:tcPr/>
-                </a:tc>
-                <a:tc>
-                  <a:txBody>
-                    <a:bodyPr/>
-                    <a:lstStyle/>
-                    <a:p>
-                      <a:r>
-                        <a:rPr lang="en-US" smtClean="0"/>
-                        <a:t>875</a:t>
-                      </a:r>
-                      <a:endParaRPr lang="en-US"/>
-                    </a:p>
-                  </a:txBody>
-                  <a:tcPr/>
-                </a:tc>
-              </a:tr>
-            </a:tbl>
-          </a:graphicData>
-        </a:graphic>
-      </p:graphicFrame>
     </p:spTree>
   </p:cSld>
   <p:clrMapOvr>
     <a:masterClrMapping/>
   </p:clrMapOvr>
-  <p:timing>
-    <p:tnLst>
-      <p:par>
-        <p:cTn id="1" dur="indefinite" restart="never" nodeType="tmRoot"/>
-      </p:par>
-    </p:tnLst>
-  </p:timing>
+  <p:transition/>
+  <p:timing/>
 </p:sld>
 </file>
 
 <file path=ppt/slides/slide2.xml><?xml version="1.0" encoding="utf-8"?>
-<p:sld xmlns:a="http://schemas.openxmlformats.org/drawingml/2006/main" xmlns:r="http://schemas.openxmlformats.org/officeDocument/2006/relationships" xmlns:p="http://schemas.openxmlformats.org/presentationml/2006/main">
-  <p:cSld>
+<p:sld xmlns:a="http://schemas.openxmlformats.org/drawingml/2006/main" xmlns:r="http://schemas.openxmlformats.org/officeDocument/2006/relationships" xmlns:p14="http://schemas.microsoft.com/office/powerpoint/2010/main" xmlns:p15="http://schemas.microsoft.com/office/powerpoint/2012/main" xmlns:p="http://schemas.openxmlformats.org/presentationml/2006/main">
+  <p:cSld name="">
     <p:spTree>
       <p:nvGrpSpPr>
         <p:cNvPr id="1" name=""/>
@@ -11209,578 +10805,30 @@
         <a:xfrm>
           <a:off x="0" y="0"/>
           <a:ext cx="0" cy="0"/>
-          <a:chOff x="0" y="0"/>
-          <a:chExt cx="0" cy="0"/>
         </a:xfrm>
       </p:grpSpPr>
-      <p:sp>
-        <p:nvSpPr>
-          <p:cNvPr id="38913" name="Title 1"/>
-          <p:cNvSpPr>
-            <a:spLocks noGrp="1"/>
-          </p:cNvSpPr>
-          <p:nvPr>
-            <p:ph type="ctrTitle" idx="4294967295"/>
-          </p:nvPr>
-        </p:nvSpPr>
-        <p:spPr>
-          <a:xfrm>
-            <a:off x="685800" y="2130425"/>
-            <a:ext cx="7772400" cy="1470025"/>
-          </a:xfrm>
-        </p:spPr>
-        <p:txBody>
-          <a:bodyPr/>
-          <a:lstStyle/>
-          <a:p>
-            <a:pPr eaLnBrk="1" hangingPunct="1"/>
-            <a:r>
-              <a:rPr lang="en-US" smtClean="0"/>
-              <a:t>Aspose Sample 2</a:t>
-            </a:r>
-          </a:p>
-        </p:txBody>
-      </p:sp>
-      <p:sp>
-        <p:nvSpPr>
-          <p:cNvPr id="38914" name="Subtitle 2"/>
-          <p:cNvSpPr>
-            <a:spLocks noGrp="1"/>
-          </p:cNvSpPr>
-          <p:nvPr>
-            <p:ph type="subTitle" idx="4294967295"/>
-          </p:nvPr>
-        </p:nvSpPr>
-        <p:spPr>
-          <a:xfrm>
-            <a:off x="1371600" y="3886200"/>
-            <a:ext cx="6400800" cy="1752600"/>
-          </a:xfrm>
-        </p:spPr>
-        <p:txBody>
-          <a:bodyPr/>
-          <a:lstStyle/>
-          <a:p>
-            <a:pPr marL="0" indent="0" algn="ctr" eaLnBrk="1" hangingPunct="1">
-              <a:buFont typeface="Arial" charset="0"/>
-              <a:buNone/>
-            </a:pPr>
-            <a:r>
-              <a:rPr lang="en-US" smtClean="0">
-                <a:solidFill>
-                  <a:srgbClr val="898989"/>
-                </a:solidFill>
-              </a:rPr>
-              <a:t>Aspose.Slides 2</a:t>
-            </a:r>
-          </a:p>
-          <a:p>
-            <a:pPr marL="0" indent="0" algn="ctr" eaLnBrk="1" hangingPunct="1">
-              <a:buFont typeface="Arial" charset="0"/>
-              <a:buNone/>
-            </a:pPr>
-            <a:r>
-              <a:rPr lang="en-US" smtClean="0">
-                <a:solidFill>
-                  <a:srgbClr val="898989"/>
-                </a:solidFill>
-              </a:rPr>
-              <a:t>Sample text 1</a:t>
-            </a:r>
-          </a:p>
-          <a:p>
-            <a:pPr marL="0" indent="0" algn="ctr" eaLnBrk="1" hangingPunct="1">
-              <a:buFont typeface="Arial" charset="0"/>
-              <a:buNone/>
-            </a:pPr>
-            <a:r>
-              <a:rPr lang="en-US" smtClean="0">
-                <a:solidFill>
-                  <a:srgbClr val="898989"/>
-                </a:solidFill>
-              </a:rPr>
-              <a:t>Sample text 2</a:t>
-            </a:r>
-          </a:p>
-          <a:p>
-            <a:pPr marL="0" indent="0" algn="ctr" eaLnBrk="1" hangingPunct="1">
-              <a:buFont typeface="Arial" charset="0"/>
-              <a:buNone/>
-            </a:pPr>
-            <a:endParaRPr lang="en-US" smtClean="0">
-              <a:solidFill>
-                <a:srgbClr val="898989"/>
-              </a:solidFill>
-            </a:endParaRPr>
-          </a:p>
-        </p:txBody>
-      </p:sp>
-      <p:sp>
-        <p:nvSpPr>
-          <p:cNvPr id="4" name="Rectangle 3" descr="Shape1"/>
-          <p:cNvSpPr/>
-          <p:nvPr/>
-        </p:nvSpPr>
-        <p:spPr>
-          <a:xfrm>
-            <a:off x="2057400" y="762000"/>
-            <a:ext cx="1524000" cy="990600"/>
-          </a:xfrm>
-          <a:prstGeom prst="rect">
-            <a:avLst/>
-          </a:prstGeom>
-          <a:ln w="25400" cap="flat" algn="ctr">
-            <a:prstDash val="solid"/>
-          </a:ln>
-        </p:spPr>
-        <p:style>
-          <a:lnRef idx="2">
-            <a:schemeClr val="accent1">
-              <a:shade val="50000"/>
-            </a:schemeClr>
-          </a:lnRef>
-          <a:fillRef idx="1">
-            <a:schemeClr val="accent1"/>
-          </a:fillRef>
-          <a:effectRef idx="0">
-            <a:schemeClr val="accent1"/>
-          </a:effectRef>
-          <a:fontRef idx="minor">
-            <a:schemeClr val="lt1"/>
-          </a:fontRef>
-        </p:style>
-        <p:txBody>
-          <a:bodyPr anchor="ctr"/>
-          <a:lstStyle>
-            <a:defPPr>
-              <a:defRPr lang="en-US"/>
-            </a:defPPr>
-            <a:lvl1pPr marL="0" marR="0" indent="0" algn="l" defTabSz="914400" rtl="0" eaLnBrk="0" fontAlgn="base" latinLnBrk="0" hangingPunct="1">
-              <a:lnSpc>
-                <a:spcPct val="100000"/>
-              </a:lnSpc>
-              <a:spcBef>
-                <a:spcPct val="0"/>
-              </a:spcBef>
-              <a:spcAft>
-                <a:spcPct val="0"/>
-              </a:spcAft>
-              <a:buClrTx/>
-              <a:buSzTx/>
-              <a:buFontTx/>
-              <a:buNone/>
-              <a:defRPr kumimoji="0" sz="1800" b="0" i="0" u="none" strike="noStrike" kern="1200" cap="none" spc="0" normalizeH="0" baseline="0" noProof="0">
-                <a:solidFill>
-                  <a:srgbClr val="FFFFFF"/>
-                </a:solidFill>
-                <a:uLnTx/>
-                <a:uFillTx/>
-                <a:latin typeface="Calibri"/>
-                <a:ea typeface=""/>
-                <a:cs typeface="+mn-cs"/>
-                <a:sym typeface="Wingdings"/>
-              </a:defRPr>
-            </a:lvl1pPr>
-            <a:lvl2pPr marL="457200" marR="0" indent="0" algn="l" defTabSz="914400" rtl="0" eaLnBrk="0" fontAlgn="base" latinLnBrk="0" hangingPunct="1">
-              <a:lnSpc>
-                <a:spcPct val="100000"/>
-              </a:lnSpc>
-              <a:spcBef>
-                <a:spcPct val="0"/>
-              </a:spcBef>
-              <a:spcAft>
-                <a:spcPct val="0"/>
-              </a:spcAft>
-              <a:buClrTx/>
-              <a:buSzTx/>
-              <a:buFontTx/>
-              <a:buNone/>
-              <a:defRPr kumimoji="0" sz="1800" b="0" i="0" u="none" strike="noStrike" kern="1200" cap="none" spc="0" normalizeH="0" baseline="0" noProof="0">
-                <a:solidFill>
-                  <a:srgbClr val="FFFFFF"/>
-                </a:solidFill>
-                <a:uLnTx/>
-                <a:uFillTx/>
-                <a:latin typeface="Calibri"/>
-                <a:ea typeface=""/>
-                <a:cs typeface="+mn-cs"/>
-                <a:sym typeface="Wingdings"/>
-              </a:defRPr>
-            </a:lvl2pPr>
-            <a:lvl3pPr marL="914400" marR="0" indent="0" algn="l" defTabSz="914400" rtl="0" eaLnBrk="0" fontAlgn="base" latinLnBrk="0" hangingPunct="1">
-              <a:lnSpc>
-                <a:spcPct val="100000"/>
-              </a:lnSpc>
-              <a:spcBef>
-                <a:spcPct val="0"/>
-              </a:spcBef>
-              <a:spcAft>
-                <a:spcPct val="0"/>
-              </a:spcAft>
-              <a:buClrTx/>
-              <a:buSzTx/>
-              <a:buFontTx/>
-              <a:buNone/>
-              <a:defRPr kumimoji="0" sz="1800" b="0" i="0" u="none" strike="noStrike" kern="1200" cap="none" spc="0" normalizeH="0" baseline="0" noProof="0">
-                <a:solidFill>
-                  <a:srgbClr val="FFFFFF"/>
-                </a:solidFill>
-                <a:uLnTx/>
-                <a:uFillTx/>
-                <a:latin typeface="Calibri"/>
-                <a:ea typeface=""/>
-                <a:cs typeface="+mn-cs"/>
-                <a:sym typeface="Wingdings"/>
-              </a:defRPr>
-            </a:lvl3pPr>
-            <a:lvl4pPr marL="1371600" marR="0" indent="0" algn="l" defTabSz="914400" rtl="0" eaLnBrk="0" fontAlgn="base" latinLnBrk="0" hangingPunct="1">
-              <a:lnSpc>
-                <a:spcPct val="100000"/>
-              </a:lnSpc>
-              <a:spcBef>
-                <a:spcPct val="0"/>
-              </a:spcBef>
-              <a:spcAft>
-                <a:spcPct val="0"/>
-              </a:spcAft>
-              <a:buClrTx/>
-              <a:buSzTx/>
-              <a:buFontTx/>
-              <a:buNone/>
-              <a:defRPr kumimoji="0" sz="1800" b="0" i="0" u="none" strike="noStrike" kern="1200" cap="none" spc="0" normalizeH="0" baseline="0" noProof="0">
-                <a:solidFill>
-                  <a:srgbClr val="FFFFFF"/>
-                </a:solidFill>
-                <a:uLnTx/>
-                <a:uFillTx/>
-                <a:latin typeface="Calibri"/>
-                <a:ea typeface=""/>
-                <a:cs typeface="+mn-cs"/>
-                <a:sym typeface="Wingdings"/>
-              </a:defRPr>
-            </a:lvl4pPr>
-            <a:lvl5pPr marL="1828800" marR="0" indent="0" algn="l" defTabSz="914400" rtl="0" eaLnBrk="0" fontAlgn="base" latinLnBrk="0" hangingPunct="1">
-              <a:lnSpc>
-                <a:spcPct val="100000"/>
-              </a:lnSpc>
-              <a:spcBef>
-                <a:spcPct val="0"/>
-              </a:spcBef>
-              <a:spcAft>
-                <a:spcPct val="0"/>
-              </a:spcAft>
-              <a:buClrTx/>
-              <a:buSzTx/>
-              <a:buFontTx/>
-              <a:buNone/>
-              <a:defRPr kumimoji="0" sz="1800" b="0" i="0" u="none" strike="noStrike" kern="1200" cap="none" spc="0" normalizeH="0" baseline="0" noProof="0">
-                <a:solidFill>
-                  <a:srgbClr val="FFFFFF"/>
-                </a:solidFill>
-                <a:uLnTx/>
-                <a:uFillTx/>
-                <a:latin typeface="Calibri"/>
-                <a:ea typeface=""/>
-                <a:cs typeface="+mn-cs"/>
-                <a:sym typeface="Wingdings"/>
-              </a:defRPr>
-            </a:lvl5pPr>
-            <a:lvl6pPr marL="2286000" marR="0" indent="0" algn="l" defTabSz="914400" rtl="0" eaLnBrk="1" fontAlgn="auto" latinLnBrk="0" hangingPunct="1">
-              <a:lnSpc>
-                <a:spcPct val="100000"/>
-              </a:lnSpc>
-              <a:spcBef>
-                <a:spcPct val="0"/>
-              </a:spcBef>
-              <a:spcAft>
-                <a:spcPct val="0"/>
-              </a:spcAft>
-              <a:buClrTx/>
-              <a:buSzTx/>
-              <a:buFontTx/>
-              <a:buNone/>
-              <a:defRPr kumimoji="0" sz="1800" b="0" i="0" u="none" strike="noStrike" kern="1200" cap="none" spc="0" normalizeH="0" baseline="0" noProof="0">
-                <a:solidFill>
-                  <a:srgbClr val="FFFFFF"/>
-                </a:solidFill>
-                <a:uLnTx/>
-                <a:uFillTx/>
-                <a:latin typeface="Calibri"/>
-                <a:ea typeface=""/>
-                <a:cs typeface="+mn-cs"/>
-                <a:sym typeface="Wingdings"/>
-              </a:defRPr>
-            </a:lvl6pPr>
-            <a:lvl7pPr marL="2743200" marR="0" indent="0" algn="l" defTabSz="914400" rtl="0" eaLnBrk="1" fontAlgn="auto" latinLnBrk="0" hangingPunct="1">
-              <a:lnSpc>
-                <a:spcPct val="100000"/>
-              </a:lnSpc>
-              <a:spcBef>
-                <a:spcPct val="0"/>
-              </a:spcBef>
-              <a:spcAft>
-                <a:spcPct val="0"/>
-              </a:spcAft>
-              <a:buClrTx/>
-              <a:buSzTx/>
-              <a:buFontTx/>
-              <a:buNone/>
-              <a:defRPr kumimoji="0" sz="1800" b="0" i="0" u="none" strike="noStrike" kern="1200" cap="none" spc="0" normalizeH="0" baseline="0" noProof="0">
-                <a:solidFill>
-                  <a:srgbClr val="FFFFFF"/>
-                </a:solidFill>
-                <a:uLnTx/>
-                <a:uFillTx/>
-                <a:latin typeface="Calibri"/>
-                <a:ea typeface=""/>
-                <a:cs typeface="+mn-cs"/>
-                <a:sym typeface="Wingdings"/>
-              </a:defRPr>
-            </a:lvl7pPr>
-            <a:lvl8pPr marL="3200400" marR="0" indent="0" algn="l" defTabSz="914400" rtl="0" eaLnBrk="1" fontAlgn="auto" latinLnBrk="0" hangingPunct="1">
-              <a:lnSpc>
-                <a:spcPct val="100000"/>
-              </a:lnSpc>
-              <a:spcBef>
-                <a:spcPct val="0"/>
-              </a:spcBef>
-              <a:spcAft>
-                <a:spcPct val="0"/>
-              </a:spcAft>
-              <a:buClrTx/>
-              <a:buSzTx/>
-              <a:buFontTx/>
-              <a:buNone/>
-              <a:defRPr kumimoji="0" sz="1800" b="0" i="0" u="none" strike="noStrike" kern="1200" cap="none" spc="0" normalizeH="0" baseline="0" noProof="0">
-                <a:solidFill>
-                  <a:srgbClr val="FFFFFF"/>
-                </a:solidFill>
-                <a:uLnTx/>
-                <a:uFillTx/>
-                <a:latin typeface="Calibri"/>
-                <a:ea typeface=""/>
-                <a:cs typeface="+mn-cs"/>
-                <a:sym typeface="Wingdings"/>
-              </a:defRPr>
-            </a:lvl8pPr>
-            <a:lvl9pPr marL="3657600" marR="0" indent="0" algn="l" defTabSz="914400" rtl="0" eaLnBrk="1" fontAlgn="auto" latinLnBrk="0" hangingPunct="1">
-              <a:lnSpc>
-                <a:spcPct val="100000"/>
-              </a:lnSpc>
-              <a:spcBef>
-                <a:spcPct val="0"/>
-              </a:spcBef>
-              <a:spcAft>
-                <a:spcPct val="0"/>
-              </a:spcAft>
-              <a:buClrTx/>
-              <a:buSzTx/>
-              <a:buFontTx/>
-              <a:buNone/>
-              <a:defRPr kumimoji="0" sz="1800" b="0" i="0" u="none" strike="noStrike" kern="1200" cap="none" spc="0" normalizeH="0" baseline="0" noProof="0">
-                <a:solidFill>
-                  <a:srgbClr val="FFFFFF"/>
-                </a:solidFill>
-                <a:uLnTx/>
-                <a:uFillTx/>
-                <a:latin typeface="Calibri"/>
-                <a:ea typeface=""/>
-                <a:cs typeface="+mn-cs"/>
-                <a:sym typeface="Wingdings"/>
-              </a:defRPr>
-            </a:lvl9pPr>
-          </a:lstStyle>
-          <a:p>
-            <a:pPr algn="ctr" fontAlgn="auto">
-              <a:defRPr/>
-            </a:pPr>
-            <a:endParaRPr lang="en-US"/>
-          </a:p>
-        </p:txBody>
-      </p:sp>
-      <p:cxnSp>
-        <p:nvCxnSpPr>
-          <p:cNvPr id="6" name="Elbow Connector 5"/>
-          <p:cNvCxnSpPr/>
-          <p:nvPr/>
-        </p:nvCxnSpPr>
-        <p:spPr>
-          <a:xfrm>
-            <a:off x="3810000" y="1219200"/>
-            <a:ext cx="1447800" cy="1066800"/>
-          </a:xfrm>
-          <a:prstGeom prst="bentConnector3">
-            <a:avLst>
-              <a:gd name="adj1" fmla="val 50000"/>
-            </a:avLst>
-          </a:prstGeom>
-          <a:ln w="9525" cap="flat" algn="ctr">
-            <a:solidFill>
-              <a:srgbClr val="FF0000"/>
-            </a:solidFill>
-            <a:prstDash val="solid"/>
-            <a:tailEnd type="arrow"/>
-          </a:ln>
-          <a:effectLst>
-            <a:reflection blurRad="6350" stA="50000" endA="300" endPos="55000" dir="5400000" sy="-100000" algn="bl" rotWithShape="0"/>
-          </a:effectLst>
-        </p:spPr>
-        <p:style>
-          <a:lnRef idx="1">
-            <a:schemeClr val="accent1"/>
-          </a:lnRef>
-          <a:fillRef idx="0">
-            <a:schemeClr val="accent1"/>
-          </a:fillRef>
-          <a:effectRef idx="0">
-            <a:schemeClr val="accent1"/>
-          </a:effectRef>
-          <a:fontRef idx="minor">
-            <a:schemeClr val="tx1"/>
-          </a:fontRef>
-        </p:style>
-      </p:cxnSp>
     </p:spTree>
   </p:cSld>
   <p:clrMapOvr>
     <a:masterClrMapping/>
   </p:clrMapOvr>
-  <p:timing>
-    <p:tnLst>
-      <p:par>
-        <p:cTn id="1" dur="indefinite" restart="never" nodeType="tmRoot"/>
-      </p:par>
-    </p:tnLst>
-  </p:timing>
-</p:sld>
-</file>
-
-<file path=ppt/slides/slide3.xml><?xml version="1.0" encoding="utf-8"?>
-<p:sld xmlns:a="http://schemas.openxmlformats.org/drawingml/2006/main" xmlns:r="http://schemas.openxmlformats.org/officeDocument/2006/relationships" xmlns:p="http://schemas.openxmlformats.org/presentationml/2006/main">
-  <p:cSld>
-    <p:spTree>
-      <p:nvGrpSpPr>
-        <p:cNvPr id="1" name=""/>
-        <p:cNvGrpSpPr/>
-        <p:nvPr/>
-      </p:nvGrpSpPr>
-      <p:grpSpPr>
-        <a:xfrm>
-          <a:off x="0" y="0"/>
-          <a:ext cx="0" cy="0"/>
-          <a:chOff x="0" y="0"/>
-          <a:chExt cx="0" cy="0"/>
-        </a:xfrm>
-      </p:grpSpPr>
-      <p:sp>
-        <p:nvSpPr>
-          <p:cNvPr id="39937" name="Title 1"/>
-          <p:cNvSpPr>
-            <a:spLocks noGrp="1"/>
-          </p:cNvSpPr>
-          <p:nvPr>
-            <p:ph type="ctrTitle"/>
-          </p:nvPr>
-        </p:nvSpPr>
-        <p:spPr/>
-        <p:txBody>
-          <a:bodyPr/>
-          <a:lstStyle/>
-          <a:p>
-            <a:pPr eaLnBrk="1" hangingPunct="1"/>
-            <a:r>
-              <a:rPr lang="en-US" smtClean="0"/>
-              <a:t>Aspose.Slides for Java</a:t>
-            </a:r>
-          </a:p>
-        </p:txBody>
-      </p:sp>
-      <p:sp>
-        <p:nvSpPr>
-          <p:cNvPr id="39938" name="Subtitle 2"/>
-          <p:cNvSpPr>
-            <a:spLocks noGrp="1"/>
-          </p:cNvSpPr>
-          <p:nvPr>
-            <p:ph type="subTitle" idx="1"/>
-          </p:nvPr>
-        </p:nvSpPr>
-        <p:spPr/>
-        <p:txBody>
-          <a:bodyPr/>
-          <a:lstStyle/>
-          <a:p>
-            <a:pPr eaLnBrk="1" hangingPunct="1"/>
-            <a:r>
-              <a:rPr lang="en-US" b="1" smtClean="0">
-                <a:solidFill>
-                  <a:srgbClr val="FF0000"/>
-                </a:solidFill>
-              </a:rPr>
-              <a:t>Test File</a:t>
-            </a:r>
-          </a:p>
-        </p:txBody>
-      </p:sp>
-      <p:pic>
-        <p:nvPicPr>
-          <p:cNvPr id="39939" name="Picture 3" descr="aspose-logo.jpg"/>
-          <p:cNvPicPr>
-            <a:picLocks noChangeAspect="1"/>
-          </p:cNvPicPr>
-          <p:nvPr/>
-        </p:nvPicPr>
-        <p:blipFill>
-          <a:blip r:embed="rId2"/>
-          <a:srcRect/>
-          <a:stretch>
-            <a:fillRect/>
-          </a:stretch>
-        </p:blipFill>
-        <p:spPr bwMode="auto">
-          <a:xfrm>
-            <a:off x="3643313" y="3167063"/>
-            <a:ext cx="1857375" cy="523875"/>
-          </a:xfrm>
-          <a:prstGeom prst="rect">
-            <a:avLst/>
-          </a:prstGeom>
-          <a:noFill/>
-          <a:ln w="9525">
-            <a:noFill/>
-            <a:miter lim="800000"/>
-            <a:headEnd/>
-            <a:tailEnd/>
-          </a:ln>
-        </p:spPr>
-      </p:pic>
-    </p:spTree>
-  </p:cSld>
-  <p:clrMapOvr>
-    <a:masterClrMapping/>
-  </p:clrMapOvr>
-  <p:timing>
-    <p:tnLst>
-      <p:par>
-        <p:cTn id="1" dur="indefinite" restart="never" nodeType="tmRoot"/>
-      </p:par>
-    </p:tnLst>
-  </p:timing>
+  <p:transition/>
+  <p:timing/>
 </p:sld>
 </file>
 
 <file path=ppt/tags/tag1.xml><?xml version="1.0" encoding="utf-8"?>
-<p:tagLst xmlns:a="http://schemas.openxmlformats.org/drawingml/2006/main" xmlns:r="http://schemas.openxmlformats.org/officeDocument/2006/relationships" xmlns:p="http://schemas.openxmlformats.org/presentationml/2006/main">
-  <p:tag name="AS_NET" val="4.0.30319.18408"/>
+<p:tagLst xmlns:p="http://schemas.openxmlformats.org/presentationml/2006/main">
+  <p:tag name="AS_NET" val="4.0.30319.36366"/>
   <p:tag name="AS_OS" val="Microsoft Windows NT 6.2.9200.0"/>
-  <p:tag name="AS_RELEASE_DATE" val="2014.05.30"/>
-  <p:tag name="AS_TITLE" val="Aspose.Slides for .NET 2.0"/>
-  <p:tag name="AS_VERSION" val="8.4.2.0"/>
+  <p:tag name="AS_RELEASE_DATE" val="2016.08.03"/>
+  <p:tag name="AS_TITLE" val="Aspose.Slides for .NET 4.0"/>
+  <p:tag name="AS_VERSION" val="16.7.0.0"/>
 </p:tagLst>
 </file>
 
 <file path=ppt/theme/theme1.xml><?xml version="1.0" encoding="utf-8"?>
-<a:theme xmlns:a="http://schemas.openxmlformats.org/drawingml/2006/main" name="Office Theme">
+<a:theme xmlns:r="http://schemas.openxmlformats.org/officeDocument/2006/relationships" xmlns:a="http://schemas.openxmlformats.org/drawingml/2006/main" name="Office Theme">
   <a:themeElements>
     <a:clrScheme name="Office">
       <a:dk1>
@@ -11823,8 +10871,8 @@
     <a:fontScheme name="Office">
       <a:majorFont>
         <a:latin typeface="Calibri"/>
-        <a:ea typeface=""/>
-        <a:cs typeface=""/>
+        <a:ea typeface="Arial"/>
+        <a:cs typeface="Arial"/>
         <a:font script="Uigh" typeface="Microsoft Uighur"/>
         <a:font script="Beng" typeface="Vrinda"/>
         <a:font script="Thai" typeface="Angsana New"/>
@@ -11857,8 +10905,8 @@
       </a:majorFont>
       <a:minorFont>
         <a:latin typeface="Calibri"/>
-        <a:ea typeface=""/>
-        <a:cs typeface=""/>
+        <a:ea typeface="Arial"/>
+        <a:cs typeface="Arial"/>
         <a:font script="Uigh" typeface="Microsoft Uighur"/>
         <a:font script="Beng" typeface="Vrinda"/>
         <a:font script="Thai" typeface="Cordia New"/>
@@ -11917,7 +10965,6 @@
             </a:gs>
           </a:gsLst>
           <a:lin ang="16200000" scaled="1"/>
-          <a:tileRect/>
         </a:gradFill>
         <a:gradFill rotWithShape="1">
           <a:gsLst>
@@ -11941,7 +10988,6 @@
             </a:gs>
           </a:gsLst>
           <a:lin ang="16200000" scaled="0"/>
-          <a:tileRect/>
         </a:gradFill>
       </a:fillStyleLst>
       <a:lnStyleLst>
@@ -12033,8 +11079,9 @@
               </a:schemeClr>
             </a:gs>
           </a:gsLst>
-          <a:path path="circle"/>
-          <a:tileRect/>
+          <a:path path="circle">
+            <a:fillToRect/>
+          </a:path>
         </a:gradFill>
         <a:gradFill rotWithShape="1">
           <a:gsLst>
@@ -12054,18 +11101,16 @@
           <a:path path="circle">
             <a:fillToRect l="50000" t="50000" r="50000" b="50000"/>
           </a:path>
-          <a:tileRect/>
         </a:gradFill>
       </a:bgFillStyleLst>
     </a:fmtScheme>
   </a:themeElements>
   <a:objectDefaults/>
-  <a:extraClrSchemeLst/>
 </a:theme>
 </file>
 
 <file path=ppt/theme/theme2.xml><?xml version="1.0" encoding="utf-8"?>
-<a:theme xmlns:a="http://schemas.openxmlformats.org/drawingml/2006/main" name="Office Theme">
+<a:theme xmlns:r="http://schemas.openxmlformats.org/officeDocument/2006/relationships" xmlns:a="http://schemas.openxmlformats.org/drawingml/2006/main" name="Office Theme">
   <a:themeElements>
     <a:clrScheme name="Office">
       <a:dk1>
@@ -12108,8 +11153,8 @@
     <a:fontScheme name="Office">
       <a:majorFont>
         <a:latin typeface="Calibri"/>
-        <a:ea typeface=""/>
-        <a:cs typeface=""/>
+        <a:ea typeface="Arial"/>
+        <a:cs typeface="Arial"/>
         <a:font script="Uigh" typeface="Microsoft Uighur"/>
         <a:font script="Beng" typeface="Vrinda"/>
         <a:font script="Thai" typeface="Angsana New"/>
@@ -12143,8 +11188,8 @@
       </a:majorFont>
       <a:minorFont>
         <a:latin typeface="Calibri"/>
-        <a:ea typeface=""/>
-        <a:cs typeface=""/>
+        <a:ea typeface="Arial"/>
+        <a:cs typeface="Arial"/>
         <a:font script="Uigh" typeface="Microsoft Uighur"/>
         <a:font script="Beng" typeface="Vrinda"/>
         <a:font script="Thai" typeface="Cordia New"/>
@@ -12204,7 +11249,6 @@
             </a:gs>
           </a:gsLst>
           <a:lin ang="16200000" scaled="1"/>
-          <a:tileRect/>
         </a:gradFill>
         <a:gradFill rotWithShape="1">
           <a:gsLst>
@@ -12228,7 +11272,6 @@
             </a:gs>
           </a:gsLst>
           <a:lin ang="16200000" scaled="0"/>
-          <a:tileRect/>
         </a:gradFill>
       </a:fillStyleLst>
       <a:lnStyleLst>
@@ -12320,8 +11363,9 @@
               </a:schemeClr>
             </a:gs>
           </a:gsLst>
-          <a:path path="circle"/>
-          <a:tileRect/>
+          <a:path path="circle">
+            <a:fillToRect/>
+          </a:path>
         </a:gradFill>
         <a:gradFill rotWithShape="1">
           <a:gsLst>
@@ -12341,18 +11385,16 @@
           <a:path path="circle">
             <a:fillToRect l="50000" t="50000" r="50000" b="50000"/>
           </a:path>
-          <a:tileRect/>
         </a:gradFill>
       </a:bgFillStyleLst>
     </a:fmtScheme>
   </a:themeElements>
   <a:objectDefaults/>
-  <a:extraClrSchemeLst/>
 </a:theme>
 </file>
 
 <file path=ppt/theme/theme3.xml><?xml version="1.0" encoding="utf-8"?>
-<a:theme xmlns:a="http://schemas.openxmlformats.org/drawingml/2006/main" name="Office Theme">
+<a:theme xmlns:r="http://schemas.openxmlformats.org/officeDocument/2006/relationships" xmlns:a="http://schemas.openxmlformats.org/drawingml/2006/main" name="Office Theme">
   <a:themeElements>
     <a:clrScheme name="Office">
       <a:dk1>
@@ -12395,8 +11437,8 @@
     <a:fontScheme name="Office">
       <a:majorFont>
         <a:latin typeface="Calibri"/>
-        <a:ea typeface=""/>
-        <a:cs typeface=""/>
+        <a:ea typeface="Arial"/>
+        <a:cs typeface="Arial"/>
         <a:font script="Uigh" typeface="Microsoft Uighur"/>
         <a:font script="Beng" typeface="Vrinda"/>
         <a:font script="Thai" typeface="Angsana New"/>
@@ -12429,8 +11471,8 @@
       </a:majorFont>
       <a:minorFont>
         <a:latin typeface="Calibri"/>
-        <a:ea typeface=""/>
-        <a:cs typeface=""/>
+        <a:ea typeface="Arial"/>
+        <a:cs typeface="Arial"/>
         <a:font script="Uigh" typeface="Microsoft Uighur"/>
         <a:font script="Beng" typeface="Vrinda"/>
         <a:font script="Thai" typeface="Cordia New"/>
@@ -12489,7 +11531,6 @@
             </a:gs>
           </a:gsLst>
           <a:lin ang="16200000" scaled="1"/>
-          <a:tileRect/>
         </a:gradFill>
         <a:gradFill rotWithShape="1">
           <a:gsLst>
@@ -12513,7 +11554,6 @@
             </a:gs>
           </a:gsLst>
           <a:lin ang="16200000" scaled="0"/>
-          <a:tileRect/>
         </a:gradFill>
       </a:fillStyleLst>
       <a:lnStyleLst>
@@ -12605,8 +11645,9 @@
               </a:schemeClr>
             </a:gs>
           </a:gsLst>
-          <a:path path="circle"/>
-          <a:tileRect/>
+          <a:path path="circle">
+            <a:fillToRect/>
+          </a:path>
         </a:gradFill>
         <a:gradFill rotWithShape="1">
           <a:gsLst>
@@ -12626,12 +11667,10 @@
           <a:path path="circle">
             <a:fillToRect l="50000" t="50000" r="50000" b="50000"/>
           </a:path>
-          <a:tileRect/>
         </a:gradFill>
       </a:bgFillStyleLst>
     </a:fmtScheme>
   </a:themeElements>
   <a:objectDefaults/>
-  <a:extraClrSchemeLst/>
 </a:theme>
 </file>
--- a/Data/sample-input.pptx
+++ b/Data/sample-input.pptx
@@ -1,6 +1,6 @@
 
 <file path=ppt/presentation.xml><?xml version="1.0" encoding="utf-8"?>
-<!--Generated by Aspose.Slides for .NET 16.7.0.0-->
+<!--Generated by Aspose.Slides for .NET 15.7.0.0-->
 <p:presentation xmlns:r="http://schemas.openxmlformats.org/officeDocument/2006/relationships" xmlns:a="http://schemas.openxmlformats.org/drawingml/2006/main" xmlns:p="http://schemas.openxmlformats.org/presentationml/2006/main" saveSubsetFonts="1">
   <p:sldMasterIdLst>
     <p:sldMasterId id="2147483648" r:id="rId2"/>
@@ -8,13 +8,14 @@
     <p:sldMasterId id="2147483672" r:id="rId4"/>
   </p:sldMasterIdLst>
   <p:sldIdLst>
-    <p:sldId id="263" r:id="rId5"/>
-    <p:sldId id="265" r:id="rId6"/>
+    <p:sldId id="256" r:id="rId5"/>
+    <p:sldId id="257" r:id="rId6"/>
+    <p:sldId id="258" r:id="rId7"/>
   </p:sldIdLst>
   <p:sldSz cx="9144000" cy="6858000" type="screen4x3"/>
   <p:notesSz cx="6858000" cy="9144000"/>
   <p:custDataLst>
-    <p:tags r:id="rId7"/>
+    <p:tags r:id="rId8"/>
   </p:custDataLst>
   <p:defaultTextStyle>
     <a:defPPr>
@@ -146,8 +147,17 @@
 
 <file path=ppt/commentAuthors.xml><?xml version="1.0" encoding="utf-8"?>
 <p:cmAuthorLst xmlns:p="http://schemas.openxmlformats.org/presentationml/2006/main">
-  <p:cmAuthor id="0" name="Farooq Sheikh" initials="FS" lastIdx="0" clrIdx="0"/>
+  <p:cmAuthor id="0" name="Farooq Sheikh" initials="FS" lastIdx="1" clrIdx="0"/>
 </p:cmAuthorLst>
+</file>
+
+<file path=ppt/comments/comment1.xml><?xml version="1.0" encoding="utf-8"?>
+<p:cmLst xmlns:a="http://schemas.openxmlformats.org/drawingml/2006/main" xmlns:p="http://schemas.openxmlformats.org/presentationml/2006/main">
+  <p:cm authorId="0" dt="2015-07-03T16:33:23.6400000" idx="1">
+    <p:pos x="10" y="10"/>
+    <p:text>This is a test comment</p:text>
+  </p:cm>
+</p:cmLst>
 </file>
 
 <file path=ppt/slideLayouts/slideLayout1.xml><?xml version="1.0" encoding="utf-8"?>
@@ -334,12 +344,12 @@
             <a:pPr>
               <a:defRPr/>
             </a:pPr>
-            <a:fld id="{29A185FD-0B35-4D8E-9BEE-24823EBBED6D}" type="datetimeFigureOut">
+            <a:fld id="{8972FBD0-40B6-4105-A50C-1DBE4F6A3AB0}" type="datetimeFigureOut">
               <a:rPr lang="en-US"/>
               <a:pPr>
                 <a:defRPr/>
               </a:pPr>
-              <a:t>10/12/2015</a:t>
+              <a:t>7/3/2015</a:t>
             </a:fld>
           </a:p>
         </p:txBody>
@@ -392,7 +402,7 @@
             <a:pPr>
               <a:defRPr/>
             </a:pPr>
-            <a:fld id="{55CFBA45-A212-406D-996A-53C2E1318BF9}" type="slidenum">
+            <a:fld id="{759768FE-07ED-42E3-A9AE-D8E7F577F0A3}" type="slidenum">
               <a:rPr lang="en-US"/>
               <a:pPr>
                 <a:defRPr/>
@@ -524,12 +534,12 @@
             <a:pPr>
               <a:defRPr/>
             </a:pPr>
-            <a:fld id="{50834CB0-87D7-412E-9E50-170871AFAB21}" type="datetimeFigureOut">
+            <a:fld id="{6CE84BD2-CB54-4868-85E0-416451D08F4E}" type="datetimeFigureOut">
               <a:rPr lang="en-US"/>
               <a:pPr>
                 <a:defRPr/>
               </a:pPr>
-              <a:t>10/12/2015</a:t>
+              <a:t>7/3/2015</a:t>
             </a:fld>
           </a:p>
         </p:txBody>
@@ -582,7 +592,7 @@
             <a:pPr>
               <a:defRPr/>
             </a:pPr>
-            <a:fld id="{480CFF25-24BB-45D6-8A7A-7297C66DF569}" type="slidenum">
+            <a:fld id="{A42E3E2B-B4BD-46B5-BE72-81D0155036BB}" type="slidenum">
               <a:rPr lang="en-US"/>
               <a:pPr>
                 <a:defRPr/>
@@ -724,12 +734,12 @@
             <a:pPr>
               <a:defRPr/>
             </a:pPr>
-            <a:fld id="{A3ECC3FC-6965-4AB6-A576-92265720F4A3}" type="datetimeFigureOut">
+            <a:fld id="{D7654891-AFC2-46B6-A05D-BDF2E351F923}" type="datetimeFigureOut">
               <a:rPr lang="en-US"/>
               <a:pPr>
                 <a:defRPr/>
               </a:pPr>
-              <a:t>10/12/2015</a:t>
+              <a:t>7/3/2015</a:t>
             </a:fld>
           </a:p>
         </p:txBody>
@@ -782,7 +792,7 @@
             <a:pPr>
               <a:defRPr/>
             </a:pPr>
-            <a:fld id="{2188CDA0-7DE9-4F23-8BF2-4934E45A0DB1}" type="slidenum">
+            <a:fld id="{F1AB8D3D-05C7-404A-8C1E-02CDAA98224A}" type="slidenum">
               <a:rPr lang="en-US"/>
               <a:pPr>
                 <a:defRPr/>
@@ -986,12 +996,12 @@
             <a:pPr>
               <a:defRPr/>
             </a:pPr>
-            <a:fld id="{20D246C7-6DCB-443E-8647-D7F3A8CA4E82}" type="datetimeFigureOut">
+            <a:fld id="{CAA9E6A7-2E44-4E52-ACBA-0B16E2D14EB8}" type="datetimeFigureOut">
               <a:rPr lang="en-US"/>
               <a:pPr>
                 <a:defRPr/>
               </a:pPr>
-              <a:t>10/12/2015</a:t>
+              <a:t>7/3/2015</a:t>
             </a:fld>
           </a:p>
         </p:txBody>
@@ -1044,7 +1054,7 @@
             <a:pPr>
               <a:defRPr/>
             </a:pPr>
-            <a:fld id="{90394EF1-FAA3-44B5-A3B0-22599643A114}" type="slidenum">
+            <a:fld id="{FC44C4D6-173B-4D4E-AF66-712D1F429E45}" type="slidenum">
               <a:rPr lang="en-US"/>
               <a:pPr>
                 <a:defRPr/>
@@ -1176,12 +1186,12 @@
             <a:pPr>
               <a:defRPr/>
             </a:pPr>
-            <a:fld id="{EFE33DF9-B459-4377-9267-3FDD304163DE}" type="datetimeFigureOut">
+            <a:fld id="{04E143F9-867B-456B-9C38-A18E1C434489}" type="datetimeFigureOut">
               <a:rPr lang="en-US"/>
               <a:pPr>
                 <a:defRPr/>
               </a:pPr>
-              <a:t>10/12/2015</a:t>
+              <a:t>7/3/2015</a:t>
             </a:fld>
           </a:p>
         </p:txBody>
@@ -1234,7 +1244,7 @@
             <a:pPr>
               <a:defRPr/>
             </a:pPr>
-            <a:fld id="{DCF17C7D-EFF9-4B44-82DA-4D0B882CD54F}" type="slidenum">
+            <a:fld id="{753796DA-4F13-4D79-A7E7-C144EBF6C201}" type="slidenum">
               <a:rPr lang="en-US"/>
               <a:pPr>
                 <a:defRPr/>
@@ -1442,12 +1452,12 @@
             <a:pPr>
               <a:defRPr/>
             </a:pPr>
-            <a:fld id="{8998B20D-D043-4A7F-9D03-FBEEAA1B972D}" type="datetimeFigureOut">
+            <a:fld id="{03381EFE-786F-421E-9249-B387F32EF96F}" type="datetimeFigureOut">
               <a:rPr lang="en-US"/>
               <a:pPr>
                 <a:defRPr/>
               </a:pPr>
-              <a:t>10/12/2015</a:t>
+              <a:t>7/3/2015</a:t>
             </a:fld>
           </a:p>
         </p:txBody>
@@ -1500,7 +1510,7 @@
             <a:pPr>
               <a:defRPr/>
             </a:pPr>
-            <a:fld id="{4F0DB134-DB3A-4CE9-BD1E-798F61B8DF05}" type="slidenum">
+            <a:fld id="{F17E8232-EF18-4052-94B0-550C6189057B}" type="slidenum">
               <a:rPr lang="en-US"/>
               <a:pPr>
                 <a:defRPr/>
@@ -1750,12 +1760,12 @@
             <a:pPr>
               <a:defRPr/>
             </a:pPr>
-            <a:fld id="{6619E2DC-6814-48B4-8C61-2DB7CA64B0AF}" type="datetimeFigureOut">
+            <a:fld id="{B5DB374A-1D09-4944-95B4-8CC778CFA468}" type="datetimeFigureOut">
               <a:rPr lang="en-US"/>
               <a:pPr>
                 <a:defRPr/>
               </a:pPr>
-              <a:t>10/12/2015</a:t>
+              <a:t>7/3/2015</a:t>
             </a:fld>
           </a:p>
         </p:txBody>
@@ -1808,7 +1818,7 @@
             <a:pPr>
               <a:defRPr/>
             </a:pPr>
-            <a:fld id="{4CC314DB-6E37-4559-87CF-CC9881D42DA3}" type="slidenum">
+            <a:fld id="{688B4C6F-4C51-45A2-937A-B4B017F38525}" type="slidenum">
               <a:rPr lang="en-US"/>
               <a:pPr>
                 <a:defRPr/>
@@ -2192,12 +2202,12 @@
             <a:pPr>
               <a:defRPr/>
             </a:pPr>
-            <a:fld id="{72852BEB-4676-425A-9A10-618D2F376DF0}" type="datetimeFigureOut">
+            <a:fld id="{498A5B35-BE9C-44FB-AFEE-332C03CB506E}" type="datetimeFigureOut">
               <a:rPr lang="en-US"/>
               <a:pPr>
                 <a:defRPr/>
               </a:pPr>
-              <a:t>10/12/2015</a:t>
+              <a:t>7/3/2015</a:t>
             </a:fld>
           </a:p>
         </p:txBody>
@@ -2250,7 +2260,7 @@
             <a:pPr>
               <a:defRPr/>
             </a:pPr>
-            <a:fld id="{4137D8DB-7B19-4138-B7CC-41299408309B}" type="slidenum">
+            <a:fld id="{BFF28816-F5EA-4052-BD9D-C59FE1D063A1}" type="slidenum">
               <a:rPr lang="en-US"/>
               <a:pPr>
                 <a:defRPr/>
@@ -2330,12 +2340,12 @@
             <a:pPr>
               <a:defRPr/>
             </a:pPr>
-            <a:fld id="{04589CE0-5CE3-4BAF-9926-93128F99F798}" type="datetimeFigureOut">
+            <a:fld id="{2DB2DF00-DDF6-431F-9A18-92DD505C78B2}" type="datetimeFigureOut">
               <a:rPr lang="en-US"/>
               <a:pPr>
                 <a:defRPr/>
               </a:pPr>
-              <a:t>10/12/2015</a:t>
+              <a:t>7/3/2015</a:t>
             </a:fld>
           </a:p>
         </p:txBody>
@@ -2388,7 +2398,7 @@
             <a:pPr>
               <a:defRPr/>
             </a:pPr>
-            <a:fld id="{FC9F5378-6899-46D5-81AB-603EF1BB4E0B}" type="slidenum">
+            <a:fld id="{5C63381E-E278-4000-81F3-FC0A2F3A61DF}" type="slidenum">
               <a:rPr lang="en-US"/>
               <a:pPr>
                 <a:defRPr/>
@@ -2445,12 +2455,12 @@
             <a:pPr>
               <a:defRPr/>
             </a:pPr>
-            <a:fld id="{052DE20B-19C5-4282-98D9-AEE9133E0EBB}" type="datetimeFigureOut">
+            <a:fld id="{D93F539B-B2D7-4593-A835-A2BE40C00D7D}" type="datetimeFigureOut">
               <a:rPr lang="en-US"/>
               <a:pPr>
                 <a:defRPr/>
               </a:pPr>
-              <a:t>10/12/2015</a:t>
+              <a:t>7/3/2015</a:t>
             </a:fld>
           </a:p>
         </p:txBody>
@@ -2503,7 +2513,7 @@
             <a:pPr>
               <a:defRPr/>
             </a:pPr>
-            <a:fld id="{2D79DC42-7679-499D-8A22-582E0E413529}" type="slidenum">
+            <a:fld id="{8816ADBD-E9F7-4B01-B066-B1154A701BAD}" type="slidenum">
               <a:rPr lang="en-US"/>
               <a:pPr>
                 <a:defRPr/>
@@ -2742,12 +2752,12 @@
             <a:pPr>
               <a:defRPr/>
             </a:pPr>
-            <a:fld id="{0CA2C878-36D0-4526-B25C-F167C26C316D}" type="datetimeFigureOut">
+            <a:fld id="{125E3FC0-0D71-4010-860D-3C5FAC956F62}" type="datetimeFigureOut">
               <a:rPr lang="en-US"/>
               <a:pPr>
                 <a:defRPr/>
               </a:pPr>
-              <a:t>10/12/2015</a:t>
+              <a:t>7/3/2015</a:t>
             </a:fld>
           </a:p>
         </p:txBody>
@@ -2800,7 +2810,7 @@
             <a:pPr>
               <a:defRPr/>
             </a:pPr>
-            <a:fld id="{10ED27A3-A7C6-4A2A-B6B7-6D2D0C4E7053}" type="slidenum">
+            <a:fld id="{5FDF40BB-DAB1-41C9-B85F-4C2A3C43DEC1}" type="slidenum">
               <a:rPr lang="en-US"/>
               <a:pPr>
                 <a:defRPr/>
@@ -2932,12 +2942,12 @@
             <a:pPr>
               <a:defRPr/>
             </a:pPr>
-            <a:fld id="{95D4D0DF-2FCB-4709-A66C-CF8E7B3CAE62}" type="datetimeFigureOut">
+            <a:fld id="{D251D78C-4D75-46BB-AC67-D693FF0A7E52}" type="datetimeFigureOut">
               <a:rPr lang="en-US"/>
               <a:pPr>
                 <a:defRPr/>
               </a:pPr>
-              <a:t>10/12/2015</a:t>
+              <a:t>7/3/2015</a:t>
             </a:fld>
           </a:p>
         </p:txBody>
@@ -2990,7 +3000,7 @@
             <a:pPr>
               <a:defRPr/>
             </a:pPr>
-            <a:fld id="{2D6B07E5-06D5-407C-B0CE-1B687E8BB99F}" type="slidenum">
+            <a:fld id="{2E719177-03AA-4BF8-BC3D-CDB3D7B2184A}" type="slidenum">
               <a:rPr lang="en-US"/>
               <a:pPr>
                 <a:defRPr/>
@@ -3208,12 +3218,12 @@
             <a:pPr>
               <a:defRPr/>
             </a:pPr>
-            <a:fld id="{E70B75D7-0692-4A47-88A5-887F3C2F1FA4}" type="datetimeFigureOut">
+            <a:fld id="{D913DFE3-4DA6-4560-B084-E6E3F301F8E3}" type="datetimeFigureOut">
               <a:rPr lang="en-US"/>
               <a:pPr>
                 <a:defRPr/>
               </a:pPr>
-              <a:t>10/12/2015</a:t>
+              <a:t>7/3/2015</a:t>
             </a:fld>
           </a:p>
         </p:txBody>
@@ -3266,7 +3276,7 @@
             <a:pPr>
               <a:defRPr/>
             </a:pPr>
-            <a:fld id="{6FE514A3-5C33-41B8-95D2-75604384A151}" type="slidenum">
+            <a:fld id="{A6F4579E-014F-4386-ABDB-AC6364032FCE}" type="slidenum">
               <a:rPr lang="en-US"/>
               <a:pPr>
                 <a:defRPr/>
@@ -3398,12 +3408,12 @@
             <a:pPr>
               <a:defRPr/>
             </a:pPr>
-            <a:fld id="{BF3014AF-24F4-497A-B3FF-9A76D48146AB}" type="datetimeFigureOut">
+            <a:fld id="{6C0D704A-D8DC-4090-9D03-B15BE3619FCF}" type="datetimeFigureOut">
               <a:rPr lang="en-US"/>
               <a:pPr>
                 <a:defRPr/>
               </a:pPr>
-              <a:t>10/12/2015</a:t>
+              <a:t>7/3/2015</a:t>
             </a:fld>
           </a:p>
         </p:txBody>
@@ -3456,7 +3466,7 @@
             <a:pPr>
               <a:defRPr/>
             </a:pPr>
-            <a:fld id="{0C760958-56EC-4F2D-BEEC-CFF653DDFBE7}" type="slidenum">
+            <a:fld id="{BA52264D-7914-4E46-A396-8DECF54F0AF0}" type="slidenum">
               <a:rPr lang="en-US"/>
               <a:pPr>
                 <a:defRPr/>
@@ -3598,12 +3608,12 @@
             <a:pPr>
               <a:defRPr/>
             </a:pPr>
-            <a:fld id="{90F867B0-2DC3-467E-AD56-B9CC68C670A1}" type="datetimeFigureOut">
+            <a:fld id="{BA7837D9-AF17-4E89-8EBF-3F7697DD819A}" type="datetimeFigureOut">
               <a:rPr lang="en-US"/>
               <a:pPr>
                 <a:defRPr/>
               </a:pPr>
-              <a:t>10/12/2015</a:t>
+              <a:t>7/3/2015</a:t>
             </a:fld>
           </a:p>
         </p:txBody>
@@ -3656,7 +3666,7 @@
             <a:pPr>
               <a:defRPr/>
             </a:pPr>
-            <a:fld id="{4926FADA-3BEB-4E8B-9A84-A6E7A6273978}" type="slidenum">
+            <a:fld id="{CC12A960-0155-4E5B-802A-11F64EDF1995}" type="slidenum">
               <a:rPr lang="en-US"/>
               <a:pPr>
                 <a:defRPr/>
@@ -3860,12 +3870,12 @@
             <a:pPr>
               <a:defRPr/>
             </a:pPr>
-            <a:fld id="{BF31B6C8-D702-49AA-B3EA-12CCE436D0DD}" type="datetimeFigureOut">
+            <a:fld id="{BA0C6CD3-7B6C-4326-8D05-AA81E4F43CB1}" type="datetimeFigureOut">
               <a:rPr lang="en-US"/>
               <a:pPr>
                 <a:defRPr/>
               </a:pPr>
-              <a:t>10/12/2015</a:t>
+              <a:t>7/3/2015</a:t>
             </a:fld>
           </a:p>
         </p:txBody>
@@ -3918,7 +3928,7 @@
             <a:pPr>
               <a:defRPr/>
             </a:pPr>
-            <a:fld id="{E70F92D3-DB44-4673-B7AD-8A96EE7979D4}" type="slidenum">
+            <a:fld id="{1C6FD05D-5A04-42AE-9D3A-3D75E0547418}" type="slidenum">
               <a:rPr lang="en-US"/>
               <a:pPr>
                 <a:defRPr/>
@@ -4050,12 +4060,12 @@
             <a:pPr>
               <a:defRPr/>
             </a:pPr>
-            <a:fld id="{7FD2E94F-8F21-467A-8275-E63DA27A64C8}" type="datetimeFigureOut">
+            <a:fld id="{43CD9FAE-3C18-4033-942C-972C8A8DB02B}" type="datetimeFigureOut">
               <a:rPr lang="en-US"/>
               <a:pPr>
                 <a:defRPr/>
               </a:pPr>
-              <a:t>10/12/2015</a:t>
+              <a:t>7/3/2015</a:t>
             </a:fld>
           </a:p>
         </p:txBody>
@@ -4108,7 +4118,7 @@
             <a:pPr>
               <a:defRPr/>
             </a:pPr>
-            <a:fld id="{B4AA0051-358B-4829-BD60-2C7249336DAA}" type="slidenum">
+            <a:fld id="{513FB0F1-7AD0-4457-BE4A-6E9EDA2E03AA}" type="slidenum">
               <a:rPr lang="en-US"/>
               <a:pPr>
                 <a:defRPr/>
@@ -4316,12 +4326,12 @@
             <a:pPr>
               <a:defRPr/>
             </a:pPr>
-            <a:fld id="{5394CD29-4724-45CC-83ED-071D1CFDE4D0}" type="datetimeFigureOut">
+            <a:fld id="{EC79C91B-6EF3-4020-AA1D-CEB04213C1D9}" type="datetimeFigureOut">
               <a:rPr lang="en-US"/>
               <a:pPr>
                 <a:defRPr/>
               </a:pPr>
-              <a:t>10/12/2015</a:t>
+              <a:t>7/3/2015</a:t>
             </a:fld>
           </a:p>
         </p:txBody>
@@ -4374,7 +4384,7 @@
             <a:pPr>
               <a:defRPr/>
             </a:pPr>
-            <a:fld id="{68C83B16-7B6D-4445-9D88-56E5100FE024}" type="slidenum">
+            <a:fld id="{877A2962-9AE4-4DA1-8C30-34C22A6FB126}" type="slidenum">
               <a:rPr lang="en-US"/>
               <a:pPr>
                 <a:defRPr/>
@@ -4624,12 +4634,12 @@
             <a:pPr>
               <a:defRPr/>
             </a:pPr>
-            <a:fld id="{6061ED59-EBE1-4375-B323-2B4D2B5119F8}" type="datetimeFigureOut">
+            <a:fld id="{477A88EC-20BC-49DB-9CA6-9FF0B2F1FB81}" type="datetimeFigureOut">
               <a:rPr lang="en-US"/>
               <a:pPr>
                 <a:defRPr/>
               </a:pPr>
-              <a:t>10/12/2015</a:t>
+              <a:t>7/3/2015</a:t>
             </a:fld>
           </a:p>
         </p:txBody>
@@ -4682,7 +4692,7 @@
             <a:pPr>
               <a:defRPr/>
             </a:pPr>
-            <a:fld id="{7C29A722-D3BB-46C4-9106-033AE8E450FD}" type="slidenum">
+            <a:fld id="{3B6BE5C8-3A78-41B6-A72B-71F2C2863B7A}" type="slidenum">
               <a:rPr lang="en-US"/>
               <a:pPr>
                 <a:defRPr/>
@@ -5066,12 +5076,12 @@
             <a:pPr>
               <a:defRPr/>
             </a:pPr>
-            <a:fld id="{059E79E0-F209-4BFF-83B7-C96F9DC77C57}" type="datetimeFigureOut">
+            <a:fld id="{1E6B462E-196C-4C16-9D20-9E0E3C529DE0}" type="datetimeFigureOut">
               <a:rPr lang="en-US"/>
               <a:pPr>
                 <a:defRPr/>
               </a:pPr>
-              <a:t>10/12/2015</a:t>
+              <a:t>7/3/2015</a:t>
             </a:fld>
           </a:p>
         </p:txBody>
@@ -5124,7 +5134,7 @@
             <a:pPr>
               <a:defRPr/>
             </a:pPr>
-            <a:fld id="{DDD99A55-9C4E-4F92-8F4D-6D7A35E06EA4}" type="slidenum">
+            <a:fld id="{845E95C9-BCF4-4A77-AC9B-DE8022CAED00}" type="slidenum">
               <a:rPr lang="en-US"/>
               <a:pPr>
                 <a:defRPr/>
@@ -5204,12 +5214,12 @@
             <a:pPr>
               <a:defRPr/>
             </a:pPr>
-            <a:fld id="{BCCA4B5C-C514-495C-BB8B-9CE08184D8A6}" type="datetimeFigureOut">
+            <a:fld id="{E033075D-B4FE-48D9-ACD1-6428B7FD6DCA}" type="datetimeFigureOut">
               <a:rPr lang="en-US"/>
               <a:pPr>
                 <a:defRPr/>
               </a:pPr>
-              <a:t>10/12/2015</a:t>
+              <a:t>7/3/2015</a:t>
             </a:fld>
           </a:p>
         </p:txBody>
@@ -5262,7 +5272,7 @@
             <a:pPr>
               <a:defRPr/>
             </a:pPr>
-            <a:fld id="{A5717F1E-7D28-444C-BCF0-3560C84CA979}" type="slidenum">
+            <a:fld id="{18F84D0D-2FAC-445F-835E-96C4350D9E05}" type="slidenum">
               <a:rPr lang="en-US"/>
               <a:pPr>
                 <a:defRPr/>
@@ -5319,12 +5329,12 @@
             <a:pPr>
               <a:defRPr/>
             </a:pPr>
-            <a:fld id="{C848BAC8-AA41-4AC8-8FF1-18101B3F06F2}" type="datetimeFigureOut">
+            <a:fld id="{E532EBB8-DF35-4BA7-BBD7-BA8E7BB61A78}" type="datetimeFigureOut">
               <a:rPr lang="en-US"/>
               <a:pPr>
                 <a:defRPr/>
               </a:pPr>
-              <a:t>10/12/2015</a:t>
+              <a:t>7/3/2015</a:t>
             </a:fld>
           </a:p>
         </p:txBody>
@@ -5377,7 +5387,7 @@
             <a:pPr>
               <a:defRPr/>
             </a:pPr>
-            <a:fld id="{158974E2-57BC-4B74-8BBF-84987183AB5A}" type="slidenum">
+            <a:fld id="{E377BCC7-B8F8-41AD-B4F8-EEF5B0BD12A5}" type="slidenum">
               <a:rPr lang="en-US"/>
               <a:pPr>
                 <a:defRPr/>
@@ -5585,12 +5595,12 @@
             <a:pPr>
               <a:defRPr/>
             </a:pPr>
-            <a:fld id="{8CDF885A-C2F4-4EEA-9AEF-B4A4DF46E8B4}" type="datetimeFigureOut">
+            <a:fld id="{C2DD0AE1-DCF1-479F-9FE6-61AA5E89F676}" type="datetimeFigureOut">
               <a:rPr lang="en-US"/>
               <a:pPr>
                 <a:defRPr/>
               </a:pPr>
-              <a:t>10/12/2015</a:t>
+              <a:t>7/3/2015</a:t>
             </a:fld>
           </a:p>
         </p:txBody>
@@ -5643,7 +5653,7 @@
             <a:pPr>
               <a:defRPr/>
             </a:pPr>
-            <a:fld id="{D5C4A4E3-06AE-4324-BDDE-4A4C7E815B50}" type="slidenum">
+            <a:fld id="{1C2A11AE-19C2-459E-8A27-782E679409E5}" type="slidenum">
               <a:rPr lang="en-US"/>
               <a:pPr>
                 <a:defRPr/>
@@ -5882,12 +5892,12 @@
             <a:pPr>
               <a:defRPr/>
             </a:pPr>
-            <a:fld id="{EE0873E4-45B0-4A03-97B4-72B89AAF1AD2}" type="datetimeFigureOut">
+            <a:fld id="{A652D5AA-0E76-4FE8-B5DE-8FAD2B655B64}" type="datetimeFigureOut">
               <a:rPr lang="en-US"/>
               <a:pPr>
                 <a:defRPr/>
               </a:pPr>
-              <a:t>10/12/2015</a:t>
+              <a:t>7/3/2015</a:t>
             </a:fld>
           </a:p>
         </p:txBody>
@@ -5940,7 +5950,7 @@
             <a:pPr>
               <a:defRPr/>
             </a:pPr>
-            <a:fld id="{90F9A1AF-96A8-4C07-BBAD-451D23830543}" type="slidenum">
+            <a:fld id="{BFAB30C8-EE05-4EC2-9470-ACCD1F0F410B}" type="slidenum">
               <a:rPr lang="en-US"/>
               <a:pPr>
                 <a:defRPr/>
@@ -6158,12 +6168,12 @@
             <a:pPr>
               <a:defRPr/>
             </a:pPr>
-            <a:fld id="{403665CF-9D25-4CFF-8A28-999C675F41B3}" type="datetimeFigureOut">
+            <a:fld id="{FA520F21-76B3-46BB-A068-1823A907B94C}" type="datetimeFigureOut">
               <a:rPr lang="en-US"/>
               <a:pPr>
                 <a:defRPr/>
               </a:pPr>
-              <a:t>10/12/2015</a:t>
+              <a:t>7/3/2015</a:t>
             </a:fld>
           </a:p>
         </p:txBody>
@@ -6216,7 +6226,7 @@
             <a:pPr>
               <a:defRPr/>
             </a:pPr>
-            <a:fld id="{D6D13268-9987-40DA-8EED-9E702934254D}" type="slidenum">
+            <a:fld id="{B1029711-B255-4C63-AF7A-C869FF3D9973}" type="slidenum">
               <a:rPr lang="en-US"/>
               <a:pPr>
                 <a:defRPr/>
@@ -6348,12 +6358,12 @@
             <a:pPr>
               <a:defRPr/>
             </a:pPr>
-            <a:fld id="{EFE67D2E-75A5-4B80-B982-5C04C3FAE72B}" type="datetimeFigureOut">
+            <a:fld id="{A716229D-F310-4368-A870-9CBBF7450024}" type="datetimeFigureOut">
               <a:rPr lang="en-US"/>
               <a:pPr>
                 <a:defRPr/>
               </a:pPr>
-              <a:t>10/12/2015</a:t>
+              <a:t>7/3/2015</a:t>
             </a:fld>
           </a:p>
         </p:txBody>
@@ -6406,7 +6416,7 @@
             <a:pPr>
               <a:defRPr/>
             </a:pPr>
-            <a:fld id="{3A059914-EC69-4EA5-AC1A-23EB3FAFDDB2}" type="slidenum">
+            <a:fld id="{780F0185-C0F1-46D3-B64C-E0197F47E996}" type="slidenum">
               <a:rPr lang="en-US"/>
               <a:pPr>
                 <a:defRPr/>
@@ -6548,12 +6558,12 @@
             <a:pPr>
               <a:defRPr/>
             </a:pPr>
-            <a:fld id="{FFDFDCBB-3F24-47C3-84B6-3A087E5D3933}" type="datetimeFigureOut">
+            <a:fld id="{AC914676-7316-4EB9-B4C8-09C3237000C8}" type="datetimeFigureOut">
               <a:rPr lang="en-US"/>
               <a:pPr>
                 <a:defRPr/>
               </a:pPr>
-              <a:t>10/12/2015</a:t>
+              <a:t>7/3/2015</a:t>
             </a:fld>
           </a:p>
         </p:txBody>
@@ -6606,7 +6616,7 @@
             <a:pPr>
               <a:defRPr/>
             </a:pPr>
-            <a:fld id="{9C1A69BC-426A-4473-B008-725C63811378}" type="slidenum">
+            <a:fld id="{254BCE87-BB4E-4497-8359-57B60DAD90AF}" type="slidenum">
               <a:rPr lang="en-US"/>
               <a:pPr>
                 <a:defRPr/>
@@ -6856,12 +6866,12 @@
             <a:pPr>
               <a:defRPr/>
             </a:pPr>
-            <a:fld id="{B228333E-C932-4FC8-A353-968F47448E44}" type="datetimeFigureOut">
+            <a:fld id="{C2B9DA6D-A8BC-4CA8-AA51-7D91CAC4A318}" type="datetimeFigureOut">
               <a:rPr lang="en-US"/>
               <a:pPr>
                 <a:defRPr/>
               </a:pPr>
-              <a:t>10/12/2015</a:t>
+              <a:t>7/3/2015</a:t>
             </a:fld>
           </a:p>
         </p:txBody>
@@ -6914,7 +6924,7 @@
             <a:pPr>
               <a:defRPr/>
             </a:pPr>
-            <a:fld id="{0563C8BA-8AA9-4035-92DD-AD40206F8461}" type="slidenum">
+            <a:fld id="{192CB2F0-D8EB-44BA-A5FB-2A120013D7F4}" type="slidenum">
               <a:rPr lang="en-US"/>
               <a:pPr>
                 <a:defRPr/>
@@ -7298,12 +7308,12 @@
             <a:pPr>
               <a:defRPr/>
             </a:pPr>
-            <a:fld id="{894FB5EC-A048-42DA-9474-D58246B51239}" type="datetimeFigureOut">
+            <a:fld id="{BF42F648-418E-4630-A438-31E2616964ED}" type="datetimeFigureOut">
               <a:rPr lang="en-US"/>
               <a:pPr>
                 <a:defRPr/>
               </a:pPr>
-              <a:t>10/12/2015</a:t>
+              <a:t>7/3/2015</a:t>
             </a:fld>
           </a:p>
         </p:txBody>
@@ -7356,7 +7366,7 @@
             <a:pPr>
               <a:defRPr/>
             </a:pPr>
-            <a:fld id="{6059731F-13B9-47B6-8277-A91DA389ACD2}" type="slidenum">
+            <a:fld id="{29934475-607C-4499-BCE2-72F62F3324D9}" type="slidenum">
               <a:rPr lang="en-US"/>
               <a:pPr>
                 <a:defRPr/>
@@ -7436,12 +7446,12 @@
             <a:pPr>
               <a:defRPr/>
             </a:pPr>
-            <a:fld id="{5495332C-50F4-4201-AF7B-72D5AF1881E3}" type="datetimeFigureOut">
+            <a:fld id="{02AC3E20-0F3B-4EB7-A220-F57ECB2E468B}" type="datetimeFigureOut">
               <a:rPr lang="en-US"/>
               <a:pPr>
                 <a:defRPr/>
               </a:pPr>
-              <a:t>10/12/2015</a:t>
+              <a:t>7/3/2015</a:t>
             </a:fld>
           </a:p>
         </p:txBody>
@@ -7494,7 +7504,7 @@
             <a:pPr>
               <a:defRPr/>
             </a:pPr>
-            <a:fld id="{7F64CD81-A690-4E08-A8B0-5ABFD3B2AD63}" type="slidenum">
+            <a:fld id="{24D5F730-9CB9-4ECE-A7E7-9D63DABDCE66}" type="slidenum">
               <a:rPr lang="en-US"/>
               <a:pPr>
                 <a:defRPr/>
@@ -7551,12 +7561,12 @@
             <a:pPr>
               <a:defRPr/>
             </a:pPr>
-            <a:fld id="{8EB362B2-605D-497A-867A-D5CA6F0263FF}" type="datetimeFigureOut">
+            <a:fld id="{D4148016-7323-4BEB-A64B-092935CEC98A}" type="datetimeFigureOut">
               <a:rPr lang="en-US"/>
               <a:pPr>
                 <a:defRPr/>
               </a:pPr>
-              <a:t>10/12/2015</a:t>
+              <a:t>7/3/2015</a:t>
             </a:fld>
           </a:p>
         </p:txBody>
@@ -7609,7 +7619,7 @@
             <a:pPr>
               <a:defRPr/>
             </a:pPr>
-            <a:fld id="{23C3E578-F7F0-434E-9E83-03AC0994F997}" type="slidenum">
+            <a:fld id="{A05212F9-B763-4CC3-B1B4-E3B39430B0AF}" type="slidenum">
               <a:rPr lang="en-US"/>
               <a:pPr>
                 <a:defRPr/>
@@ -7848,12 +7858,12 @@
             <a:pPr>
               <a:defRPr/>
             </a:pPr>
-            <a:fld id="{F3AF221D-A6ED-47CC-9F3C-571A3A6D5A97}" type="datetimeFigureOut">
+            <a:fld id="{44E79C9C-56F7-4F5B-92E7-0452E97B962E}" type="datetimeFigureOut">
               <a:rPr lang="en-US"/>
               <a:pPr>
                 <a:defRPr/>
               </a:pPr>
-              <a:t>10/12/2015</a:t>
+              <a:t>7/3/2015</a:t>
             </a:fld>
           </a:p>
         </p:txBody>
@@ -7906,7 +7916,7 @@
             <a:pPr>
               <a:defRPr/>
             </a:pPr>
-            <a:fld id="{2E3B5AF8-673A-4B83-8C8D-EC5EF04DB7B5}" type="slidenum">
+            <a:fld id="{21DB5B3B-DDB3-4C79-96C8-B64323B67892}" type="slidenum">
               <a:rPr lang="en-US"/>
               <a:pPr>
                 <a:defRPr/>
@@ -8124,12 +8134,12 @@
             <a:pPr>
               <a:defRPr/>
             </a:pPr>
-            <a:fld id="{C642915D-0F91-4A01-A0C5-490EC335D1F1}" type="datetimeFigureOut">
+            <a:fld id="{D1E80479-107E-43B6-B6F4-F01EA1604809}" type="datetimeFigureOut">
               <a:rPr lang="en-US"/>
               <a:pPr>
                 <a:defRPr/>
               </a:pPr>
-              <a:t>10/12/2015</a:t>
+              <a:t>7/3/2015</a:t>
             </a:fld>
           </a:p>
         </p:txBody>
@@ -8182,7 +8192,7 @@
             <a:pPr>
               <a:defRPr/>
             </a:pPr>
-            <a:fld id="{F2076DE3-46F8-4FF0-BDDB-C25936DDB4F1}" type="slidenum">
+            <a:fld id="{9A6E92AD-542F-477A-AA4F-6213B5DEA875}" type="slidenum">
               <a:rPr lang="en-US"/>
               <a:pPr>
                 <a:defRPr/>
@@ -8247,7 +8257,7 @@
           </a:ln>
         </p:spPr>
         <p:txBody>
-          <a:bodyPr vert="horz" wrap="square" lIns="91440" tIns="45720" rIns="91440" bIns="45720" numCol="1" anchor="ctr" anchorCtr="0" compatLnSpc="1">
+          <a:bodyPr vert="horz" wrap="square" lIns="91440" tIns="45720" rIns="91440" bIns="45720" anchor="ctr" anchorCtr="0" compatLnSpc="1">
             <a:prstTxWarp prst="textNoShape">
               <a:avLst/>
             </a:prstTxWarp>
@@ -8287,7 +8297,7 @@
           </a:ln>
         </p:spPr>
         <p:txBody>
-          <a:bodyPr vert="horz" wrap="square" lIns="91440" tIns="45720" rIns="91440" bIns="45720" numCol="1" anchor="t" anchorCtr="0" compatLnSpc="1">
+          <a:bodyPr vert="horz" wrap="square" lIns="91440" tIns="45720" rIns="91440" bIns="45720" anchor="t" anchorCtr="0" compatLnSpc="1">
             <a:prstTxWarp prst="textNoShape">
               <a:avLst/>
             </a:prstTxWarp>
@@ -8359,7 +8369,7 @@
               <a:spcAft>
                 <a:spcPct val="0"/>
               </a:spcAft>
-              <a:defRPr sz="1200">
+              <a:defRPr sz="1200" smtClean="0">
                 <a:solidFill>
                   <a:schemeClr val="tx1">
                     <a:tint val="75000"/>
@@ -8373,12 +8383,12 @@
             <a:pPr>
               <a:defRPr/>
             </a:pPr>
-            <a:fld id="{DA86AA3D-B0C3-4226-8BFC-AFFCF5153808}" type="datetimeFigureOut">
+            <a:fld id="{ED74181E-3DE5-49B2-867A-AC4B42451E98}" type="datetimeFigureOut">
               <a:rPr lang="en-US"/>
               <a:pPr>
                 <a:defRPr/>
               </a:pPr>
-              <a:t>10/12/2015</a:t>
+              <a:t>7/3/2015</a:t>
             </a:fld>
           </a:p>
         </p:txBody>
@@ -8459,7 +8469,7 @@
               <a:spcAft>
                 <a:spcPct val="0"/>
               </a:spcAft>
-              <a:defRPr sz="1200">
+              <a:defRPr sz="1200" smtClean="0">
                 <a:solidFill>
                   <a:schemeClr val="tx1">
                     <a:tint val="75000"/>
@@ -8473,7 +8483,7 @@
             <a:pPr>
               <a:defRPr/>
             </a:pPr>
-            <a:fld id="{D2077A2E-C9F9-430D-A38A-E89ECE31EBD6}" type="slidenum">
+            <a:fld id="{373858C9-C245-4D3D-A56C-F59D98AB27F7}" type="slidenum">
               <a:rPr lang="en-US"/>
               <a:pPr>
                 <a:defRPr/>
@@ -8503,7 +8513,7 @@
   <p:timing/>
   <p:txStyles>
     <p:titleStyle>
-      <a:lvl1pPr algn="ctr" rtl="0" eaLnBrk="0" fontAlgn="base" hangingPunct="0">
+      <a:lvl1pPr algn="ctr" rtl="0" fontAlgn="base">
         <a:spcBef>
           <a:spcPct val="0"/>
         </a:spcBef>
@@ -8519,7 +8529,7 @@
           <a:cs typeface="+mj-cs"/>
         </a:defRPr>
       </a:lvl1pPr>
-      <a:lvl2pPr algn="ctr" rtl="0" eaLnBrk="0" fontAlgn="base" hangingPunct="0">
+      <a:lvl2pPr algn="ctr" rtl="0" fontAlgn="base">
         <a:spcBef>
           <a:spcPct val="0"/>
         </a:spcBef>
@@ -8533,7 +8543,7 @@
           <a:latin typeface="Calibri" pitchFamily="34" charset="0"/>
         </a:defRPr>
       </a:lvl2pPr>
-      <a:lvl3pPr algn="ctr" rtl="0" eaLnBrk="0" fontAlgn="base" hangingPunct="0">
+      <a:lvl3pPr algn="ctr" rtl="0" fontAlgn="base">
         <a:spcBef>
           <a:spcPct val="0"/>
         </a:spcBef>
@@ -8547,7 +8557,7 @@
           <a:latin typeface="Calibri" pitchFamily="34" charset="0"/>
         </a:defRPr>
       </a:lvl3pPr>
-      <a:lvl4pPr algn="ctr" rtl="0" eaLnBrk="0" fontAlgn="base" hangingPunct="0">
+      <a:lvl4pPr algn="ctr" rtl="0" fontAlgn="base">
         <a:spcBef>
           <a:spcPct val="0"/>
         </a:spcBef>
@@ -8561,7 +8571,7 @@
           <a:latin typeface="Calibri" pitchFamily="34" charset="0"/>
         </a:defRPr>
       </a:lvl4pPr>
-      <a:lvl5pPr algn="ctr" rtl="0" eaLnBrk="0" fontAlgn="base" hangingPunct="0">
+      <a:lvl5pPr algn="ctr" rtl="0" fontAlgn="base">
         <a:spcBef>
           <a:spcPct val="0"/>
         </a:spcBef>
@@ -8633,7 +8643,7 @@
       </a:lvl9pPr>
     </p:titleStyle>
     <p:bodyStyle>
-      <a:lvl1pPr marL="342900" indent="-342900" algn="l" rtl="0" eaLnBrk="0" fontAlgn="base" hangingPunct="0">
+      <a:lvl1pPr marL="342900" indent="-342900" algn="l" rtl="0" fontAlgn="base">
         <a:spcBef>
           <a:spcPct val="20000"/>
         </a:spcBef>
@@ -8651,7 +8661,7 @@
           <a:cs typeface="+mn-cs"/>
         </a:defRPr>
       </a:lvl1pPr>
-      <a:lvl2pPr marL="742950" indent="-285750" algn="l" rtl="0" eaLnBrk="0" fontAlgn="base" hangingPunct="0">
+      <a:lvl2pPr marL="742950" indent="-285750" algn="l" rtl="0" fontAlgn="base">
         <a:spcBef>
           <a:spcPct val="20000"/>
         </a:spcBef>
@@ -8669,7 +8679,7 @@
           <a:cs typeface="+mn-cs"/>
         </a:defRPr>
       </a:lvl2pPr>
-      <a:lvl3pPr marL="1143000" indent="-228600" algn="l" rtl="0" eaLnBrk="0" fontAlgn="base" hangingPunct="0">
+      <a:lvl3pPr marL="1143000" indent="-228600" algn="l" rtl="0" fontAlgn="base">
         <a:spcBef>
           <a:spcPct val="20000"/>
         </a:spcBef>
@@ -8687,7 +8697,7 @@
           <a:cs typeface="+mn-cs"/>
         </a:defRPr>
       </a:lvl3pPr>
-      <a:lvl4pPr marL="1600200" indent="-228600" algn="l" rtl="0" eaLnBrk="0" fontAlgn="base" hangingPunct="0">
+      <a:lvl4pPr marL="1600200" indent="-228600" algn="l" rtl="0" fontAlgn="base">
         <a:spcBef>
           <a:spcPct val="20000"/>
         </a:spcBef>
@@ -8705,7 +8715,7 @@
           <a:cs typeface="+mn-cs"/>
         </a:defRPr>
       </a:lvl4pPr>
-      <a:lvl5pPr marL="2057400" indent="-228600" algn="l" rtl="0" eaLnBrk="0" fontAlgn="base" hangingPunct="0">
+      <a:lvl5pPr marL="2057400" indent="-228600" algn="l" rtl="0" fontAlgn="base">
         <a:spcBef>
           <a:spcPct val="20000"/>
         </a:spcBef>
@@ -8928,7 +8938,7 @@
           </a:ln>
         </p:spPr>
         <p:txBody>
-          <a:bodyPr vert="horz" wrap="square" lIns="91440" tIns="45720" rIns="91440" bIns="45720" numCol="1" anchor="ctr" anchorCtr="0" compatLnSpc="1">
+          <a:bodyPr vert="horz" wrap="square" lIns="91440" tIns="45720" rIns="91440" bIns="45720" anchor="ctr" anchorCtr="0" compatLnSpc="1">
             <a:prstTxWarp prst="textNoShape">
               <a:avLst/>
             </a:prstTxWarp>
@@ -8968,7 +8978,7 @@
           </a:ln>
         </p:spPr>
         <p:txBody>
-          <a:bodyPr vert="horz" wrap="square" lIns="91440" tIns="45720" rIns="91440" bIns="45720" numCol="1" anchor="t" anchorCtr="0" compatLnSpc="1">
+          <a:bodyPr vert="horz" wrap="square" lIns="91440" tIns="45720" rIns="91440" bIns="45720" anchor="t" anchorCtr="0" compatLnSpc="1">
             <a:prstTxWarp prst="textNoShape">
               <a:avLst/>
             </a:prstTxWarp>
@@ -9153,12 +9163,12 @@
             <a:pPr>
               <a:defRPr/>
             </a:pPr>
-            <a:fld id="{4BE1331C-E26C-44BA-BC18-3D1D46BE3766}" type="datetimeFigureOut">
+            <a:fld id="{DC18262E-1694-41D6-9547-566BA78EB582}" type="datetimeFigureOut">
               <a:rPr lang="en-US"/>
               <a:pPr>
                 <a:defRPr/>
               </a:pPr>
-              <a:t>10/12/2015</a:t>
+              <a:t>7/3/2015</a:t>
             </a:fld>
           </a:p>
         </p:txBody>
@@ -9451,7 +9461,7 @@
             <a:pPr>
               <a:defRPr/>
             </a:pPr>
-            <a:fld id="{55E18B07-0096-4B9F-9A75-3B618C5AC531}" type="slidenum">
+            <a:fld id="{0C65B993-758C-4CA8-986F-3253BF4CF7D8}" type="slidenum">
               <a:rPr lang="en-US"/>
               <a:pPr>
                 <a:defRPr/>
@@ -9906,7 +9916,7 @@
           </a:ln>
         </p:spPr>
         <p:txBody>
-          <a:bodyPr vert="horz" wrap="square" lIns="91440" tIns="45720" rIns="91440" bIns="45720" numCol="1" anchor="ctr" anchorCtr="0" compatLnSpc="1">
+          <a:bodyPr vert="horz" wrap="square" lIns="91440" tIns="45720" rIns="91440" bIns="45720" anchor="ctr" anchorCtr="0" compatLnSpc="1">
             <a:prstTxWarp prst="textNoShape">
               <a:avLst/>
             </a:prstTxWarp>
@@ -9946,7 +9956,7 @@
           </a:ln>
         </p:spPr>
         <p:txBody>
-          <a:bodyPr vert="horz" wrap="square" lIns="91440" tIns="45720" rIns="91440" bIns="45720" numCol="1" anchor="t" anchorCtr="0" compatLnSpc="1">
+          <a:bodyPr vert="horz" wrap="square" lIns="91440" tIns="45720" rIns="91440" bIns="45720" anchor="t" anchorCtr="0" compatLnSpc="1">
             <a:prstTxWarp prst="textNoShape">
               <a:avLst/>
             </a:prstTxWarp>
@@ -10021,7 +10031,7 @@
               <a:spcAft>
                 <a:spcPct val="0"/>
               </a:spcAft>
-              <a:defRPr sz="1200" kern="1200">
+              <a:defRPr sz="1200" kern="1200" smtClean="0">
                 <a:solidFill>
                   <a:schemeClr val="tx1">
                     <a:tint val="75000"/>
@@ -10107,12 +10117,12 @@
             <a:pPr>
               <a:defRPr/>
             </a:pPr>
-            <a:fld id="{1C66630D-81C7-4FED-98F3-5D84E4467C9A}" type="datetimeFigureOut">
+            <a:fld id="{7928A4D9-921A-4C56-8E3E-BEF467BCA559}" type="datetimeFigureOut">
               <a:rPr lang="en-US"/>
               <a:pPr>
                 <a:defRPr/>
               </a:pPr>
-              <a:t>10/12/2015</a:t>
+              <a:t>7/3/2015</a:t>
             </a:fld>
           </a:p>
         </p:txBody>
@@ -10271,7 +10281,7 @@
               <a:spcAft>
                 <a:spcPct val="0"/>
               </a:spcAft>
-              <a:defRPr sz="1200" kern="1200">
+              <a:defRPr sz="1200" kern="1200" smtClean="0">
                 <a:solidFill>
                   <a:schemeClr val="tx1">
                     <a:tint val="75000"/>
@@ -10357,7 +10367,7 @@
             <a:pPr>
               <a:defRPr/>
             </a:pPr>
-            <a:fld id="{E515811C-9291-438D-8488-8D47FF473B4D}" type="slidenum">
+            <a:fld id="{BF87B64C-4E9B-4A93-9B1C-EA5C1DA01C5B}" type="slidenum">
               <a:rPr lang="en-US"/>
               <a:pPr>
                 <a:defRPr/>
@@ -10387,7 +10397,7 @@
   <p:timing/>
   <p:txStyles>
     <p:titleStyle>
-      <a:lvl1pPr algn="ctr" rtl="0" eaLnBrk="0" fontAlgn="base" hangingPunct="0">
+      <a:lvl1pPr algn="ctr" rtl="0" fontAlgn="base">
         <a:spcBef>
           <a:spcPct val="0"/>
         </a:spcBef>
@@ -10403,7 +10413,7 @@
           <a:cs typeface="+mj-cs"/>
         </a:defRPr>
       </a:lvl1pPr>
-      <a:lvl2pPr algn="ctr" rtl="0" eaLnBrk="0" fontAlgn="base" hangingPunct="0">
+      <a:lvl2pPr algn="ctr" rtl="0" fontAlgn="base">
         <a:spcBef>
           <a:spcPct val="0"/>
         </a:spcBef>
@@ -10417,7 +10427,7 @@
           <a:latin typeface="Calibri" pitchFamily="34" charset="0"/>
         </a:defRPr>
       </a:lvl2pPr>
-      <a:lvl3pPr algn="ctr" rtl="0" eaLnBrk="0" fontAlgn="base" hangingPunct="0">
+      <a:lvl3pPr algn="ctr" rtl="0" fontAlgn="base">
         <a:spcBef>
           <a:spcPct val="0"/>
         </a:spcBef>
@@ -10431,7 +10441,7 @@
           <a:latin typeface="Calibri" pitchFamily="34" charset="0"/>
         </a:defRPr>
       </a:lvl3pPr>
-      <a:lvl4pPr algn="ctr" rtl="0" eaLnBrk="0" fontAlgn="base" hangingPunct="0">
+      <a:lvl4pPr algn="ctr" rtl="0" fontAlgn="base">
         <a:spcBef>
           <a:spcPct val="0"/>
         </a:spcBef>
@@ -10445,7 +10455,7 @@
           <a:latin typeface="Calibri" pitchFamily="34" charset="0"/>
         </a:defRPr>
       </a:lvl4pPr>
-      <a:lvl5pPr algn="ctr" rtl="0" eaLnBrk="0" fontAlgn="base" hangingPunct="0">
+      <a:lvl5pPr algn="ctr" rtl="0" fontAlgn="base">
         <a:spcBef>
           <a:spcPct val="0"/>
         </a:spcBef>
@@ -10517,7 +10527,7 @@
       </a:lvl9pPr>
     </p:titleStyle>
     <p:bodyStyle>
-      <a:lvl1pPr marL="342900" indent="-342900" algn="l" rtl="0" eaLnBrk="0" fontAlgn="base" hangingPunct="0">
+      <a:lvl1pPr marL="342900" indent="-342900" algn="l" rtl="0" fontAlgn="base">
         <a:spcBef>
           <a:spcPct val="20000"/>
         </a:spcBef>
@@ -10535,7 +10545,7 @@
           <a:cs typeface="+mn-cs"/>
         </a:defRPr>
       </a:lvl1pPr>
-      <a:lvl2pPr marL="742950" indent="-285750" algn="l" rtl="0" eaLnBrk="0" fontAlgn="base" hangingPunct="0">
+      <a:lvl2pPr marL="742950" indent="-285750" algn="l" rtl="0" fontAlgn="base">
         <a:spcBef>
           <a:spcPct val="20000"/>
         </a:spcBef>
@@ -10553,7 +10563,7 @@
           <a:cs typeface="+mn-cs"/>
         </a:defRPr>
       </a:lvl2pPr>
-      <a:lvl3pPr marL="1143000" indent="-228600" algn="l" rtl="0" eaLnBrk="0" fontAlgn="base" hangingPunct="0">
+      <a:lvl3pPr marL="1143000" indent="-228600" algn="l" rtl="0" fontAlgn="base">
         <a:spcBef>
           <a:spcPct val="20000"/>
         </a:spcBef>
@@ -10571,7 +10581,7 @@
           <a:cs typeface="+mn-cs"/>
         </a:defRPr>
       </a:lvl3pPr>
-      <a:lvl4pPr marL="1600200" indent="-228600" algn="l" rtl="0" eaLnBrk="0" fontAlgn="base" hangingPunct="0">
+      <a:lvl4pPr marL="1600200" indent="-228600" algn="l" rtl="0" fontAlgn="base">
         <a:spcBef>
           <a:spcPct val="20000"/>
         </a:spcBef>
@@ -10589,7 +10599,7 @@
           <a:cs typeface="+mn-cs"/>
         </a:defRPr>
       </a:lvl4pPr>
-      <a:lvl5pPr marL="2057400" indent="-228600" algn="l" rtl="0" eaLnBrk="0" fontAlgn="base" hangingPunct="0">
+      <a:lvl5pPr marL="2057400" indent="-228600" algn="l" rtl="0" fontAlgn="base">
         <a:spcBef>
           <a:spcPct val="20000"/>
         </a:spcBef>
@@ -10782,6 +10792,283 @@
           <a:ext cx="0" cy="0"/>
         </a:xfrm>
       </p:grpSpPr>
+      <p:sp>
+        <p:nvSpPr>
+          <p:cNvPr id="37889" name="Title 1"/>
+          <p:cNvSpPr>
+            <a:spLocks noGrp="1"/>
+          </p:cNvSpPr>
+          <p:nvPr>
+            <p:ph type="ctrTitle"/>
+          </p:nvPr>
+        </p:nvSpPr>
+        <p:spPr>
+          <a:xfrm>
+            <a:off x="685800" y="3276600"/>
+            <a:ext cx="7772400" cy="1470025"/>
+          </a:xfrm>
+        </p:spPr>
+        <p:txBody>
+          <a:bodyPr/>
+          <a:lstStyle/>
+          <a:p>
+            <a:r>
+              <a:t>Aspose.Slides for Java</a:t>
+            </a:r>
+          </a:p>
+        </p:txBody>
+      </p:sp>
+      <p:sp>
+        <p:nvSpPr>
+          <p:cNvPr id="3" name="Subtitle 2"/>
+          <p:cNvSpPr>
+            <a:spLocks noGrp="1"/>
+          </p:cNvSpPr>
+          <p:nvPr>
+            <p:ph type="subTitle" idx="1"/>
+          </p:nvPr>
+        </p:nvSpPr>
+        <p:spPr>
+          <a:xfrm>
+            <a:off x="1371600" y="4648200"/>
+            <a:ext cx="6400800" cy="1752600"/>
+          </a:xfrm>
+        </p:spPr>
+        <p:txBody>
+          <a:bodyPr rtlCol="0">
+            <a:normAutofit/>
+          </a:bodyPr>
+          <a:lstStyle/>
+          <a:p>
+            <a:pPr fontAlgn="auto">
+              <a:spcAft>
+                <a:spcPct val="0"/>
+              </a:spcAft>
+              <a:buFont typeface="Arial" pitchFamily="34" charset="0"/>
+              <a:buNone/>
+              <a:defRPr/>
+            </a:pPr>
+            <a:r>
+              <a:rPr lang="en-US" smtClean="0"/>
+              <a:t>Sample Text</a:t>
+            </a:r>
+          </a:p>
+          <a:p>
+            <a:pPr fontAlgn="auto">
+              <a:spcAft>
+                <a:spcPct val="0"/>
+              </a:spcAft>
+              <a:buFont typeface="Arial" pitchFamily="34" charset="0"/>
+              <a:buNone/>
+              <a:defRPr/>
+            </a:pPr>
+            <a:endParaRPr lang="en-US"/>
+          </a:p>
+        </p:txBody>
+      </p:sp>
+      <p:graphicFrame>
+        <p:nvGraphicFramePr>
+          <p:cNvPr id="4" name="Table 3"/>
+          <p:cNvGraphicFramePr>
+            <a:graphicFrameLocks noGrp="1"/>
+          </p:cNvGraphicFramePr>
+          <p:nvPr/>
+        </p:nvGraphicFramePr>
+        <p:xfrm>
+          <a:off x="1524000" y="1397000"/>
+          <a:ext cx="6096000" cy="1483360"/>
+        </p:xfrm>
+        <a:graphic>
+          <a:graphicData uri="http://schemas.openxmlformats.org/drawingml/2006/table">
+            <a:tbl>
+              <a:tblPr firstRow="1" bandRow="1">
+                <a:tableStyleId>{5C22544A-7EE6-4342-B048-85BDC9FD1C3A}</a:tableStyleId>
+              </a:tblPr>
+              <a:tblGrid>
+                <a:gridCol w="2032000"/>
+                <a:gridCol w="2032000"/>
+                <a:gridCol w="2032000"/>
+              </a:tblGrid>
+              <a:tr h="370840">
+                <a:tc>
+                  <a:txBody>
+                    <a:bodyPr/>
+                    <a:lstStyle/>
+                    <a:p>
+                      <a:r>
+                        <a:rPr lang="en-US" smtClean="0"/>
+                        <a:t>OrderID</a:t>
+                      </a:r>
+                      <a:endParaRPr lang="en-US"/>
+                    </a:p>
+                  </a:txBody>
+                  <a:tcPr/>
+                </a:tc>
+                <a:tc>
+                  <a:txBody>
+                    <a:bodyPr/>
+                    <a:lstStyle/>
+                    <a:p>
+                      <a:r>
+                        <a:rPr lang="en-US" smtClean="0"/>
+                        <a:t>Product</a:t>
+                      </a:r>
+                      <a:endParaRPr lang="en-US"/>
+                    </a:p>
+                  </a:txBody>
+                  <a:tcPr/>
+                </a:tc>
+                <a:tc>
+                  <a:txBody>
+                    <a:bodyPr/>
+                    <a:lstStyle/>
+                    <a:p>
+                      <a:r>
+                        <a:rPr lang="en-US" smtClean="0"/>
+                        <a:t>Price</a:t>
+                      </a:r>
+                      <a:endParaRPr lang="en-US"/>
+                    </a:p>
+                  </a:txBody>
+                  <a:tcPr/>
+                </a:tc>
+              </a:tr>
+              <a:tr h="370840">
+                <a:tc>
+                  <a:txBody>
+                    <a:bodyPr/>
+                    <a:lstStyle/>
+                    <a:p>
+                      <a:r>
+                        <a:rPr lang="en-US" smtClean="0"/>
+                        <a:t>1</a:t>
+                      </a:r>
+                      <a:endParaRPr lang="en-US"/>
+                    </a:p>
+                  </a:txBody>
+                  <a:tcPr/>
+                </a:tc>
+                <a:tc>
+                  <a:txBody>
+                    <a:bodyPr/>
+                    <a:lstStyle/>
+                    <a:p>
+                      <a:r>
+                        <a:rPr lang="en-US" smtClean="0"/>
+                        <a:t>ABC</a:t>
+                      </a:r>
+                      <a:endParaRPr lang="en-US"/>
+                    </a:p>
+                  </a:txBody>
+                  <a:tcPr/>
+                </a:tc>
+                <a:tc>
+                  <a:txBody>
+                    <a:bodyPr/>
+                    <a:lstStyle/>
+                    <a:p>
+                      <a:r>
+                        <a:rPr lang="en-US" smtClean="0"/>
+                        <a:t>300</a:t>
+                      </a:r>
+                      <a:endParaRPr lang="en-US"/>
+                    </a:p>
+                  </a:txBody>
+                  <a:tcPr/>
+                </a:tc>
+              </a:tr>
+              <a:tr h="370840">
+                <a:tc>
+                  <a:txBody>
+                    <a:bodyPr/>
+                    <a:lstStyle/>
+                    <a:p>
+                      <a:r>
+                        <a:rPr lang="en-US" smtClean="0"/>
+                        <a:t>2</a:t>
+                      </a:r>
+                      <a:endParaRPr lang="en-US"/>
+                    </a:p>
+                  </a:txBody>
+                  <a:tcPr/>
+                </a:tc>
+                <a:tc>
+                  <a:txBody>
+                    <a:bodyPr/>
+                    <a:lstStyle/>
+                    <a:p>
+                      <a:r>
+                        <a:rPr lang="en-US" smtClean="0"/>
+                        <a:t>XYZ</a:t>
+                      </a:r>
+                      <a:endParaRPr lang="en-US"/>
+                    </a:p>
+                  </a:txBody>
+                  <a:tcPr/>
+                </a:tc>
+                <a:tc>
+                  <a:txBody>
+                    <a:bodyPr/>
+                    <a:lstStyle/>
+                    <a:p>
+                      <a:r>
+                        <a:rPr lang="en-US" smtClean="0"/>
+                        <a:t>550</a:t>
+                      </a:r>
+                      <a:endParaRPr lang="en-US"/>
+                    </a:p>
+                  </a:txBody>
+                  <a:tcPr/>
+                </a:tc>
+              </a:tr>
+              <a:tr h="370840">
+                <a:tc>
+                  <a:txBody>
+                    <a:bodyPr/>
+                    <a:lstStyle/>
+                    <a:p>
+                      <a:r>
+                        <a:rPr lang="en-US" smtClean="0"/>
+                        <a:t>3</a:t>
+                      </a:r>
+                      <a:endParaRPr lang="en-US"/>
+                    </a:p>
+                  </a:txBody>
+                  <a:tcPr/>
+                </a:tc>
+                <a:tc>
+                  <a:txBody>
+                    <a:bodyPr/>
+                    <a:lstStyle/>
+                    <a:p>
+                      <a:r>
+                        <a:rPr lang="en-US" smtClean="0"/>
+                        <a:t>PQR</a:t>
+                      </a:r>
+                      <a:endParaRPr lang="en-US"/>
+                    </a:p>
+                  </a:txBody>
+                  <a:tcPr/>
+                </a:tc>
+                <a:tc>
+                  <a:txBody>
+                    <a:bodyPr/>
+                    <a:lstStyle/>
+                    <a:p>
+                      <a:r>
+                        <a:rPr lang="en-US" smtClean="0"/>
+                        <a:t>875</a:t>
+                      </a:r>
+                      <a:endParaRPr lang="en-US"/>
+                    </a:p>
+                  </a:txBody>
+                  <a:tcPr/>
+                </a:tc>
+              </a:tr>
+            </a:tbl>
+          </a:graphicData>
+        </a:graphic>
+      </p:graphicFrame>
     </p:spTree>
   </p:cSld>
   <p:clrMapOvr>
@@ -10794,7 +11081,7 @@
 
 <file path=ppt/slides/slide2.xml><?xml version="1.0" encoding="utf-8"?>
 <p:sld xmlns:a="http://schemas.openxmlformats.org/drawingml/2006/main" xmlns:r="http://schemas.openxmlformats.org/officeDocument/2006/relationships" xmlns:p14="http://schemas.microsoft.com/office/powerpoint/2010/main" xmlns:p15="http://schemas.microsoft.com/office/powerpoint/2012/main" xmlns:p="http://schemas.openxmlformats.org/presentationml/2006/main">
-  <p:cSld name="">
+  <p:cSld>
     <p:spTree>
       <p:nvGrpSpPr>
         <p:cNvPr id="1" name=""/>
@@ -10807,6 +11094,507 @@
           <a:ext cx="0" cy="0"/>
         </a:xfrm>
       </p:grpSpPr>
+      <p:sp>
+        <p:nvSpPr>
+          <p:cNvPr id="38913" name="Title 1"/>
+          <p:cNvSpPr>
+            <a:spLocks noGrp="1"/>
+          </p:cNvSpPr>
+          <p:nvPr>
+            <p:ph type="ctrTitle" idx="4294967295"/>
+          </p:nvPr>
+        </p:nvSpPr>
+        <p:spPr>
+          <a:xfrm>
+            <a:off x="685800" y="2130425"/>
+            <a:ext cx="7772400" cy="1470025"/>
+          </a:xfrm>
+        </p:spPr>
+        <p:txBody>
+          <a:bodyPr/>
+          <a:lstStyle/>
+          <a:p>
+            <a:pPr eaLnBrk="1" hangingPunct="1"/>
+            <a:r>
+              <a:t>Aspose Sample 2</a:t>
+            </a:r>
+          </a:p>
+        </p:txBody>
+      </p:sp>
+      <p:sp>
+        <p:nvSpPr>
+          <p:cNvPr id="38914" name="Subtitle 2"/>
+          <p:cNvSpPr>
+            <a:spLocks noGrp="1"/>
+          </p:cNvSpPr>
+          <p:nvPr>
+            <p:ph type="subTitle" idx="4294967295"/>
+          </p:nvPr>
+        </p:nvSpPr>
+        <p:spPr>
+          <a:xfrm>
+            <a:off x="1371600" y="3886200"/>
+            <a:ext cx="6400800" cy="1752600"/>
+          </a:xfrm>
+        </p:spPr>
+        <p:txBody>
+          <a:bodyPr/>
+          <a:lstStyle/>
+          <a:p>
+            <a:pPr marL="0" indent="0" algn="ctr" eaLnBrk="1" hangingPunct="1">
+              <a:buFont typeface="Arial" charset="0"/>
+              <a:buNone/>
+            </a:pPr>
+            <a:r>
+              <a:t>Aspose.Slides 2</a:t>
+            </a:r>
+          </a:p>
+          <a:p>
+            <a:pPr marL="0" indent="0" algn="ctr" eaLnBrk="1" hangingPunct="1">
+              <a:buFont typeface="Arial" charset="0"/>
+              <a:buNone/>
+            </a:pPr>
+            <a:r>
+              <a:t>Sample text 1</a:t>
+            </a:r>
+          </a:p>
+          <a:p>
+            <a:pPr marL="0" indent="0" algn="ctr" eaLnBrk="1" hangingPunct="1">
+              <a:buFont typeface="Arial" charset="0"/>
+              <a:buNone/>
+            </a:pPr>
+            <a:r>
+              <a:t>Sample text 2</a:t>
+            </a:r>
+          </a:p>
+        </p:txBody>
+      </p:sp>
+      <p:sp>
+        <p:nvSpPr>
+          <p:cNvPr id="4" name="Rectangle 3" descr="Shape1"/>
+          <p:cNvSpPr/>
+          <p:nvPr/>
+        </p:nvSpPr>
+        <p:spPr>
+          <a:xfrm>
+            <a:off x="2057400" y="762000"/>
+            <a:ext cx="1524000" cy="990600"/>
+          </a:xfrm>
+          <a:prstGeom prst="rect">
+            <a:avLst/>
+          </a:prstGeom>
+          <a:ln w="25400" cap="flat" algn="ctr">
+            <a:prstDash val="solid"/>
+          </a:ln>
+        </p:spPr>
+        <p:style>
+          <a:lnRef idx="2">
+            <a:schemeClr val="accent1">
+              <a:shade val="50000"/>
+            </a:schemeClr>
+          </a:lnRef>
+          <a:fillRef idx="1">
+            <a:schemeClr val="accent1"/>
+          </a:fillRef>
+          <a:effectRef idx="0">
+            <a:schemeClr val="accent1"/>
+          </a:effectRef>
+          <a:fontRef idx="minor">
+            <a:schemeClr val="lt1"/>
+          </a:fontRef>
+        </p:style>
+        <p:txBody>
+          <a:bodyPr anchor="ctr"/>
+          <a:lstStyle>
+            <a:defPPr>
+              <a:defRPr lang="en-US"/>
+            </a:defPPr>
+            <a:lvl1pPr marL="0" marR="0" indent="0" algn="l" defTabSz="914400" rtl="0" eaLnBrk="0" fontAlgn="base" latinLnBrk="0" hangingPunct="1">
+              <a:lnSpc>
+                <a:spcPct val="100000"/>
+              </a:lnSpc>
+              <a:spcBef>
+                <a:spcPct val="0"/>
+              </a:spcBef>
+              <a:spcAft>
+                <a:spcPct val="0"/>
+              </a:spcAft>
+              <a:buClrTx/>
+              <a:buSzTx/>
+              <a:buFontTx/>
+              <a:buNone/>
+              <a:defRPr kumimoji="0" sz="1800" b="0" i="0" u="none" strike="noStrike" kern="1200" cap="none" spc="0" normalizeH="0" baseline="0" noProof="0">
+                <a:solidFill>
+                  <a:srgbClr val="FFFFFF"/>
+                </a:solidFill>
+                <a:uLnTx/>
+                <a:uFillTx/>
+                <a:latin typeface="Calibri"/>
+                <a:ea typeface="Arial"/>
+                <a:cs typeface="+mn-cs"/>
+                <a:sym typeface="Wingdings"/>
+              </a:defRPr>
+            </a:lvl1pPr>
+            <a:lvl2pPr marL="457200" marR="0" indent="0" algn="l" defTabSz="914400" rtl="0" eaLnBrk="0" fontAlgn="base" latinLnBrk="0" hangingPunct="1">
+              <a:lnSpc>
+                <a:spcPct val="100000"/>
+              </a:lnSpc>
+              <a:spcBef>
+                <a:spcPct val="0"/>
+              </a:spcBef>
+              <a:spcAft>
+                <a:spcPct val="0"/>
+              </a:spcAft>
+              <a:buClrTx/>
+              <a:buSzTx/>
+              <a:buFontTx/>
+              <a:buNone/>
+              <a:defRPr kumimoji="0" sz="1800" b="0" i="0" u="none" strike="noStrike" kern="1200" cap="none" spc="0" normalizeH="0" baseline="0" noProof="0">
+                <a:solidFill>
+                  <a:srgbClr val="FFFFFF"/>
+                </a:solidFill>
+                <a:uLnTx/>
+                <a:uFillTx/>
+                <a:latin typeface="Calibri"/>
+                <a:ea typeface="Arial"/>
+                <a:cs typeface="+mn-cs"/>
+                <a:sym typeface="Wingdings"/>
+              </a:defRPr>
+            </a:lvl2pPr>
+            <a:lvl3pPr marL="914400" marR="0" indent="0" algn="l" defTabSz="914400" rtl="0" eaLnBrk="0" fontAlgn="base" latinLnBrk="0" hangingPunct="1">
+              <a:lnSpc>
+                <a:spcPct val="100000"/>
+              </a:lnSpc>
+              <a:spcBef>
+                <a:spcPct val="0"/>
+              </a:spcBef>
+              <a:spcAft>
+                <a:spcPct val="0"/>
+              </a:spcAft>
+              <a:buClrTx/>
+              <a:buSzTx/>
+              <a:buFontTx/>
+              <a:buNone/>
+              <a:defRPr kumimoji="0" sz="1800" b="0" i="0" u="none" strike="noStrike" kern="1200" cap="none" spc="0" normalizeH="0" baseline="0" noProof="0">
+                <a:solidFill>
+                  <a:srgbClr val="FFFFFF"/>
+                </a:solidFill>
+                <a:uLnTx/>
+                <a:uFillTx/>
+                <a:latin typeface="Calibri"/>
+                <a:ea typeface="Arial"/>
+                <a:cs typeface="+mn-cs"/>
+                <a:sym typeface="Wingdings"/>
+              </a:defRPr>
+            </a:lvl3pPr>
+            <a:lvl4pPr marL="1371600" marR="0" indent="0" algn="l" defTabSz="914400" rtl="0" eaLnBrk="0" fontAlgn="base" latinLnBrk="0" hangingPunct="1">
+              <a:lnSpc>
+                <a:spcPct val="100000"/>
+              </a:lnSpc>
+              <a:spcBef>
+                <a:spcPct val="0"/>
+              </a:spcBef>
+              <a:spcAft>
+                <a:spcPct val="0"/>
+              </a:spcAft>
+              <a:buClrTx/>
+              <a:buSzTx/>
+              <a:buFontTx/>
+              <a:buNone/>
+              <a:defRPr kumimoji="0" sz="1800" b="0" i="0" u="none" strike="noStrike" kern="1200" cap="none" spc="0" normalizeH="0" baseline="0" noProof="0">
+                <a:solidFill>
+                  <a:srgbClr val="FFFFFF"/>
+                </a:solidFill>
+                <a:uLnTx/>
+                <a:uFillTx/>
+                <a:latin typeface="Calibri"/>
+                <a:ea typeface="Arial"/>
+                <a:cs typeface="+mn-cs"/>
+                <a:sym typeface="Wingdings"/>
+              </a:defRPr>
+            </a:lvl4pPr>
+            <a:lvl5pPr marL="1828800" marR="0" indent="0" algn="l" defTabSz="914400" rtl="0" eaLnBrk="0" fontAlgn="base" latinLnBrk="0" hangingPunct="1">
+              <a:lnSpc>
+                <a:spcPct val="100000"/>
+              </a:lnSpc>
+              <a:spcBef>
+                <a:spcPct val="0"/>
+              </a:spcBef>
+              <a:spcAft>
+                <a:spcPct val="0"/>
+              </a:spcAft>
+              <a:buClrTx/>
+              <a:buSzTx/>
+              <a:buFontTx/>
+              <a:buNone/>
+              <a:defRPr kumimoji="0" sz="1800" b="0" i="0" u="none" strike="noStrike" kern="1200" cap="none" spc="0" normalizeH="0" baseline="0" noProof="0">
+                <a:solidFill>
+                  <a:srgbClr val="FFFFFF"/>
+                </a:solidFill>
+                <a:uLnTx/>
+                <a:uFillTx/>
+                <a:latin typeface="Calibri"/>
+                <a:ea typeface="Arial"/>
+                <a:cs typeface="+mn-cs"/>
+                <a:sym typeface="Wingdings"/>
+              </a:defRPr>
+            </a:lvl5pPr>
+            <a:lvl6pPr marL="2286000" marR="0" indent="0" algn="l" defTabSz="914400" rtl="0" eaLnBrk="1" fontAlgn="auto" latinLnBrk="0" hangingPunct="1">
+              <a:lnSpc>
+                <a:spcPct val="100000"/>
+              </a:lnSpc>
+              <a:spcBef>
+                <a:spcPct val="0"/>
+              </a:spcBef>
+              <a:spcAft>
+                <a:spcPct val="0"/>
+              </a:spcAft>
+              <a:buClrTx/>
+              <a:buSzTx/>
+              <a:buFontTx/>
+              <a:buNone/>
+              <a:defRPr kumimoji="0" sz="1800" b="0" i="0" u="none" strike="noStrike" kern="1200" cap="none" spc="0" normalizeH="0" baseline="0" noProof="0">
+                <a:solidFill>
+                  <a:srgbClr val="FFFFFF"/>
+                </a:solidFill>
+                <a:uLnTx/>
+                <a:uFillTx/>
+                <a:latin typeface="Calibri"/>
+                <a:ea typeface="Arial"/>
+                <a:cs typeface="+mn-cs"/>
+                <a:sym typeface="Wingdings"/>
+              </a:defRPr>
+            </a:lvl6pPr>
+            <a:lvl7pPr marL="2743200" marR="0" indent="0" algn="l" defTabSz="914400" rtl="0" eaLnBrk="1" fontAlgn="auto" latinLnBrk="0" hangingPunct="1">
+              <a:lnSpc>
+                <a:spcPct val="100000"/>
+              </a:lnSpc>
+              <a:spcBef>
+                <a:spcPct val="0"/>
+              </a:spcBef>
+              <a:spcAft>
+                <a:spcPct val="0"/>
+              </a:spcAft>
+              <a:buClrTx/>
+              <a:buSzTx/>
+              <a:buFontTx/>
+              <a:buNone/>
+              <a:defRPr kumimoji="0" sz="1800" b="0" i="0" u="none" strike="noStrike" kern="1200" cap="none" spc="0" normalizeH="0" baseline="0" noProof="0">
+                <a:solidFill>
+                  <a:srgbClr val="FFFFFF"/>
+                </a:solidFill>
+                <a:uLnTx/>
+                <a:uFillTx/>
+                <a:latin typeface="Calibri"/>
+                <a:ea typeface="Arial"/>
+                <a:cs typeface="+mn-cs"/>
+                <a:sym typeface="Wingdings"/>
+              </a:defRPr>
+            </a:lvl7pPr>
+            <a:lvl8pPr marL="3200400" marR="0" indent="0" algn="l" defTabSz="914400" rtl="0" eaLnBrk="1" fontAlgn="auto" latinLnBrk="0" hangingPunct="1">
+              <a:lnSpc>
+                <a:spcPct val="100000"/>
+              </a:lnSpc>
+              <a:spcBef>
+                <a:spcPct val="0"/>
+              </a:spcBef>
+              <a:spcAft>
+                <a:spcPct val="0"/>
+              </a:spcAft>
+              <a:buClrTx/>
+              <a:buSzTx/>
+              <a:buFontTx/>
+              <a:buNone/>
+              <a:defRPr kumimoji="0" sz="1800" b="0" i="0" u="none" strike="noStrike" kern="1200" cap="none" spc="0" normalizeH="0" baseline="0" noProof="0">
+                <a:solidFill>
+                  <a:srgbClr val="FFFFFF"/>
+                </a:solidFill>
+                <a:uLnTx/>
+                <a:uFillTx/>
+                <a:latin typeface="Calibri"/>
+                <a:ea typeface="Arial"/>
+                <a:cs typeface="+mn-cs"/>
+                <a:sym typeface="Wingdings"/>
+              </a:defRPr>
+            </a:lvl8pPr>
+            <a:lvl9pPr marL="3657600" marR="0" indent="0" algn="l" defTabSz="914400" rtl="0" eaLnBrk="1" fontAlgn="auto" latinLnBrk="0" hangingPunct="1">
+              <a:lnSpc>
+                <a:spcPct val="100000"/>
+              </a:lnSpc>
+              <a:spcBef>
+                <a:spcPct val="0"/>
+              </a:spcBef>
+              <a:spcAft>
+                <a:spcPct val="0"/>
+              </a:spcAft>
+              <a:buClrTx/>
+              <a:buSzTx/>
+              <a:buFontTx/>
+              <a:buNone/>
+              <a:defRPr kumimoji="0" sz="1800" b="0" i="0" u="none" strike="noStrike" kern="1200" cap="none" spc="0" normalizeH="0" baseline="0" noProof="0">
+                <a:solidFill>
+                  <a:srgbClr val="FFFFFF"/>
+                </a:solidFill>
+                <a:uLnTx/>
+                <a:uFillTx/>
+                <a:latin typeface="Calibri"/>
+                <a:ea typeface="Arial"/>
+                <a:cs typeface="+mn-cs"/>
+                <a:sym typeface="Wingdings"/>
+              </a:defRPr>
+            </a:lvl9pPr>
+          </a:lstStyle>
+          <a:p>
+            <a:pPr algn="ctr" fontAlgn="auto">
+              <a:defRPr/>
+            </a:pPr>
+            <a:endParaRPr lang="en-US"/>
+          </a:p>
+        </p:txBody>
+      </p:sp>
+      <p:cxnSp>
+        <p:nvCxnSpPr>
+          <p:cNvPr id="6" name="Elbow Connector 5"/>
+          <p:cNvCxnSpPr/>
+          <p:nvPr/>
+        </p:nvCxnSpPr>
+        <p:spPr>
+          <a:xfrm>
+            <a:off x="3810000" y="1219200"/>
+            <a:ext cx="1447800" cy="1066800"/>
+          </a:xfrm>
+          <a:prstGeom prst="bentConnector3">
+            <a:avLst>
+              <a:gd name="adj1" fmla="val 50000"/>
+            </a:avLst>
+          </a:prstGeom>
+          <a:ln w="9525" cap="flat" algn="ctr">
+            <a:solidFill>
+              <a:srgbClr val="FF0000"/>
+            </a:solidFill>
+            <a:prstDash val="solid"/>
+            <a:tailEnd type="arrow"/>
+          </a:ln>
+          <a:effectLst>
+            <a:reflection blurRad="6350" stA="50000" endA="300" endPos="55000" dir="5400000" sy="-100000" algn="bl" rotWithShape="0"/>
+          </a:effectLst>
+        </p:spPr>
+        <p:style>
+          <a:lnRef idx="1">
+            <a:schemeClr val="accent1"/>
+          </a:lnRef>
+          <a:fillRef idx="0">
+            <a:schemeClr val="accent1"/>
+          </a:fillRef>
+          <a:effectRef idx="0">
+            <a:schemeClr val="accent1"/>
+          </a:effectRef>
+          <a:fontRef idx="minor">
+            <a:schemeClr val="tx1"/>
+          </a:fontRef>
+        </p:style>
+      </p:cxnSp>
+    </p:spTree>
+  </p:cSld>
+  <p:clrMapOvr>
+    <a:masterClrMapping/>
+  </p:clrMapOvr>
+  <p:transition/>
+  <p:timing/>
+</p:sld>
+</file>
+
+<file path=ppt/slides/slide3.xml><?xml version="1.0" encoding="utf-8"?>
+<p:sld xmlns:a="http://schemas.openxmlformats.org/drawingml/2006/main" xmlns:r="http://schemas.openxmlformats.org/officeDocument/2006/relationships" xmlns:p14="http://schemas.microsoft.com/office/powerpoint/2010/main" xmlns:p15="http://schemas.microsoft.com/office/powerpoint/2012/main" xmlns:p="http://schemas.openxmlformats.org/presentationml/2006/main">
+  <p:cSld>
+    <p:spTree>
+      <p:nvGrpSpPr>
+        <p:cNvPr id="1" name=""/>
+        <p:cNvGrpSpPr/>
+        <p:nvPr/>
+      </p:nvGrpSpPr>
+      <p:grpSpPr>
+        <a:xfrm>
+          <a:off x="0" y="0"/>
+          <a:ext cx="0" cy="0"/>
+        </a:xfrm>
+      </p:grpSpPr>
+      <p:sp>
+        <p:nvSpPr>
+          <p:cNvPr id="39937" name="Title 1"/>
+          <p:cNvSpPr>
+            <a:spLocks noGrp="1"/>
+          </p:cNvSpPr>
+          <p:nvPr>
+            <p:ph type="ctrTitle"/>
+          </p:nvPr>
+        </p:nvSpPr>
+        <p:spPr/>
+        <p:txBody>
+          <a:bodyPr/>
+          <a:lstStyle/>
+          <a:p>
+            <a:r>
+              <a:t>Aspose.Slides for Java</a:t>
+            </a:r>
+          </a:p>
+        </p:txBody>
+      </p:sp>
+      <p:sp>
+        <p:nvSpPr>
+          <p:cNvPr id="39938" name="Subtitle 2"/>
+          <p:cNvSpPr>
+            <a:spLocks noGrp="1"/>
+          </p:cNvSpPr>
+          <p:nvPr>
+            <p:ph type="subTitle" idx="1"/>
+          </p:nvPr>
+        </p:nvSpPr>
+        <p:spPr/>
+        <p:txBody>
+          <a:bodyPr/>
+          <a:lstStyle/>
+          <a:p>
+            <a:r>
+              <a:rPr lang="en-US" b="1" smtClean="0">
+                <a:solidFill>
+                  <a:srgbClr val="FF0000"/>
+                </a:solidFill>
+              </a:rPr>
+              <a:t>Test File</a:t>
+            </a:r>
+          </a:p>
+        </p:txBody>
+      </p:sp>
+      <p:pic>
+        <p:nvPicPr>
+          <p:cNvPr id="39939" name="Picture 3" descr="aspose-logo.jpg"/>
+          <p:cNvPicPr>
+            <a:picLocks noChangeAspect="1"/>
+          </p:cNvPicPr>
+          <p:nvPr/>
+        </p:nvPicPr>
+        <p:blipFill>
+          <a:blip r:embed="rId2"/>
+          <a:stretch>
+            <a:fillRect/>
+          </a:stretch>
+        </p:blipFill>
+        <p:spPr bwMode="auto">
+          <a:xfrm>
+            <a:off x="3643313" y="3167063"/>
+            <a:ext cx="1857375" cy="523875"/>
+          </a:xfrm>
+          <a:prstGeom prst="rect">
+            <a:avLst/>
+          </a:prstGeom>
+          <a:noFill/>
+          <a:ln w="9525">
+            <a:noFill/>
+            <a:miter lim="800000"/>
+          </a:ln>
+        </p:spPr>
+      </p:pic>
     </p:spTree>
   </p:cSld>
   <p:clrMapOvr>
@@ -10819,11 +11607,11 @@
 
 <file path=ppt/tags/tag1.xml><?xml version="1.0" encoding="utf-8"?>
 <p:tagLst xmlns:p="http://schemas.openxmlformats.org/presentationml/2006/main">
-  <p:tag name="AS_NET" val="4.0.30319.36366"/>
+  <p:tag name="AS_NET" val="4.0.30319.34209"/>
   <p:tag name="AS_OS" val="Microsoft Windows NT 6.2.9200.0"/>
-  <p:tag name="AS_RELEASE_DATE" val="2016.08.03"/>
+  <p:tag name="AS_RELEASE_DATE" val="2015.08.28"/>
   <p:tag name="AS_TITLE" val="Aspose.Slides for .NET 4.0"/>
-  <p:tag name="AS_VERSION" val="16.7.0.0"/>
+  <p:tag name="AS_VERSION" val="15.7.0.0"/>
 </p:tagLst>
 </file>
 
@@ -10965,6 +11753,7 @@
             </a:gs>
           </a:gsLst>
           <a:lin ang="16200000" scaled="1"/>
+          <a:tileRect/>
         </a:gradFill>
         <a:gradFill rotWithShape="1">
           <a:gsLst>
@@ -10988,6 +11777,7 @@
             </a:gs>
           </a:gsLst>
           <a:lin ang="16200000" scaled="0"/>
+          <a:tileRect/>
         </a:gradFill>
       </a:fillStyleLst>
       <a:lnStyleLst>
@@ -11082,6 +11872,7 @@
           <a:path path="circle">
             <a:fillToRect/>
           </a:path>
+          <a:tileRect/>
         </a:gradFill>
         <a:gradFill rotWithShape="1">
           <a:gsLst>
@@ -11101,6 +11892,7 @@
           <a:path path="circle">
             <a:fillToRect l="50000" t="50000" r="50000" b="50000"/>
           </a:path>
+          <a:tileRect/>
         </a:gradFill>
       </a:bgFillStyleLst>
     </a:fmtScheme>
@@ -11249,6 +12041,7 @@
             </a:gs>
           </a:gsLst>
           <a:lin ang="16200000" scaled="1"/>
+          <a:tileRect/>
         </a:gradFill>
         <a:gradFill rotWithShape="1">
           <a:gsLst>
@@ -11272,6 +12065,7 @@
             </a:gs>
           </a:gsLst>
           <a:lin ang="16200000" scaled="0"/>
+          <a:tileRect/>
         </a:gradFill>
       </a:fillStyleLst>
       <a:lnStyleLst>
@@ -11366,6 +12160,7 @@
           <a:path path="circle">
             <a:fillToRect/>
           </a:path>
+          <a:tileRect/>
         </a:gradFill>
         <a:gradFill rotWithShape="1">
           <a:gsLst>
@@ -11385,6 +12180,7 @@
           <a:path path="circle">
             <a:fillToRect l="50000" t="50000" r="50000" b="50000"/>
           </a:path>
+          <a:tileRect/>
         </a:gradFill>
       </a:bgFillStyleLst>
     </a:fmtScheme>
@@ -11531,6 +12327,7 @@
             </a:gs>
           </a:gsLst>
           <a:lin ang="16200000" scaled="1"/>
+          <a:tileRect/>
         </a:gradFill>
         <a:gradFill rotWithShape="1">
           <a:gsLst>
@@ -11554,6 +12351,7 @@
             </a:gs>
           </a:gsLst>
           <a:lin ang="16200000" scaled="0"/>
+          <a:tileRect/>
         </a:gradFill>
       </a:fillStyleLst>
       <a:lnStyleLst>
@@ -11648,6 +12446,7 @@
           <a:path path="circle">
             <a:fillToRect/>
           </a:path>
+          <a:tileRect/>
         </a:gradFill>
         <a:gradFill rotWithShape="1">
           <a:gsLst>
@@ -11667,6 +12466,7 @@
           <a:path path="circle">
             <a:fillToRect l="50000" t="50000" r="50000" b="50000"/>
           </a:path>
+          <a:tileRect/>
         </a:gradFill>
       </a:bgFillStyleLst>
     </a:fmtScheme>
